--- a/restricted/slides8w.pptx
+++ b/restricted/slides8w.pptx
@@ -5,10 +5,10 @@
     <p:sldMasterId id="2147483650" r:id="rId1"/>
   </p:sldMasterIdLst>
   <p:notesMasterIdLst>
-    <p:notesMasterId r:id="rId50"/>
+    <p:notesMasterId r:id="rId51"/>
   </p:notesMasterIdLst>
   <p:handoutMasterIdLst>
-    <p:handoutMasterId r:id="rId51"/>
+    <p:handoutMasterId r:id="rId52"/>
   </p:handoutMasterIdLst>
   <p:sldIdLst>
     <p:sldId id="728" r:id="rId2"/>
@@ -55,60 +55,61 @@
     <p:sldId id="897" r:id="rId43"/>
     <p:sldId id="898" r:id="rId44"/>
     <p:sldId id="899" r:id="rId45"/>
-    <p:sldId id="902" r:id="rId46"/>
-    <p:sldId id="903" r:id="rId47"/>
-    <p:sldId id="904" r:id="rId48"/>
-    <p:sldId id="879" r:id="rId49"/>
+    <p:sldId id="906" r:id="rId46"/>
+    <p:sldId id="902" r:id="rId47"/>
+    <p:sldId id="903" r:id="rId48"/>
+    <p:sldId id="904" r:id="rId49"/>
+    <p:sldId id="879" r:id="rId50"/>
   </p:sldIdLst>
   <p:sldSz cx="9144000" cy="6858000" type="screen4x3"/>
   <p:notesSz cx="7315200" cy="9601200"/>
   <p:embeddedFontLst>
     <p:embeddedFont>
       <p:font typeface="Comic Sans MS"/>
-      <p:regular r:id="rId52"/>
-      <p:bold r:id="rId53"/>
+      <p:regular r:id="rId53"/>
+      <p:bold r:id="rId54"/>
     </p:embeddedFont>
     <p:embeddedFont>
       <p:font typeface="EURM10"/>
-      <p:regular r:id="rId54"/>
+      <p:regular r:id="rId55"/>
     </p:embeddedFont>
     <p:embeddedFont>
       <p:font typeface="EUFM10"/>
-      <p:regular r:id="rId55"/>
+      <p:regular r:id="rId56"/>
     </p:embeddedFont>
     <p:embeddedFont>
       <p:font typeface="EURM7"/>
-      <p:regular r:id="rId56"/>
+      <p:regular r:id="rId57"/>
     </p:embeddedFont>
     <p:embeddedFont>
       <p:font typeface="EURM5"/>
-      <p:regular r:id="rId57"/>
+      <p:regular r:id="rId58"/>
     </p:embeddedFont>
     <p:embeddedFont>
       <p:font typeface="CMSY10"/>
-      <p:regular r:id="rId58"/>
+      <p:regular r:id="rId59"/>
     </p:embeddedFont>
     <p:embeddedFont>
       <p:font typeface="Euclid Symbol" charset="2"/>
-      <p:regular r:id="rId59"/>
-      <p:bold r:id="rId60"/>
-      <p:italic r:id="rId61"/>
-      <p:boldItalic r:id="rId62"/>
+      <p:regular r:id="rId60"/>
+      <p:bold r:id="rId61"/>
+      <p:italic r:id="rId62"/>
+      <p:boldItalic r:id="rId63"/>
     </p:embeddedFont>
     <p:embeddedFont>
       <p:font typeface="Arial Unicode MS"/>
-      <p:regular r:id="rId63"/>
+      <p:regular r:id="rId64"/>
     </p:embeddedFont>
     <p:embeddedFont>
       <p:font typeface="Times"/>
-      <p:regular r:id="rId64"/>
-      <p:bold r:id="rId65"/>
-      <p:italic r:id="rId66"/>
-      <p:boldItalic r:id="rId67"/>
+      <p:regular r:id="rId65"/>
+      <p:bold r:id="rId66"/>
+      <p:italic r:id="rId67"/>
+      <p:boldItalic r:id="rId68"/>
     </p:embeddedFont>
   </p:embeddedFontLst>
   <p:custDataLst>
-    <p:tags r:id="rId69"/>
+    <p:tags r:id="rId70"/>
   </p:custDataLst>
   <p:defaultTextStyle>
     <a:defPPr>
@@ -6282,6 +6283,138 @@
       </p:grpSpPr>
       <p:sp>
         <p:nvSpPr>
+          <p:cNvPr id="93186" name="Rectangle 2"/>
+          <p:cNvSpPr>
+            <a:spLocks noGrp="1" noRot="1" noChangeAspect="1" noTextEdit="1"/>
+          </p:cNvSpPr>
+          <p:nvPr>
+            <p:ph type="sldImg"/>
+          </p:nvPr>
+        </p:nvSpPr>
+        <p:spPr>
+          <a:ln/>
+        </p:spPr>
+      </p:sp>
+      <p:sp>
+        <p:nvSpPr>
+          <p:cNvPr id="7173" name="Rectangle 3"/>
+          <p:cNvSpPr>
+            <a:spLocks noGrp="1"/>
+          </p:cNvSpPr>
+          <p:nvPr>
+            <p:ph type="body" idx="1"/>
+          </p:nvPr>
+        </p:nvSpPr>
+        <p:spPr>
+          <a:noFill/>
+          <a:ln/>
+        </p:spPr>
+        <p:txBody>
+          <a:bodyPr/>
+          <a:lstStyle/>
+          <a:p>
+            <a:endParaRPr lang="en-US"/>
+          </a:p>
+        </p:txBody>
+      </p:sp>
+      <p:sp>
+        <p:nvSpPr>
+          <p:cNvPr id="93188" name="Text Box 4"/>
+          <p:cNvSpPr txBox="1">
+            <a:spLocks noGrp="1"/>
+          </p:cNvSpPr>
+          <p:nvPr/>
+        </p:nvSpPr>
+        <p:spPr bwMode="auto">
+          <a:xfrm>
+            <a:off x="4146550" y="9121775"/>
+            <a:ext cx="3168650" cy="479425"/>
+          </a:xfrm>
+          <a:prstGeom prst="rect">
+            <a:avLst/>
+          </a:prstGeom>
+          <a:noFill/>
+          <a:ln w="9525">
+            <a:noFill/>
+            <a:miter lim="800000"/>
+            <a:headEnd/>
+            <a:tailEnd/>
+          </a:ln>
+        </p:spPr>
+        <p:txBody>
+          <a:bodyPr lIns="96653" tIns="48326" rIns="96653" bIns="48326" anchor="b"/>
+          <a:lstStyle/>
+          <a:p>
+            <a:pPr algn="r" defTabSz="966788" fontAlgn="base">
+              <a:spcBef>
+                <a:spcPct val="0"/>
+              </a:spcBef>
+              <a:spcAft>
+                <a:spcPct val="0"/>
+              </a:spcAft>
+            </a:pPr>
+            <a:r>
+              <a:rPr lang="en-US" sz="1300">
+                <a:latin typeface="Times New Roman" pitchFamily="18" charset="0"/>
+              </a:rPr>
+              <a:t>34</a:t>
+            </a:r>
+          </a:p>
+        </p:txBody>
+      </p:sp>
+      <p:sp>
+        <p:nvSpPr>
+          <p:cNvPr id="11" name="Footer Placeholder 10"/>
+          <p:cNvSpPr>
+            <a:spLocks noGrp="1"/>
+          </p:cNvSpPr>
+          <p:nvPr>
+            <p:ph type="ftr" sz="quarter" idx="11"/>
+          </p:nvPr>
+        </p:nvSpPr>
+        <p:spPr/>
+        <p:txBody>
+          <a:bodyPr/>
+          <a:lstStyle/>
+          <a:p>
+            <a:pPr>
+              <a:defRPr/>
+            </a:pPr>
+            <a:r>
+              <a:rPr lang="en-US" smtClean="0"/>
+              <a:t>4/2/08 2:20PM</a:t>
+            </a:r>
+            <a:endParaRPr lang="en-US"/>
+          </a:p>
+        </p:txBody>
+      </p:sp>
+    </p:spTree>
+  </p:cSld>
+  <p:clrMapOvr>
+    <a:masterClrMapping/>
+  </p:clrMapOvr>
+</p:notes>
+</file>
+
+<file path=ppt/notesSlides/notesSlide49.xml><?xml version="1.0" encoding="utf-8"?>
+<p:notes xmlns:a="http://schemas.openxmlformats.org/drawingml/2006/main" xmlns:r="http://schemas.openxmlformats.org/officeDocument/2006/relationships" xmlns:mc="http://schemas.openxmlformats.org/markup-compatibility/2006" xmlns:mv="urn:schemas-microsoft-com:mac:vml" xmlns:p="http://schemas.openxmlformats.org/presentationml/2006/main" mc:Ignorable="mv" mc:PreserveAttributes="mv:*">
+  <p:cSld>
+    <p:spTree>
+      <p:nvGrpSpPr>
+        <p:cNvPr id="1" name=""/>
+        <p:cNvGrpSpPr/>
+        <p:nvPr/>
+      </p:nvGrpSpPr>
+      <p:grpSpPr>
+        <a:xfrm>
+          <a:off x="0" y="0"/>
+          <a:ext cx="0" cy="0"/>
+          <a:chOff x="0" y="0"/>
+          <a:chExt cx="0" cy="0"/>
+        </a:xfrm>
+      </p:grpSpPr>
+      <p:sp>
+        <p:nvSpPr>
           <p:cNvPr id="95234" name="Text Box 2"/>
           <p:cNvSpPr txBox="1">
             <a:spLocks noGrp="1" noChangeArrowheads="1"/>
@@ -7206,7 +7339,11 @@
             </a:r>
             <a:r>
               <a:rPr lang="en-US" dirty="0" smtClean="0"/>
-              <a:t> 8F.</a:t>
+              <a:t> </a:t>
+            </a:r>
+            <a:r>
+              <a:rPr lang="en-US" dirty="0" smtClean="0"/>
+              <a:t>8W.</a:t>
             </a:r>
             <a:fld id="{5653AFC6-B420-2E4E-AAAC-D734658728B4}" type="slidenum">
               <a:rPr lang="en-US" smtClean="0"/>
@@ -7310,7 +7447,11 @@
             </a:r>
             <a:r>
               <a:rPr lang="en-US" dirty="0" smtClean="0"/>
-              <a:t> 8F.</a:t>
+              <a:t> </a:t>
+            </a:r>
+            <a:r>
+              <a:rPr lang="en-US" dirty="0" smtClean="0"/>
+              <a:t>8W.</a:t>
             </a:r>
             <a:fld id="{5653AFC6-B420-2E4E-AAAC-D734658728B4}" type="slidenum">
               <a:rPr lang="en-US" smtClean="0"/>
@@ -7383,7 +7524,11 @@
             </a:r>
             <a:r>
               <a:rPr lang="en-US" dirty="0" smtClean="0"/>
-              <a:t> 8F.</a:t>
+              <a:t> </a:t>
+            </a:r>
+            <a:r>
+              <a:rPr lang="en-US" dirty="0" smtClean="0"/>
+              <a:t>8W.</a:t>
             </a:r>
             <a:fld id="{5653AFC6-B420-2E4E-AAAC-D734658728B4}" type="slidenum">
               <a:rPr lang="en-US" smtClean="0"/>
@@ -7575,7 +7720,7 @@
         </p:nvSpPr>
         <p:spPr>
           <a:xfrm>
-            <a:off x="3314594" y="6629400"/>
+            <a:off x="3162194" y="6553200"/>
             <a:ext cx="2857606" cy="228600"/>
           </a:xfrm>
           <a:prstGeom prst="rect">
@@ -7616,7 +7761,22 @@
                 <a:uFillTx/>
                 <a:latin typeface="Comic Sans MS" pitchFamily="66" charset="0"/>
               </a:rPr>
-              <a:t>Albert R Meyer, October 30, 2009</a:t>
+              <a:t>Albert R Meyer</a:t>
+            </a:r>
+            <a:r>
+              <a:rPr kumimoji="0" lang="en-US" sz="1200" b="0" i="0" u="none" strike="noStrike" kern="1200" cap="none" spc="0" normalizeH="0" baseline="0" noProof="0" dirty="0" smtClean="0">
+                <a:ln>
+                  <a:noFill/>
+                </a:ln>
+                <a:solidFill>
+                  <a:schemeClr val="tx1"/>
+                </a:solidFill>
+                <a:effectLst/>
+                <a:uLnTx/>
+                <a:uFillTx/>
+                <a:latin typeface="Comic Sans MS" pitchFamily="66" charset="0"/>
+              </a:rPr>
+              <a:t>,        March 31, 2010</a:t>
             </a:r>
             <a:endParaRPr kumimoji="0" lang="en-US" sz="1200" b="0" i="0" u="none" strike="noStrike" kern="1200" cap="none" spc="0" normalizeH="0" baseline="0" noProof="0" dirty="0">
               <a:ln>
@@ -7694,7 +7854,11 @@
             </a:r>
             <a:r>
               <a:rPr lang="en-US" dirty="0" smtClean="0"/>
-              <a:t> 8F.</a:t>
+              <a:t> </a:t>
+            </a:r>
+            <a:r>
+              <a:rPr lang="en-US" dirty="0" smtClean="0"/>
+              <a:t>8W.</a:t>
             </a:r>
             <a:fld id="{5653AFC6-B420-2E4E-AAAC-D734658728B4}" type="slidenum">
               <a:rPr lang="en-US" smtClean="0"/>
@@ -7713,6 +7877,13 @@
     <p:sldLayoutId id="2147483784" r:id="rId2"/>
     <p:sldLayoutId id="2147483789" r:id="rId3"/>
   </p:sldLayoutIdLst>
+  <p:timing>
+    <p:tnLst>
+      <p:par>
+        <p:cTn id="1" dur="indefinite" restart="never" nodeType="tmRoot"/>
+      </p:par>
+    </p:tnLst>
+  </p:timing>
   <p:hf hdr="0" ftr="0" dt="0"/>
   <p:txStyles>
     <p:titleStyle>
@@ -8246,106 +8417,6 @@
       </p:sp>
       <p:sp>
         <p:nvSpPr>
-          <p:cNvPr id="25605" name="Text Box 5"/>
-          <p:cNvSpPr txBox="1">
-            <a:spLocks noChangeArrowheads="1"/>
-          </p:cNvSpPr>
-          <p:nvPr>
-            <p:custDataLst>
-              <p:tags r:id="rId1"/>
-            </p:custDataLst>
-          </p:nvPr>
-        </p:nvSpPr>
-        <p:spPr bwMode="auto">
-          <a:xfrm>
-            <a:off x="0" y="7112000"/>
-            <a:ext cx="9144000" cy="1920875"/>
-          </a:xfrm>
-          <a:prstGeom prst="rect">
-            <a:avLst/>
-          </a:prstGeom>
-          <a:noFill/>
-          <a:ln w="9525">
-            <a:noFill/>
-            <a:miter lim="800000"/>
-            <a:headEnd/>
-            <a:tailEnd/>
-          </a:ln>
-        </p:spPr>
-        <p:txBody>
-          <a:bodyPr>
-            <a:spAutoFit/>
-          </a:bodyPr>
-          <a:lstStyle/>
-          <a:p>
-            <a:pPr fontAlgn="base">
-              <a:spcBef>
-                <a:spcPct val="0"/>
-              </a:spcBef>
-              <a:spcAft>
-                <a:spcPct val="0"/>
-              </a:spcAft>
-            </a:pPr>
-            <a:r>
-              <a:rPr lang="en-US" sz="4000">
-                <a:latin typeface="Comic Sans MS" pitchFamily="66" charset="0"/>
-              </a:rPr>
-              <a:t>TexPoint fonts used in EMF. </a:t>
-            </a:r>
-          </a:p>
-          <a:p>
-            <a:pPr fontAlgn="base">
-              <a:spcBef>
-                <a:spcPct val="0"/>
-              </a:spcBef>
-              <a:spcAft>
-                <a:spcPct val="0"/>
-              </a:spcAft>
-            </a:pPr>
-            <a:r>
-              <a:rPr lang="en-US" sz="4000">
-                <a:latin typeface="Comic Sans MS" pitchFamily="66" charset="0"/>
-              </a:rPr>
-              <a:t>Read the TexPoint manual before you delete this box.: </a:t>
-            </a:r>
-            <a:r>
-              <a:rPr lang="en-US" sz="4000">
-                <a:latin typeface="EURM10"/>
-              </a:rPr>
-              <a:t>A</a:t>
-            </a:r>
-            <a:r>
-              <a:rPr lang="en-US" sz="4000">
-                <a:latin typeface="EUFM10"/>
-              </a:rPr>
-              <a:t>A</a:t>
-            </a:r>
-            <a:r>
-              <a:rPr lang="en-US" sz="4000">
-                <a:latin typeface="EURM7"/>
-              </a:rPr>
-              <a:t>A</a:t>
-            </a:r>
-            <a:r>
-              <a:rPr lang="en-US" sz="4000">
-                <a:latin typeface="EURM5"/>
-              </a:rPr>
-              <a:t>A</a:t>
-            </a:r>
-            <a:r>
-              <a:rPr lang="en-US" sz="4000">
-                <a:latin typeface="CMSY10"/>
-              </a:rPr>
-              <a:t>A</a:t>
-            </a:r>
-            <a:endParaRPr lang="en-US" sz="4000">
-              <a:latin typeface="Comic Sans MS" pitchFamily="66" charset="0"/>
-            </a:endParaRPr>
-          </a:p>
-        </p:txBody>
-      </p:sp>
-      <p:sp>
-        <p:nvSpPr>
           <p:cNvPr id="9" name="Slide Number Placeholder 8"/>
           <p:cNvSpPr>
             <a:spLocks noGrp="1"/>
@@ -8366,7 +8437,7 @@
           <a:p>
             <a:r>
               <a:rPr lang="en-US" dirty="0" smtClean="0"/>
-              <a:t>8F.</a:t>
+              <a:t>8W.</a:t>
             </a:r>
             <a:fld id="{5653AFC6-B420-2E4E-AAAC-D734658728B4}" type="slidenum">
               <a:rPr lang="en-US" smtClean="0"/>
@@ -8556,34 +8627,6 @@
                 </a:solidFill>
               </a:rPr>
               <a:t>)</a:t>
-            </a:r>
-          </a:p>
-        </p:txBody>
-      </p:sp>
-      <p:sp>
-        <p:nvSpPr>
-          <p:cNvPr id="32774" name="Rectangle 6"/>
-          <p:cNvSpPr>
-            <a:spLocks noGrp="1" noChangeArrowheads="1"/>
-          </p:cNvSpPr>
-          <p:nvPr>
-            <p:ph type="title" idx="4294967295"/>
-          </p:nvPr>
-        </p:nvSpPr>
-        <p:spPr>
-          <a:xfrm>
-            <a:off x="1981200" y="0"/>
-            <a:ext cx="7162800" cy="1371600"/>
-          </a:xfrm>
-        </p:spPr>
-        <p:txBody>
-          <a:bodyPr/>
-          <a:lstStyle/>
-          <a:p>
-            <a:pPr eaLnBrk="1" hangingPunct="1"/>
-            <a:r>
-              <a:rPr lang="en-US" sz="4400"/>
-              <a:t>Remainder Lemma</a:t>
             </a:r>
           </a:p>
         </p:txBody>
@@ -8772,7 +8815,7 @@
         </p:nvSpPr>
         <p:spPr>
           <a:xfrm>
-            <a:off x="6553200" y="6356350"/>
+            <a:off x="6934200" y="6477000"/>
             <a:ext cx="2133600" cy="365125"/>
           </a:xfrm>
         </p:spPr>
@@ -8781,8 +8824,8 @@
           <a:lstStyle/>
           <a:p>
             <a:r>
-              <a:rPr lang="en-US" smtClean="0"/>
-              <a:t>8F.</a:t>
+              <a:rPr lang="en-US" dirty="0" smtClean="0"/>
+              <a:t>8W.</a:t>
             </a:r>
             <a:fld id="{5653AFC6-B420-2E4E-AAAC-D734658728B4}" type="slidenum">
               <a:rPr lang="en-US" smtClean="0"/>
@@ -8790,6 +8833,89 @@
               <a:t>10</a:t>
             </a:fld>
             <a:endParaRPr lang="en-US" dirty="0"/>
+          </a:p>
+        </p:txBody>
+      </p:sp>
+      <p:sp>
+        <p:nvSpPr>
+          <p:cNvPr id="10" name="Rectangle 4"/>
+          <p:cNvSpPr txBox="1">
+            <a:spLocks noChangeArrowheads="1"/>
+          </p:cNvSpPr>
+          <p:nvPr/>
+        </p:nvSpPr>
+        <p:spPr bwMode="auto">
+          <a:xfrm>
+            <a:off x="1828800" y="0"/>
+            <a:ext cx="5791200" cy="1295400"/>
+          </a:xfrm>
+          <a:prstGeom prst="rect">
+            <a:avLst/>
+          </a:prstGeom>
+          <a:noFill/>
+          <a:ln w="9525">
+            <a:noFill/>
+            <a:miter lim="800000"/>
+            <a:headEnd/>
+            <a:tailEnd/>
+          </a:ln>
+        </p:spPr>
+        <p:txBody>
+          <a:bodyPr vert="horz" wrap="square" lIns="91440" tIns="45720" rIns="91440" bIns="45720" numCol="1" anchor="ctr" anchorCtr="0" compatLnSpc="1">
+            <a:prstTxWarp prst="textNoShape">
+              <a:avLst/>
+            </a:prstTxWarp>
+          </a:bodyPr>
+          <a:lstStyle/>
+          <a:p>
+            <a:pPr marL="0" marR="0" lvl="0" indent="0" algn="l" defTabSz="914400" rtl="0" eaLnBrk="1" fontAlgn="base" latinLnBrk="0" hangingPunct="1">
+              <a:lnSpc>
+                <a:spcPct val="100000"/>
+              </a:lnSpc>
+              <a:spcBef>
+                <a:spcPct val="0"/>
+              </a:spcBef>
+              <a:spcAft>
+                <a:spcPct val="0"/>
+              </a:spcAft>
+              <a:buClrTx/>
+              <a:buSzTx/>
+              <a:buFontTx/>
+              <a:buNone/>
+              <a:tabLst/>
+              <a:defRPr/>
+            </a:pPr>
+            <a:r>
+              <a:rPr kumimoji="0" lang="en-US" sz="4400" b="1" i="0" u="none" strike="noStrike" kern="1200" cap="none" spc="0" normalizeH="0" baseline="0" noProof="0" dirty="0" smtClean="0">
+                <a:ln>
+                  <a:noFill/>
+                </a:ln>
+                <a:solidFill>
+                  <a:schemeClr val="tx1"/>
+                </a:solidFill>
+                <a:effectLst/>
+                <a:uLnTx/>
+                <a:uFillTx/>
+                <a:latin typeface="+mj-lt"/>
+                <a:ea typeface="+mj-ea"/>
+                <a:cs typeface="+mj-cs"/>
+              </a:rPr>
+              <a:t>Remainder Lemma</a:t>
+            </a:r>
+            <a:endParaRPr kumimoji="0" lang="en-US" sz="4400" b="1" i="0" u="none" strike="noStrike" kern="1200" cap="none" spc="0" normalizeH="0" baseline="0" noProof="0" dirty="0">
+              <a:ln>
+                <a:noFill/>
+              </a:ln>
+              <a:solidFill>
+                <a:schemeClr val="tx1"/>
+              </a:solidFill>
+              <a:effectLst/>
+              <a:uLnTx/>
+              <a:uFillTx/>
+              <a:latin typeface="+mj-lt"/>
+              <a:ea typeface="+mj-ea"/>
+              <a:cs typeface="+mj-cs"/>
+            </a:endParaRPr>
           </a:p>
         </p:txBody>
       </p:sp>
@@ -8838,7 +8964,7 @@
         </p:nvSpPr>
         <p:spPr>
           <a:xfrm>
-            <a:off x="0" y="914400"/>
+            <a:off x="152400" y="914400"/>
             <a:ext cx="7848600" cy="5486400"/>
           </a:xfrm>
         </p:spPr>
@@ -9123,8 +9249,8 @@
         </p:nvSpPr>
         <p:spPr>
           <a:xfrm>
-            <a:off x="1981200" y="0"/>
-            <a:ext cx="7162800" cy="1371600"/>
+            <a:off x="2286000" y="0"/>
+            <a:ext cx="4419600" cy="1295400"/>
           </a:xfrm>
         </p:spPr>
         <p:txBody>
@@ -9258,7 +9384,7 @@
         </p:nvSpPr>
         <p:spPr>
           <a:xfrm>
-            <a:off x="6553200" y="6356350"/>
+            <a:off x="6934200" y="6477000"/>
             <a:ext cx="2133600" cy="365125"/>
           </a:xfrm>
         </p:spPr>
@@ -9267,8 +9393,8 @@
           <a:lstStyle/>
           <a:p>
             <a:r>
-              <a:rPr lang="en-US" smtClean="0"/>
-              <a:t>8F.</a:t>
+              <a:rPr lang="en-US" dirty="0" smtClean="0"/>
+              <a:t>8W.</a:t>
             </a:r>
             <a:fld id="{5653AFC6-B420-2E4E-AAAC-D734658728B4}" type="slidenum">
               <a:rPr lang="en-US" smtClean="0"/>
@@ -9308,7 +9434,7 @@
                             </p:stCondLst>
                             <p:childTnLst>
                               <p:par>
-                                <p:cTn id="5" presetID="1" presetClass="entr" presetSubtype="0" fill="hold" nodeType="clickEffect">
+                                <p:cTn id="5" presetID="10" presetClass="entr" presetSubtype="0" fill="hold" grpId="0" nodeType="clickEffect">
                                   <p:stCondLst>
                                     <p:cond delay="0"/>
                                   </p:stCondLst>
@@ -9323,7 +9449,7 @@
                                         <p:tgtEl>
                                           <p:spTgt spid="3">
                                             <p:txEl>
-                                              <p:pRg st="2" end="2"/>
+                                              <p:pRg st="0" end="0"/>
                                             </p:txEl>
                                           </p:spTgt>
                                         </p:tgtEl>
@@ -9335,36 +9461,30 @@
                                         <p:strVal val="visible"/>
                                       </p:to>
                                     </p:set>
+                                    <p:animEffect transition="in" filter="fade">
+                                      <p:cBhvr>
+                                        <p:cTn id="7" dur="500"/>
+                                        <p:tgtEl>
+                                          <p:spTgt spid="3">
+                                            <p:txEl>
+                                              <p:pRg st="0" end="0"/>
+                                            </p:txEl>
+                                          </p:spTgt>
+                                        </p:tgtEl>
+                                      </p:cBhvr>
+                                    </p:animEffect>
                                   </p:childTnLst>
                                 </p:cTn>
                               </p:par>
-                            </p:childTnLst>
-                          </p:cTn>
-                        </p:par>
-                      </p:childTnLst>
-                    </p:cTn>
-                  </p:par>
-                  <p:par>
-                    <p:cTn id="7" fill="hold">
-                      <p:stCondLst>
-                        <p:cond delay="indefinite"/>
-                      </p:stCondLst>
-                      <p:childTnLst>
-                        <p:par>
-                          <p:cTn id="8" fill="hold">
-                            <p:stCondLst>
-                              <p:cond delay="0"/>
-                            </p:stCondLst>
-                            <p:childTnLst>
                               <p:par>
-                                <p:cTn id="9" presetID="1" presetClass="entr" presetSubtype="0" fill="hold" nodeType="clickEffect">
+                                <p:cTn id="8" presetID="10" presetClass="entr" presetSubtype="0" fill="hold" grpId="0" nodeType="withEffect">
                                   <p:stCondLst>
                                     <p:cond delay="0"/>
                                   </p:stCondLst>
                                   <p:childTnLst>
                                     <p:set>
                                       <p:cBhvr>
-                                        <p:cTn id="10" dur="1" fill="hold">
+                                        <p:cTn id="9" dur="1" fill="hold">
                                           <p:stCondLst>
                                             <p:cond delay="0"/>
                                           </p:stCondLst>
@@ -9372,7 +9492,7 @@
                                         <p:tgtEl>
                                           <p:spTgt spid="3">
                                             <p:txEl>
-                                              <p:pRg st="3" end="3"/>
+                                              <p:pRg st="1" end="1"/>
                                             </p:txEl>
                                           </p:spTgt>
                                         </p:tgtEl>
@@ -9384,6 +9504,18 @@
                                         <p:strVal val="visible"/>
                                       </p:to>
                                     </p:set>
+                                    <p:animEffect transition="in" filter="fade">
+                                      <p:cBhvr>
+                                        <p:cTn id="10" dur="500"/>
+                                        <p:tgtEl>
+                                          <p:spTgt spid="3">
+                                            <p:txEl>
+                                              <p:pRg st="1" end="1"/>
+                                            </p:txEl>
+                                          </p:spTgt>
+                                        </p:tgtEl>
+                                      </p:cBhvr>
+                                    </p:animEffect>
                                   </p:childTnLst>
                                 </p:cTn>
                               </p:par>
@@ -9406,7 +9538,7 @@
                             </p:stCondLst>
                             <p:childTnLst>
                               <p:par>
-                                <p:cTn id="13" presetID="1" presetClass="entr" presetSubtype="0" fill="hold" grpId="0" nodeType="clickEffect">
+                                <p:cTn id="13" presetID="1" presetClass="entr" presetSubtype="0" fill="hold" nodeType="clickEffect">
                                   <p:stCondLst>
                                     <p:cond delay="0"/>
                                   </p:stCondLst>
@@ -9419,7 +9551,11 @@
                                           </p:stCondLst>
                                         </p:cTn>
                                         <p:tgtEl>
-                                          <p:spTgt spid="6"/>
+                                          <p:spTgt spid="3">
+                                            <p:txEl>
+                                              <p:pRg st="2" end="2"/>
+                                            </p:txEl>
+                                          </p:spTgt>
                                         </p:tgtEl>
                                         <p:attrNameLst>
                                           <p:attrName>style.visibility</p:attrName>
@@ -9451,7 +9587,7 @@
                             </p:stCondLst>
                             <p:childTnLst>
                               <p:par>
-                                <p:cTn id="17" presetID="9" presetClass="entr" presetSubtype="0" fill="hold" grpId="0" nodeType="clickEffect">
+                                <p:cTn id="17" presetID="1" presetClass="entr" presetSubtype="0" fill="hold" nodeType="clickEffect">
                                   <p:stCondLst>
                                     <p:cond delay="0"/>
                                   </p:stCondLst>
@@ -9459,6 +9595,100 @@
                                     <p:set>
                                       <p:cBhvr>
                                         <p:cTn id="18" dur="1" fill="hold">
+                                          <p:stCondLst>
+                                            <p:cond delay="0"/>
+                                          </p:stCondLst>
+                                        </p:cTn>
+                                        <p:tgtEl>
+                                          <p:spTgt spid="3">
+                                            <p:txEl>
+                                              <p:pRg st="3" end="3"/>
+                                            </p:txEl>
+                                          </p:spTgt>
+                                        </p:tgtEl>
+                                        <p:attrNameLst>
+                                          <p:attrName>style.visibility</p:attrName>
+                                        </p:attrNameLst>
+                                      </p:cBhvr>
+                                      <p:to>
+                                        <p:strVal val="visible"/>
+                                      </p:to>
+                                    </p:set>
+                                  </p:childTnLst>
+                                </p:cTn>
+                              </p:par>
+                            </p:childTnLst>
+                          </p:cTn>
+                        </p:par>
+                      </p:childTnLst>
+                    </p:cTn>
+                  </p:par>
+                  <p:par>
+                    <p:cTn id="19" fill="hold">
+                      <p:stCondLst>
+                        <p:cond delay="indefinite"/>
+                      </p:stCondLst>
+                      <p:childTnLst>
+                        <p:par>
+                          <p:cTn id="20" fill="hold">
+                            <p:stCondLst>
+                              <p:cond delay="0"/>
+                            </p:stCondLst>
+                            <p:childTnLst>
+                              <p:par>
+                                <p:cTn id="21" presetID="1" presetClass="entr" presetSubtype="0" fill="hold" grpId="0" nodeType="clickEffect">
+                                  <p:stCondLst>
+                                    <p:cond delay="0"/>
+                                  </p:stCondLst>
+                                  <p:childTnLst>
+                                    <p:set>
+                                      <p:cBhvr>
+                                        <p:cTn id="22" dur="1" fill="hold">
+                                          <p:stCondLst>
+                                            <p:cond delay="0"/>
+                                          </p:stCondLst>
+                                        </p:cTn>
+                                        <p:tgtEl>
+                                          <p:spTgt spid="6"/>
+                                        </p:tgtEl>
+                                        <p:attrNameLst>
+                                          <p:attrName>style.visibility</p:attrName>
+                                        </p:attrNameLst>
+                                      </p:cBhvr>
+                                      <p:to>
+                                        <p:strVal val="visible"/>
+                                      </p:to>
+                                    </p:set>
+                                  </p:childTnLst>
+                                </p:cTn>
+                              </p:par>
+                            </p:childTnLst>
+                          </p:cTn>
+                        </p:par>
+                      </p:childTnLst>
+                    </p:cTn>
+                  </p:par>
+                  <p:par>
+                    <p:cTn id="23" fill="hold">
+                      <p:stCondLst>
+                        <p:cond delay="indefinite"/>
+                      </p:stCondLst>
+                      <p:childTnLst>
+                        <p:par>
+                          <p:cTn id="24" fill="hold">
+                            <p:stCondLst>
+                              <p:cond delay="0"/>
+                            </p:stCondLst>
+                            <p:childTnLst>
+                              <p:par>
+                                <p:cTn id="25" presetID="9" presetClass="entr" presetSubtype="0" fill="hold" grpId="0" nodeType="clickEffect">
+                                  <p:stCondLst>
+                                    <p:cond delay="0"/>
+                                  </p:stCondLst>
+                                  <p:childTnLst>
+                                    <p:set>
+                                      <p:cBhvr>
+                                        <p:cTn id="26" dur="1" fill="hold">
                                           <p:stCondLst>
                                             <p:cond delay="0"/>
                                           </p:stCondLst>
@@ -9476,7 +9706,7 @@
                                     </p:set>
                                     <p:animEffect transition="in" filter="dissolve">
                                       <p:cBhvr>
-                                        <p:cTn id="19" dur="500"/>
+                                        <p:cTn id="27" dur="500"/>
                                         <p:tgtEl>
                                           <p:spTgt spid="7"/>
                                         </p:tgtEl>
@@ -9513,6 +9743,7 @@
       </p:par>
     </p:tnLst>
     <p:bldLst>
+      <p:bldP spid="3" grpId="0" build="p"/>
       <p:bldP spid="6" grpId="0"/>
       <p:bldP spid="7" grpId="0"/>
     </p:bldLst>
@@ -9944,7 +10175,7 @@
         </p:nvSpPr>
         <p:spPr>
           <a:xfrm>
-            <a:off x="6553200" y="6356350"/>
+            <a:off x="6934200" y="6416675"/>
             <a:ext cx="2133600" cy="365125"/>
           </a:xfrm>
         </p:spPr>
@@ -9953,8 +10184,8 @@
           <a:lstStyle/>
           <a:p>
             <a:r>
-              <a:rPr lang="en-US" smtClean="0"/>
-              <a:t>8F.</a:t>
+              <a:rPr lang="en-US" dirty="0" smtClean="0"/>
+              <a:t>8W.</a:t>
             </a:r>
             <a:fld id="{5653AFC6-B420-2E4E-AAAC-D734658728B4}" type="slidenum">
               <a:rPr lang="en-US" smtClean="0"/>
@@ -10131,7 +10362,7 @@
         </p:nvSpPr>
         <p:spPr>
           <a:xfrm>
-            <a:off x="914400" y="2570163"/>
+            <a:off x="609600" y="2493963"/>
             <a:ext cx="8229600" cy="1392237"/>
           </a:xfrm>
         </p:spPr>
@@ -10141,7 +10372,7 @@
           <a:p>
             <a:pPr marL="0" indent="0" eaLnBrk="1" hangingPunct="1"/>
             <a:r>
-              <a:rPr lang="en-US" sz="6000">
+              <a:rPr lang="en-US" sz="6000" dirty="0" err="1">
                 <a:solidFill>
                   <a:srgbClr val="0000CC"/>
                 </a:solidFill>
@@ -10149,7 +10380,7 @@
               <a:t>n|((q</a:t>
             </a:r>
             <a:r>
-              <a:rPr lang="en-US" sz="6000" baseline="-25000">
+              <a:rPr lang="en-US" sz="6000" baseline="-25000" dirty="0" err="1">
                 <a:solidFill>
                   <a:srgbClr val="0000CC"/>
                 </a:solidFill>
@@ -10157,7 +10388,7 @@
               <a:t>a</a:t>
             </a:r>
             <a:r>
-              <a:rPr lang="en-US" sz="6000">
+              <a:rPr lang="en-US" sz="6000" dirty="0" err="1">
                 <a:solidFill>
                   <a:srgbClr val="0000CC"/>
                 </a:solidFill>
@@ -10165,7 +10396,7 @@
               <a:t>-q</a:t>
             </a:r>
             <a:r>
-              <a:rPr lang="en-US" sz="6000" baseline="-25000">
+              <a:rPr lang="en-US" sz="6000" baseline="-25000" dirty="0" err="1">
                 <a:solidFill>
                   <a:srgbClr val="0000CC"/>
                 </a:solidFill>
@@ -10173,15 +10404,31 @@
               <a:t>b</a:t>
             </a:r>
             <a:r>
-              <a:rPr lang="en-US" sz="6000">
-                <a:solidFill>
-                  <a:srgbClr val="0000CC"/>
-                </a:solidFill>
-              </a:rPr>
-              <a:t>)n + (r</a:t>
-            </a:r>
-            <a:r>
-              <a:rPr lang="en-US" sz="6000" baseline="-25000">
+              <a:rPr lang="en-US" sz="6000" dirty="0" err="1">
+                <a:solidFill>
+                  <a:srgbClr val="0000CC"/>
+                </a:solidFill>
+              </a:rPr>
+              <a:t>)n</a:t>
+            </a:r>
+            <a:r>
+              <a:rPr lang="en-US" sz="6000" dirty="0">
+                <a:solidFill>
+                  <a:srgbClr val="0000CC"/>
+                </a:solidFill>
+              </a:rPr>
+              <a:t> + (</a:t>
+            </a:r>
+            <a:r>
+              <a:rPr lang="en-US" sz="6000" dirty="0" err="1">
+                <a:solidFill>
+                  <a:srgbClr val="0000CC"/>
+                </a:solidFill>
+              </a:rPr>
+              <a:t>r</a:t>
+            </a:r>
+            <a:r>
+              <a:rPr lang="en-US" sz="6000" baseline="-25000" dirty="0" err="1">
                 <a:solidFill>
                   <a:srgbClr val="0000CC"/>
                 </a:solidFill>
@@ -10189,7 +10436,7 @@
               <a:t>a,n</a:t>
             </a:r>
             <a:r>
-              <a:rPr lang="en-US" sz="6000">
+              <a:rPr lang="en-US" sz="6000" dirty="0" err="1">
                 <a:solidFill>
                   <a:srgbClr val="0000CC"/>
                 </a:solidFill>
@@ -10197,7 +10444,7 @@
               <a:t>-r</a:t>
             </a:r>
             <a:r>
-              <a:rPr lang="en-US" sz="6000" baseline="-25000">
+              <a:rPr lang="en-US" sz="6000" baseline="-25000" dirty="0" err="1">
                 <a:solidFill>
                   <a:srgbClr val="0000CC"/>
                 </a:solidFill>
@@ -10205,14 +10452,14 @@
               <a:t>b,n</a:t>
             </a:r>
             <a:r>
-              <a:rPr lang="en-US" sz="6000">
+              <a:rPr lang="en-US" sz="6000" dirty="0">
                 <a:solidFill>
                   <a:srgbClr val="0000CC"/>
                 </a:solidFill>
               </a:rPr>
               <a:t>))</a:t>
             </a:r>
-            <a:endParaRPr lang="en-US" sz="6000"/>
+            <a:endParaRPr lang="en-US" sz="6000" dirty="0"/>
           </a:p>
         </p:txBody>
       </p:sp>
@@ -10254,7 +10501,7 @@
         </p:nvGrpSpPr>
         <p:grpSpPr bwMode="auto">
           <a:xfrm>
-            <a:off x="1227138" y="3484563"/>
+            <a:off x="922338" y="3408363"/>
             <a:ext cx="3040062" cy="2001837"/>
             <a:chOff x="922039" y="1981201"/>
             <a:chExt cx="3040361" cy="2001797"/>
@@ -10393,7 +10640,7 @@
         </p:nvSpPr>
         <p:spPr bwMode="auto">
           <a:xfrm>
-            <a:off x="3276600" y="4424363"/>
+            <a:off x="2971800" y="4348163"/>
             <a:ext cx="963613" cy="1016000"/>
           </a:xfrm>
           <a:prstGeom prst="rect">
@@ -10440,7 +10687,7 @@
         </p:nvGrpSpPr>
         <p:grpSpPr bwMode="auto">
           <a:xfrm>
-            <a:off x="4724400" y="3560763"/>
+            <a:off x="4800600" y="3484563"/>
             <a:ext cx="3200400" cy="1925637"/>
             <a:chOff x="4419600" y="2057400"/>
             <a:chExt cx="3200400" cy="1925597"/>
@@ -10578,7 +10825,7 @@
         </p:nvSpPr>
         <p:spPr>
           <a:xfrm>
-            <a:off x="533400" y="1422400"/>
+            <a:off x="228600" y="1346200"/>
             <a:ext cx="7391400" cy="1016000"/>
           </a:xfrm>
           <a:prstGeom prst="rect">
@@ -10620,7 +10867,7 @@
         </p:nvGrpSpPr>
         <p:grpSpPr bwMode="auto">
           <a:xfrm>
-            <a:off x="5181600" y="1066800"/>
+            <a:off x="5303837" y="990600"/>
             <a:ext cx="3611563" cy="1676400"/>
             <a:chOff x="5181600" y="1066800"/>
             <a:chExt cx="3611716" cy="1676400"/>
@@ -10710,7 +10957,7 @@
                 </a:spcAft>
               </a:pPr>
               <a:r>
-                <a:rPr lang="en-US" sz="6000">
+                <a:rPr lang="en-US" sz="6000" dirty="0">
                   <a:solidFill>
                     <a:srgbClr val="0000CC"/>
                   </a:solidFill>
@@ -10719,7 +10966,7 @@
                 <a:t>|--| </a:t>
               </a:r>
               <a:r>
-                <a:rPr lang="en-US" sz="6000" b="1">
+                <a:rPr lang="en-US" sz="6000" b="1" dirty="0">
                   <a:solidFill>
                     <a:srgbClr val="0000CC"/>
                   </a:solidFill>
@@ -10729,14 +10976,29 @@
                 <a:t>&lt;</a:t>
               </a:r>
               <a:r>
-                <a:rPr lang="en-US" sz="6000">
+                <a:rPr lang="en-US" sz="6000" dirty="0">
                   <a:solidFill>
                     <a:srgbClr val="0000CC"/>
                   </a:solidFill>
                   <a:latin typeface="Comic Sans MS" pitchFamily="66" charset="0"/>
                 </a:rPr>
-                <a:t> n</a:t>
+                <a:t> </a:t>
               </a:r>
+              <a:r>
+                <a:rPr lang="en-US" sz="6000" dirty="0" err="1">
+                  <a:solidFill>
+                    <a:srgbClr val="0000CC"/>
+                  </a:solidFill>
+                  <a:latin typeface="Comic Sans MS" pitchFamily="66" charset="0"/>
+                </a:rPr>
+                <a:t>n</a:t>
+              </a:r>
+              <a:endParaRPr lang="en-US" sz="6000" dirty="0">
+                <a:solidFill>
+                  <a:srgbClr val="0000CC"/>
+                </a:solidFill>
+                <a:latin typeface="Comic Sans MS" pitchFamily="66" charset="0"/>
+              </a:endParaRPr>
             </a:p>
           </p:txBody>
         </p:sp>
@@ -10809,13 +11071,13 @@
               </a:spcAft>
             </a:pPr>
             <a:r>
-              <a:rPr lang="en-US" sz="6000">
+              <a:rPr lang="en-US" sz="6000" dirty="0">
                 <a:latin typeface="Comic Sans MS" pitchFamily="66" charset="0"/>
               </a:rPr>
               <a:t>implies </a:t>
             </a:r>
             <a:r>
-              <a:rPr lang="en-US" sz="6000">
+              <a:rPr lang="en-US" sz="6000" dirty="0" err="1">
                 <a:solidFill>
                   <a:srgbClr val="0000CC"/>
                 </a:solidFill>
@@ -10824,7 +11086,7 @@
               <a:t>r</a:t>
             </a:r>
             <a:r>
-              <a:rPr lang="en-US" sz="4000" baseline="-25000">
+              <a:rPr lang="en-US" sz="4000" baseline="-25000" dirty="0" err="1">
                 <a:solidFill>
                   <a:srgbClr val="0000CC"/>
                 </a:solidFill>
@@ -10833,24 +11095,33 @@
               <a:t>a,n</a:t>
             </a:r>
             <a:r>
-              <a:rPr lang="en-US" sz="6000">
+              <a:rPr lang="en-US" sz="6000" dirty="0">
                 <a:solidFill>
                   <a:srgbClr val="0000CC"/>
                 </a:solidFill>
                 <a:latin typeface="Comic Sans MS" pitchFamily="66" charset="0"/>
               </a:rPr>
-              <a:t>=r</a:t>
-            </a:r>
-            <a:r>
-              <a:rPr lang="en-US" sz="4000" baseline="-25000">
+              <a:t>=</a:t>
+            </a:r>
+            <a:r>
+              <a:rPr lang="en-US" sz="6000" dirty="0" err="1">
                 <a:solidFill>
                   <a:srgbClr val="0000CC"/>
                 </a:solidFill>
                 <a:latin typeface="Comic Sans MS" pitchFamily="66" charset="0"/>
               </a:rPr>
+              <a:t>r</a:t>
+            </a:r>
+            <a:r>
+              <a:rPr lang="en-US" sz="4000" baseline="-25000" dirty="0" err="1">
+                <a:solidFill>
+                  <a:srgbClr val="0000CC"/>
+                </a:solidFill>
+                <a:latin typeface="Comic Sans MS" pitchFamily="66" charset="0"/>
+              </a:rPr>
               <a:t>b,n</a:t>
             </a:r>
-            <a:endParaRPr lang="en-US" sz="6000">
+            <a:endParaRPr lang="en-US" sz="6000" dirty="0">
               <a:latin typeface="Comic Sans MS" pitchFamily="66" charset="0"/>
             </a:endParaRPr>
           </a:p>
@@ -10868,7 +11139,7 @@
         </p:nvSpPr>
         <p:spPr>
           <a:xfrm>
-            <a:off x="6553200" y="6356350"/>
+            <a:off x="7010400" y="6477000"/>
             <a:ext cx="2133600" cy="365125"/>
           </a:xfrm>
         </p:spPr>
@@ -10877,8 +11148,8 @@
           <a:lstStyle/>
           <a:p>
             <a:r>
-              <a:rPr lang="en-US" smtClean="0"/>
-              <a:t>8F.</a:t>
+              <a:rPr lang="en-US" dirty="0" smtClean="0"/>
+              <a:t>8W.</a:t>
             </a:r>
             <a:fld id="{5653AFC6-B420-2E4E-AAAC-D734658728B4}" type="slidenum">
               <a:rPr lang="en-US" smtClean="0"/>
@@ -11341,34 +11612,6 @@
       </p:sp>
       <p:sp>
         <p:nvSpPr>
-          <p:cNvPr id="36868" name="Rectangle 4"/>
-          <p:cNvSpPr>
-            <a:spLocks noGrp="1" noChangeArrowheads="1"/>
-          </p:cNvSpPr>
-          <p:nvPr>
-            <p:ph type="title" idx="4294967295"/>
-          </p:nvPr>
-        </p:nvSpPr>
-        <p:spPr>
-          <a:xfrm>
-            <a:off x="3352800" y="0"/>
-            <a:ext cx="5791200" cy="1295400"/>
-          </a:xfrm>
-        </p:spPr>
-        <p:txBody>
-          <a:bodyPr/>
-          <a:lstStyle/>
-          <a:p>
-            <a:pPr eaLnBrk="1" hangingPunct="1"/>
-            <a:r>
-              <a:rPr lang="en-US" sz="4400"/>
-              <a:t>Remainder Lemma</a:t>
-            </a:r>
-          </a:p>
-        </p:txBody>
-      </p:sp>
-      <p:sp>
-        <p:nvSpPr>
           <p:cNvPr id="9" name="Text Box 5"/>
           <p:cNvSpPr txBox="1">
             <a:spLocks noChangeArrowheads="1"/>
@@ -11474,7 +11717,7 @@
         </p:nvSpPr>
         <p:spPr>
           <a:xfrm>
-            <a:off x="6553200" y="6356350"/>
+            <a:off x="6934200" y="6492875"/>
             <a:ext cx="2133600" cy="365125"/>
           </a:xfrm>
         </p:spPr>
@@ -11483,8 +11726,8 @@
           <a:lstStyle/>
           <a:p>
             <a:r>
-              <a:rPr lang="en-US" smtClean="0"/>
-              <a:t>8F.</a:t>
+              <a:rPr lang="en-US" dirty="0" smtClean="0"/>
+              <a:t>8W.</a:t>
             </a:r>
             <a:fld id="{5653AFC6-B420-2E4E-AAAC-D734658728B4}" type="slidenum">
               <a:rPr lang="en-US" smtClean="0"/>
@@ -11492,6 +11735,89 @@
               <a:t>14</a:t>
             </a:fld>
             <a:endParaRPr lang="en-US" dirty="0"/>
+          </a:p>
+        </p:txBody>
+      </p:sp>
+      <p:sp>
+        <p:nvSpPr>
+          <p:cNvPr id="8" name="Rectangle 4"/>
+          <p:cNvSpPr txBox="1">
+            <a:spLocks noChangeArrowheads="1"/>
+          </p:cNvSpPr>
+          <p:nvPr/>
+        </p:nvSpPr>
+        <p:spPr bwMode="auto">
+          <a:xfrm>
+            <a:off x="1828800" y="0"/>
+            <a:ext cx="5791200" cy="1295400"/>
+          </a:xfrm>
+          <a:prstGeom prst="rect">
+            <a:avLst/>
+          </a:prstGeom>
+          <a:noFill/>
+          <a:ln w="9525">
+            <a:noFill/>
+            <a:miter lim="800000"/>
+            <a:headEnd/>
+            <a:tailEnd/>
+          </a:ln>
+        </p:spPr>
+        <p:txBody>
+          <a:bodyPr vert="horz" wrap="square" lIns="91440" tIns="45720" rIns="91440" bIns="45720" numCol="1" anchor="ctr" anchorCtr="0" compatLnSpc="1">
+            <a:prstTxWarp prst="textNoShape">
+              <a:avLst/>
+            </a:prstTxWarp>
+          </a:bodyPr>
+          <a:lstStyle/>
+          <a:p>
+            <a:pPr marL="0" marR="0" lvl="0" indent="0" algn="l" defTabSz="914400" rtl="0" eaLnBrk="1" fontAlgn="base" latinLnBrk="0" hangingPunct="1">
+              <a:lnSpc>
+                <a:spcPct val="100000"/>
+              </a:lnSpc>
+              <a:spcBef>
+                <a:spcPct val="0"/>
+              </a:spcBef>
+              <a:spcAft>
+                <a:spcPct val="0"/>
+              </a:spcAft>
+              <a:buClrTx/>
+              <a:buSzTx/>
+              <a:buFontTx/>
+              <a:buNone/>
+              <a:tabLst/>
+              <a:defRPr/>
+            </a:pPr>
+            <a:r>
+              <a:rPr kumimoji="0" lang="en-US" sz="4400" b="1" i="0" u="none" strike="noStrike" kern="1200" cap="none" spc="0" normalizeH="0" baseline="0" noProof="0" smtClean="0">
+                <a:ln>
+                  <a:noFill/>
+                </a:ln>
+                <a:solidFill>
+                  <a:schemeClr val="tx1"/>
+                </a:solidFill>
+                <a:effectLst/>
+                <a:uLnTx/>
+                <a:uFillTx/>
+                <a:latin typeface="+mj-lt"/>
+                <a:ea typeface="+mj-ea"/>
+                <a:cs typeface="+mj-cs"/>
+              </a:rPr>
+              <a:t>Remainder Lemma</a:t>
+            </a:r>
+            <a:endParaRPr kumimoji="0" lang="en-US" sz="4400" b="1" i="0" u="none" strike="noStrike" kern="1200" cap="none" spc="0" normalizeH="0" baseline="0" noProof="0" dirty="0">
+              <a:ln>
+                <a:noFill/>
+              </a:ln>
+              <a:solidFill>
+                <a:schemeClr val="tx1"/>
+              </a:solidFill>
+              <a:effectLst/>
+              <a:uLnTx/>
+              <a:uFillTx/>
+              <a:latin typeface="+mj-lt"/>
+              <a:ea typeface="+mj-ea"/>
+              <a:cs typeface="+mj-cs"/>
+            </a:endParaRPr>
           </a:p>
         </p:txBody>
       </p:sp>
@@ -11738,7 +12064,7 @@
         </p:nvSpPr>
         <p:spPr>
           <a:xfrm>
-            <a:off x="838200" y="1143000"/>
+            <a:off x="381000" y="1143000"/>
             <a:ext cx="8305800" cy="4572000"/>
           </a:xfrm>
         </p:spPr>
@@ -11805,12 +12131,16 @@
               </a:spcBef>
             </a:pPr>
             <a:r>
-              <a:rPr lang="en-US" sz="6000" i="1" dirty="0" err="1"/>
+              <a:rPr lang="en-US" sz="6000" dirty="0" err="1"/>
               <a:t>pf</a:t>
             </a:r>
             <a:r>
+              <a:rPr lang="en-US" sz="6000" dirty="0"/>
+              <a:t>:</a:t>
+            </a:r>
+            <a:r>
               <a:rPr lang="en-US" sz="6000" i="1" dirty="0"/>
-              <a:t>:  </a:t>
+              <a:t>  </a:t>
             </a:r>
             <a:r>
               <a:rPr lang="en-US" sz="6000" dirty="0">
@@ -11989,8 +12319,8 @@
         </p:nvSpPr>
         <p:spPr>
           <a:xfrm>
-            <a:off x="2362200" y="76200"/>
-            <a:ext cx="6781800" cy="1295400"/>
+            <a:off x="1371600" y="76200"/>
+            <a:ext cx="6781800" cy="1219200"/>
           </a:xfrm>
         </p:spPr>
         <p:txBody>
@@ -11999,8 +12329,12 @@
           <a:p>
             <a:pPr eaLnBrk="1" hangingPunct="1"/>
             <a:r>
-              <a:rPr lang="en-US" sz="4800"/>
-              <a:t>remainder arithmetic</a:t>
+              <a:rPr lang="en-US" sz="4800" dirty="0" smtClean="0"/>
+              <a:t>Remainder </a:t>
+            </a:r>
+            <a:r>
+              <a:rPr lang="en-US" sz="4800" dirty="0"/>
+              <a:t>arithmetic</a:t>
             </a:r>
           </a:p>
         </p:txBody>
@@ -12017,7 +12351,7 @@
         </p:nvSpPr>
         <p:spPr>
           <a:xfrm>
-            <a:off x="6553200" y="6356350"/>
+            <a:off x="6934200" y="6492875"/>
             <a:ext cx="2133600" cy="365125"/>
           </a:xfrm>
         </p:spPr>
@@ -12026,8 +12360,8 @@
           <a:lstStyle/>
           <a:p>
             <a:r>
-              <a:rPr lang="en-US" smtClean="0"/>
-              <a:t>8F.</a:t>
+              <a:rPr lang="en-US" dirty="0" smtClean="0"/>
+              <a:t>8W.</a:t>
             </a:r>
             <a:fld id="{5653AFC6-B420-2E4E-AAAC-D734658728B4}" type="slidenum">
               <a:rPr lang="en-US" smtClean="0"/>
@@ -12107,9 +12441,9 @@
                             </p:stCondLst>
                             <p:childTnLst>
                               <p:par>
-                                <p:cTn id="8" presetID="22" presetClass="entr" presetSubtype="8" fill="hold" nodeType="afterEffect">
+                                <p:cTn id="8" presetID="9" presetClass="entr" presetSubtype="0" fill="hold" nodeType="afterEffect">
                                   <p:stCondLst>
-                                    <p:cond delay="0"/>
+                                    <p:cond delay="500"/>
                                   </p:stCondLst>
                                   <p:childTnLst>
                                     <p:set>
@@ -12134,7 +12468,7 @@
                                         <p:strVal val="visible"/>
                                       </p:to>
                                     </p:set>
-                                    <p:animEffect transition="in" filter="wipe(left)">
+                                    <p:animEffect transition="in" filter="dissolve">
                                       <p:cBhvr>
                                         <p:cTn id="10" dur="500"/>
                                         <p:tgtEl>
@@ -12489,34 +12823,6 @@
       </p:sp>
       <p:sp>
         <p:nvSpPr>
-          <p:cNvPr id="37892" name="Rectangle 4"/>
-          <p:cNvSpPr>
-            <a:spLocks noGrp="1" noChangeArrowheads="1"/>
-          </p:cNvSpPr>
-          <p:nvPr>
-            <p:ph type="title" idx="4294967295"/>
-          </p:nvPr>
-        </p:nvSpPr>
-        <p:spPr>
-          <a:xfrm>
-            <a:off x="2362200" y="76200"/>
-            <a:ext cx="6781800" cy="1295400"/>
-          </a:xfrm>
-        </p:spPr>
-        <p:txBody>
-          <a:bodyPr/>
-          <a:lstStyle/>
-          <a:p>
-            <a:pPr eaLnBrk="1" hangingPunct="1"/>
-            <a:r>
-              <a:rPr lang="en-US" sz="4800"/>
-              <a:t>remainder arithmetic</a:t>
-            </a:r>
-          </a:p>
-        </p:txBody>
-      </p:sp>
-      <p:sp>
-        <p:nvSpPr>
           <p:cNvPr id="5" name="Slide Number Placeholder 4"/>
           <p:cNvSpPr>
             <a:spLocks noGrp="1"/>
@@ -12527,7 +12833,7 @@
         </p:nvSpPr>
         <p:spPr>
           <a:xfrm>
-            <a:off x="6553200" y="6356350"/>
+            <a:off x="6934200" y="6492875"/>
             <a:ext cx="2133600" cy="365125"/>
           </a:xfrm>
         </p:spPr>
@@ -12536,8 +12842,8 @@
           <a:lstStyle/>
           <a:p>
             <a:r>
-              <a:rPr lang="en-US" smtClean="0"/>
-              <a:t>8F.</a:t>
+              <a:rPr lang="en-US" dirty="0" smtClean="0"/>
+              <a:t>8W.</a:t>
             </a:r>
             <a:fld id="{5653AFC6-B420-2E4E-AAAC-D734658728B4}" type="slidenum">
               <a:rPr lang="en-US" smtClean="0"/>
@@ -12545,6 +12851,89 @@
               <a:t>16</a:t>
             </a:fld>
             <a:endParaRPr lang="en-US" dirty="0"/>
+          </a:p>
+        </p:txBody>
+      </p:sp>
+      <p:sp>
+        <p:nvSpPr>
+          <p:cNvPr id="6" name="Rectangle 4"/>
+          <p:cNvSpPr txBox="1">
+            <a:spLocks noChangeArrowheads="1"/>
+          </p:cNvSpPr>
+          <p:nvPr/>
+        </p:nvSpPr>
+        <p:spPr bwMode="auto">
+          <a:xfrm>
+            <a:off x="1371600" y="76200"/>
+            <a:ext cx="6781800" cy="1219200"/>
+          </a:xfrm>
+          <a:prstGeom prst="rect">
+            <a:avLst/>
+          </a:prstGeom>
+          <a:noFill/>
+          <a:ln w="9525">
+            <a:noFill/>
+            <a:miter lim="800000"/>
+            <a:headEnd/>
+            <a:tailEnd/>
+          </a:ln>
+        </p:spPr>
+        <p:txBody>
+          <a:bodyPr vert="horz" wrap="square" lIns="91440" tIns="45720" rIns="91440" bIns="45720" numCol="1" anchor="ctr" anchorCtr="0" compatLnSpc="1">
+            <a:prstTxWarp prst="textNoShape">
+              <a:avLst/>
+            </a:prstTxWarp>
+          </a:bodyPr>
+          <a:lstStyle/>
+          <a:p>
+            <a:pPr marL="0" marR="0" lvl="0" indent="0" algn="l" defTabSz="914400" rtl="0" eaLnBrk="1" fontAlgn="base" latinLnBrk="0" hangingPunct="1">
+              <a:lnSpc>
+                <a:spcPct val="100000"/>
+              </a:lnSpc>
+              <a:spcBef>
+                <a:spcPct val="0"/>
+              </a:spcBef>
+              <a:spcAft>
+                <a:spcPct val="0"/>
+              </a:spcAft>
+              <a:buClrTx/>
+              <a:buSzTx/>
+              <a:buFontTx/>
+              <a:buNone/>
+              <a:tabLst/>
+              <a:defRPr/>
+            </a:pPr>
+            <a:r>
+              <a:rPr kumimoji="0" lang="en-US" sz="4800" b="1" i="0" u="none" strike="noStrike" kern="1200" cap="none" spc="0" normalizeH="0" baseline="0" noProof="0" smtClean="0">
+                <a:ln>
+                  <a:noFill/>
+                </a:ln>
+                <a:solidFill>
+                  <a:schemeClr val="tx1"/>
+                </a:solidFill>
+                <a:effectLst/>
+                <a:uLnTx/>
+                <a:uFillTx/>
+                <a:latin typeface="+mj-lt"/>
+                <a:ea typeface="+mj-ea"/>
+                <a:cs typeface="+mj-cs"/>
+              </a:rPr>
+              <a:t>Remainder arithmetic</a:t>
+            </a:r>
+            <a:endParaRPr kumimoji="0" lang="en-US" sz="4800" b="1" i="0" u="none" strike="noStrike" kern="1200" cap="none" spc="0" normalizeH="0" baseline="0" noProof="0" dirty="0">
+              <a:ln>
+                <a:noFill/>
+              </a:ln>
+              <a:solidFill>
+                <a:schemeClr val="tx1"/>
+              </a:solidFill>
+              <a:effectLst/>
+              <a:uLnTx/>
+              <a:uFillTx/>
+              <a:latin typeface="+mj-lt"/>
+              <a:ea typeface="+mj-ea"/>
+              <a:cs typeface="+mj-cs"/>
+            </a:endParaRPr>
           </a:p>
         </p:txBody>
       </p:sp>
@@ -13142,7 +13531,7 @@
         </p:nvSpPr>
         <p:spPr>
           <a:xfrm>
-            <a:off x="6553200" y="6356350"/>
+            <a:off x="6934200" y="6492875"/>
             <a:ext cx="2133600" cy="365125"/>
           </a:xfrm>
         </p:spPr>
@@ -13151,8 +13540,8 @@
           <a:lstStyle/>
           <a:p>
             <a:r>
-              <a:rPr lang="en-US" smtClean="0"/>
-              <a:t>8F.</a:t>
+              <a:rPr lang="en-US" dirty="0" smtClean="0"/>
+              <a:t>8W.</a:t>
             </a:r>
             <a:fld id="{5653AFC6-B420-2E4E-AAAC-D734658728B4}" type="slidenum">
               <a:rPr lang="en-US" smtClean="0"/>
@@ -13306,7 +13695,7 @@
                             </p:stCondLst>
                             <p:childTnLst>
                               <p:par>
-                                <p:cTn id="14" presetID="22" presetClass="entr" presetSubtype="1" fill="hold" nodeType="clickEffect">
+                                <p:cTn id="14" presetID="1" presetClass="entr" presetSubtype="0" fill="hold" nodeType="clickEffect">
                                   <p:stCondLst>
                                     <p:cond delay="0"/>
                                   </p:stCondLst>
@@ -13333,18 +13722,6 @@
                                         <p:strVal val="visible"/>
                                       </p:to>
                                     </p:set>
-                                    <p:animEffect transition="in" filter="wipe(up)">
-                                      <p:cBhvr>
-                                        <p:cTn id="16" dur="500"/>
-                                        <p:tgtEl>
-                                          <p:spTgt spid="755715">
-                                            <p:txEl>
-                                              <p:pRg st="3" end="3"/>
-                                            </p:txEl>
-                                          </p:spTgt>
-                                        </p:tgtEl>
-                                      </p:cBhvr>
-                                    </p:animEffect>
                                   </p:childTnLst>
                                 </p:cTn>
                               </p:par>
@@ -13352,20 +13729,20 @@
                           </p:cTn>
                         </p:par>
                         <p:par>
-                          <p:cTn id="17" fill="hold">
+                          <p:cTn id="16" fill="hold">
                             <p:stCondLst>
-                              <p:cond delay="500"/>
+                              <p:cond delay="0"/>
                             </p:stCondLst>
                             <p:childTnLst>
                               <p:par>
-                                <p:cTn id="18" presetID="22" presetClass="entr" presetSubtype="1" fill="hold" nodeType="afterEffect">
+                                <p:cTn id="17" presetID="22" presetClass="entr" presetSubtype="1" fill="hold" nodeType="afterEffect">
                                   <p:stCondLst>
                                     <p:cond delay="0"/>
                                   </p:stCondLst>
                                   <p:childTnLst>
                                     <p:set>
                                       <p:cBhvr>
-                                        <p:cTn id="19" dur="1" fill="hold">
+                                        <p:cTn id="18" dur="1" fill="hold">
                                           <p:stCondLst>
                                             <p:cond delay="0"/>
                                           </p:stCondLst>
@@ -13387,7 +13764,7 @@
                                     </p:set>
                                     <p:animEffect transition="in" filter="wipe(up)">
                                       <p:cBhvr>
-                                        <p:cTn id="20" dur="500"/>
+                                        <p:cTn id="19" dur="500"/>
                                         <p:tgtEl>
                                           <p:spTgt spid="755715">
                                             <p:txEl>
@@ -13400,8 +13777,17 @@
                                   </p:childTnLst>
                                 </p:cTn>
                               </p:par>
+                            </p:childTnLst>
+                          </p:cTn>
+                        </p:par>
+                        <p:par>
+                          <p:cTn id="20" fill="hold">
+                            <p:stCondLst>
+                              <p:cond delay="500"/>
+                            </p:stCondLst>
+                            <p:childTnLst>
                               <p:par>
-                                <p:cTn id="21" presetID="22" presetClass="entr" presetSubtype="1" fill="hold" nodeType="withEffect">
+                                <p:cTn id="21" presetID="22" presetClass="entr" presetSubtype="1" fill="hold" nodeType="afterEffect">
                                   <p:stCondLst>
                                     <p:cond delay="0"/>
                                   </p:stCondLst>
@@ -13641,7 +14027,7 @@
           <a:p>
             <a:pPr marL="0" indent="0" eaLnBrk="1" hangingPunct="1"/>
             <a:r>
-              <a:rPr lang="en-US" sz="6000" i="1" dirty="0" err="1"/>
+              <a:rPr lang="en-US" sz="6000" dirty="0" err="1"/>
               <a:t>pf</a:t>
             </a:r>
             <a:r>
@@ -13778,7 +14164,7 @@
         </p:nvSpPr>
         <p:spPr>
           <a:xfrm>
-            <a:off x="6553200" y="6356350"/>
+            <a:off x="6934200" y="6492875"/>
             <a:ext cx="2133600" cy="365125"/>
           </a:xfrm>
         </p:spPr>
@@ -13787,8 +14173,8 @@
           <a:lstStyle/>
           <a:p>
             <a:r>
-              <a:rPr lang="en-US" smtClean="0"/>
-              <a:t>8F.</a:t>
+              <a:rPr lang="en-US" dirty="0" smtClean="0"/>
+              <a:t>8W.</a:t>
             </a:r>
             <a:fld id="{5653AFC6-B420-2E4E-AAAC-D734658728B4}" type="slidenum">
               <a:rPr lang="en-US" smtClean="0"/>
@@ -13828,7 +14214,7 @@
                             </p:stCondLst>
                             <p:childTnLst>
                               <p:par>
-                                <p:cTn id="5" presetID="1" presetClass="entr" presetSubtype="0" fill="hold" nodeType="clickEffect">
+                                <p:cTn id="5" presetID="22" presetClass="entr" presetSubtype="1" fill="hold" grpId="0" nodeType="clickEffect">
                                   <p:stCondLst>
                                     <p:cond delay="0"/>
                                   </p:stCondLst>
@@ -13836,6 +14222,119 @@
                                     <p:set>
                                       <p:cBhvr>
                                         <p:cTn id="6" dur="1" fill="hold">
+                                          <p:stCondLst>
+                                            <p:cond delay="0"/>
+                                          </p:stCondLst>
+                                        </p:cTn>
+                                        <p:tgtEl>
+                                          <p:spTgt spid="753667">
+                                            <p:txEl>
+                                              <p:pRg st="0" end="0"/>
+                                            </p:txEl>
+                                          </p:spTgt>
+                                        </p:tgtEl>
+                                        <p:attrNameLst>
+                                          <p:attrName>style.visibility</p:attrName>
+                                        </p:attrNameLst>
+                                      </p:cBhvr>
+                                      <p:to>
+                                        <p:strVal val="visible"/>
+                                      </p:to>
+                                    </p:set>
+                                    <p:animEffect transition="in" filter="wipe(up)">
+                                      <p:cBhvr>
+                                        <p:cTn id="7" dur="500"/>
+                                        <p:tgtEl>
+                                          <p:spTgt spid="753667">
+                                            <p:txEl>
+                                              <p:pRg st="0" end="0"/>
+                                            </p:txEl>
+                                          </p:spTgt>
+                                        </p:tgtEl>
+                                      </p:cBhvr>
+                                    </p:animEffect>
+                                  </p:childTnLst>
+                                </p:cTn>
+                              </p:par>
+                            </p:childTnLst>
+                          </p:cTn>
+                        </p:par>
+                        <p:par>
+                          <p:cTn id="8" fill="hold">
+                            <p:stCondLst>
+                              <p:cond delay="500"/>
+                            </p:stCondLst>
+                            <p:childTnLst>
+                              <p:par>
+                                <p:cTn id="9" presetID="22" presetClass="entr" presetSubtype="1" fill="hold" grpId="0" nodeType="afterEffect">
+                                  <p:stCondLst>
+                                    <p:cond delay="0"/>
+                                  </p:stCondLst>
+                                  <p:childTnLst>
+                                    <p:set>
+                                      <p:cBhvr>
+                                        <p:cTn id="10" dur="1" fill="hold">
+                                          <p:stCondLst>
+                                            <p:cond delay="0"/>
+                                          </p:stCondLst>
+                                        </p:cTn>
+                                        <p:tgtEl>
+                                          <p:spTgt spid="753667">
+                                            <p:txEl>
+                                              <p:pRg st="1" end="1"/>
+                                            </p:txEl>
+                                          </p:spTgt>
+                                        </p:tgtEl>
+                                        <p:attrNameLst>
+                                          <p:attrName>style.visibility</p:attrName>
+                                        </p:attrNameLst>
+                                      </p:cBhvr>
+                                      <p:to>
+                                        <p:strVal val="visible"/>
+                                      </p:to>
+                                    </p:set>
+                                    <p:animEffect transition="in" filter="wipe(up)">
+                                      <p:cBhvr>
+                                        <p:cTn id="11" dur="500"/>
+                                        <p:tgtEl>
+                                          <p:spTgt spid="753667">
+                                            <p:txEl>
+                                              <p:pRg st="1" end="1"/>
+                                            </p:txEl>
+                                          </p:spTgt>
+                                        </p:tgtEl>
+                                      </p:cBhvr>
+                                    </p:animEffect>
+                                  </p:childTnLst>
+                                </p:cTn>
+                              </p:par>
+                            </p:childTnLst>
+                          </p:cTn>
+                        </p:par>
+                      </p:childTnLst>
+                    </p:cTn>
+                  </p:par>
+                  <p:par>
+                    <p:cTn id="12" fill="hold">
+                      <p:stCondLst>
+                        <p:cond delay="indefinite"/>
+                      </p:stCondLst>
+                      <p:childTnLst>
+                        <p:par>
+                          <p:cTn id="13" fill="hold">
+                            <p:stCondLst>
+                              <p:cond delay="0"/>
+                            </p:stCondLst>
+                            <p:childTnLst>
+                              <p:par>
+                                <p:cTn id="14" presetID="9" presetClass="entr" presetSubtype="0" fill="hold" grpId="0" nodeType="clickEffect">
+                                  <p:stCondLst>
+                                    <p:cond delay="0"/>
+                                  </p:stCondLst>
+                                  <p:childTnLst>
+                                    <p:set>
+                                      <p:cBhvr>
+                                        <p:cTn id="15" dur="1" fill="hold">
                                           <p:stCondLst>
                                             <p:cond delay="0"/>
                                           </p:stCondLst>
@@ -13855,18 +14354,30 @@
                                         <p:strVal val="visible"/>
                                       </p:to>
                                     </p:set>
+                                    <p:animEffect transition="in" filter="dissolve">
+                                      <p:cBhvr>
+                                        <p:cTn id="16" dur="500"/>
+                                        <p:tgtEl>
+                                          <p:spTgt spid="753667">
+                                            <p:txEl>
+                                              <p:pRg st="2" end="2"/>
+                                            </p:txEl>
+                                          </p:spTgt>
+                                        </p:tgtEl>
+                                      </p:cBhvr>
+                                    </p:animEffect>
                                   </p:childTnLst>
                                 </p:cTn>
                               </p:par>
                               <p:par>
-                                <p:cTn id="7" presetID="1" presetClass="entr" presetSubtype="0" fill="hold" nodeType="withEffect">
+                                <p:cTn id="17" presetID="9" presetClass="entr" presetSubtype="0" fill="hold" grpId="0" nodeType="withEffect">
                                   <p:stCondLst>
                                     <p:cond delay="0"/>
                                   </p:stCondLst>
                                   <p:childTnLst>
                                     <p:set>
                                       <p:cBhvr>
-                                        <p:cTn id="8" dur="1" fill="hold">
+                                        <p:cTn id="18" dur="1" fill="hold">
                                           <p:stCondLst>
                                             <p:cond delay="0"/>
                                           </p:stCondLst>
@@ -13886,6 +14397,18 @@
                                         <p:strVal val="visible"/>
                                       </p:to>
                                     </p:set>
+                                    <p:animEffect transition="in" filter="dissolve">
+                                      <p:cBhvr>
+                                        <p:cTn id="19" dur="500"/>
+                                        <p:tgtEl>
+                                          <p:spTgt spid="753667">
+                                            <p:txEl>
+                                              <p:pRg st="3" end="3"/>
+                                            </p:txEl>
+                                          </p:spTgt>
+                                        </p:tgtEl>
+                                      </p:cBhvr>
+                                    </p:animEffect>
                                   </p:childTnLst>
                                 </p:cTn>
                               </p:par>
@@ -13916,6 +14439,9 @@
         </p:cTn>
       </p:par>
     </p:tnLst>
+    <p:bldLst>
+      <p:bldP spid="753667" grpId="0" build="p"/>
+    </p:bldLst>
   </p:timing>
 </p:sld>
 </file>
@@ -13959,7 +14485,7 @@
           <a:p>
             <a:pPr marL="0" indent="0" eaLnBrk="1" hangingPunct="1"/>
             <a:r>
-              <a:rPr lang="en-US" sz="6000" i="1" dirty="0"/>
+              <a:rPr lang="en-US" sz="6000" dirty="0"/>
               <a:t>Corollary:</a:t>
             </a:r>
           </a:p>
@@ -14295,7 +14821,7 @@
         </p:nvSpPr>
         <p:spPr>
           <a:xfrm>
-            <a:off x="6553200" y="6356350"/>
+            <a:off x="6934200" y="6492875"/>
             <a:ext cx="2133600" cy="365125"/>
           </a:xfrm>
         </p:spPr>
@@ -14304,8 +14830,8 @@
           <a:lstStyle/>
           <a:p>
             <a:r>
-              <a:rPr lang="en-US" smtClean="0"/>
-              <a:t>8F.</a:t>
+              <a:rPr lang="en-US" dirty="0" smtClean="0"/>
+              <a:t>8W.</a:t>
             </a:r>
             <a:fld id="{5653AFC6-B420-2E4E-AAAC-D734658728B4}" type="slidenum">
               <a:rPr lang="en-US" smtClean="0"/>
@@ -14327,15 +14853,102 @@
   <p:timing>
     <p:tnLst>
       <p:par>
-        <p:cTn id="1" dur="indefinite" restart="never" nodeType="tmRoot"/>
+        <p:cTn id="1" dur="indefinite" restart="never" nodeType="tmRoot">
+          <p:childTnLst>
+            <p:seq concurrent="1" nextAc="seek">
+              <p:cTn id="2" dur="indefinite" nodeType="mainSeq">
+                <p:childTnLst>
+                  <p:par>
+                    <p:cTn id="3" fill="hold">
+                      <p:stCondLst>
+                        <p:cond delay="indefinite"/>
+                      </p:stCondLst>
+                      <p:childTnLst>
+                        <p:par>
+                          <p:cTn id="4" fill="hold">
+                            <p:stCondLst>
+                              <p:cond delay="0"/>
+                            </p:stCondLst>
+                            <p:childTnLst>
+                              <p:par>
+                                <p:cTn id="5" presetID="22" presetClass="entr" presetSubtype="1" fill="hold" grpId="0" nodeType="clickEffect">
+                                  <p:stCondLst>
+                                    <p:cond delay="0"/>
+                                  </p:stCondLst>
+                                  <p:childTnLst>
+                                    <p:set>
+                                      <p:cBhvr>
+                                        <p:cTn id="6" dur="1" fill="hold">
+                                          <p:stCondLst>
+                                            <p:cond delay="0"/>
+                                          </p:stCondLst>
+                                        </p:cTn>
+                                        <p:tgtEl>
+                                          <p:spTgt spid="40963">
+                                            <p:txEl>
+                                              <p:pRg st="3" end="3"/>
+                                            </p:txEl>
+                                          </p:spTgt>
+                                        </p:tgtEl>
+                                        <p:attrNameLst>
+                                          <p:attrName>style.visibility</p:attrName>
+                                        </p:attrNameLst>
+                                      </p:cBhvr>
+                                      <p:to>
+                                        <p:strVal val="visible"/>
+                                      </p:to>
+                                    </p:set>
+                                    <p:animEffect transition="in" filter="wipe(up)">
+                                      <p:cBhvr>
+                                        <p:cTn id="7" dur="500"/>
+                                        <p:tgtEl>
+                                          <p:spTgt spid="40963">
+                                            <p:txEl>
+                                              <p:pRg st="3" end="3"/>
+                                            </p:txEl>
+                                          </p:spTgt>
+                                        </p:tgtEl>
+                                      </p:cBhvr>
+                                    </p:animEffect>
+                                  </p:childTnLst>
+                                </p:cTn>
+                              </p:par>
+                            </p:childTnLst>
+                          </p:cTn>
+                        </p:par>
+                      </p:childTnLst>
+                    </p:cTn>
+                  </p:par>
+                </p:childTnLst>
+              </p:cTn>
+              <p:prevCondLst>
+                <p:cond evt="onPrev" delay="0">
+                  <p:tgtEl>
+                    <p:sldTgt/>
+                  </p:tgtEl>
+                </p:cond>
+              </p:prevCondLst>
+              <p:nextCondLst>
+                <p:cond evt="onNext" delay="0">
+                  <p:tgtEl>
+                    <p:sldTgt/>
+                  </p:tgtEl>
+                </p:cond>
+              </p:nextCondLst>
+            </p:seq>
+          </p:childTnLst>
+        </p:cTn>
       </p:par>
     </p:tnLst>
+    <p:bldLst>
+      <p:bldP spid="40963" grpId="0" uiExpand="1" build="p"/>
+    </p:bldLst>
   </p:timing>
 </p:sld>
 </file>
 
 <file path=ppt/slides/slide2.xml><?xml version="1.0" encoding="utf-8"?>
-<p:sld xmlns:a="http://schemas.openxmlformats.org/drawingml/2006/main" xmlns:r="http://schemas.openxmlformats.org/officeDocument/2006/relationships" xmlns:mc="http://schemas.openxmlformats.org/markup-compatibility/2006" xmlns:mv="urn:schemas-microsoft-com:mac:vml" xmlns:p="http://schemas.openxmlformats.org/presentationml/2006/main" mc:Ignorable="mv" mc:PreserveAttributes="mv:*">
+<p:sld xmlns:a="http://schemas.openxmlformats.org/drawingml/2006/main" xmlns:r="http://schemas.openxmlformats.org/officeDocument/2006/relationships" xmlns:mc="http://schemas.openxmlformats.org/markup-compatibility/2006" xmlns:mv="urn:schemas-microsoft-com:mac:vml" xmlns:p="http://schemas.openxmlformats.org/presentationml/2006/main" mc:Ignorable="mv" mc:PreserveAttributes="mv:*" show="0">
   <p:cSld>
     <p:spTree>
       <p:nvGrpSpPr>
@@ -14406,7 +15019,7 @@
           <a:p>
             <a:pPr marL="0" indent="0" eaLnBrk="1" hangingPunct="1"/>
             <a:r>
-              <a:rPr lang="en-US" sz="6600" b="1" i="1" dirty="0"/>
+              <a:rPr lang="en-US" sz="6600" dirty="0"/>
               <a:t>Def</a:t>
             </a:r>
             <a:r>
@@ -14732,7 +15345,7 @@
         </p:nvSpPr>
         <p:spPr>
           <a:xfrm>
-            <a:off x="6553200" y="6356350"/>
+            <a:off x="6934200" y="6492875"/>
             <a:ext cx="2133600" cy="365125"/>
           </a:xfrm>
         </p:spPr>
@@ -14741,8 +15354,8 @@
           <a:lstStyle/>
           <a:p>
             <a:r>
-              <a:rPr lang="en-US" smtClean="0"/>
-              <a:t>8F.</a:t>
+              <a:rPr lang="en-US" dirty="0" smtClean="0"/>
+              <a:t>8W.</a:t>
             </a:r>
             <a:fld id="{5653AFC6-B420-2E4E-AAAC-D734658728B4}" type="slidenum">
               <a:rPr lang="en-US" smtClean="0"/>
@@ -14758,6 +15371,9 @@
   <p:clrMapOvr>
     <a:masterClrMapping/>
   </p:clrMapOvr>
+  <p:transition>
+    <p:fade thruBlk="1"/>
+  </p:transition>
   <p:timing>
     <p:tnLst>
       <p:par>
@@ -14770,6 +15386,9 @@
                     <p:cTn id="3" fill="hold">
                       <p:stCondLst>
                         <p:cond delay="indefinite"/>
+                        <p:cond evt="onBegin" delay="0">
+                          <p:tn val="2"/>
+                        </p:cond>
                       </p:stCondLst>
                       <p:childTnLst>
                         <p:par>
@@ -14779,7 +15398,7 @@
                             </p:stCondLst>
                             <p:childTnLst>
                               <p:par>
-                                <p:cTn id="5" presetID="15" presetClass="entr" presetSubtype="0" fill="hold" grpId="0" nodeType="clickEffect">
+                                <p:cTn id="5" presetID="15" presetClass="entr" presetSubtype="0" fill="hold" grpId="0" nodeType="afterEffect">
                                   <p:stCondLst>
                                     <p:cond delay="0"/>
                                   </p:stCondLst>
@@ -15841,8 +16460,8 @@
           <a:lstStyle/>
           <a:p>
             <a:r>
-              <a:rPr lang="en-US" smtClean="0"/>
-              <a:t>8F.</a:t>
+              <a:rPr lang="en-US" dirty="0" smtClean="0"/>
+              <a:t>8W.</a:t>
             </a:r>
             <a:fld id="{5653AFC6-B420-2E4E-AAAC-D734658728B4}" type="slidenum">
               <a:rPr lang="en-US" smtClean="0"/>
@@ -16352,7 +16971,7 @@
           <a:p>
             <a:pPr marL="0" indent="0" eaLnBrk="1" hangingPunct="1"/>
             <a:r>
-              <a:rPr lang="en-US" sz="6000" i="1" dirty="0" err="1"/>
+              <a:rPr lang="en-US" sz="6000" dirty="0" err="1"/>
               <a:t>pf</a:t>
             </a:r>
             <a:r>
@@ -16641,7 +17260,7 @@
         </p:nvSpPr>
         <p:spPr>
           <a:xfrm>
-            <a:off x="6553200" y="6356350"/>
+            <a:off x="6934200" y="6416675"/>
             <a:ext cx="2133600" cy="365125"/>
           </a:xfrm>
         </p:spPr>
@@ -16650,8 +17269,8 @@
           <a:lstStyle/>
           <a:p>
             <a:r>
-              <a:rPr lang="en-US" smtClean="0"/>
-              <a:t>8F.</a:t>
+              <a:rPr lang="en-US" dirty="0" smtClean="0"/>
+              <a:t>8W.</a:t>
             </a:r>
             <a:fld id="{5653AFC6-B420-2E4E-AAAC-D734658728B4}" type="slidenum">
               <a:rPr lang="en-US" smtClean="0"/>
@@ -16667,6 +17286,9 @@
   <p:clrMapOvr>
     <a:masterClrMapping/>
   </p:clrMapOvr>
+  <p:transition spd="slow">
+    <p:fade thruBlk="1"/>
+  </p:transition>
   <p:timing>
     <p:tnLst>
       <p:par>
@@ -16679,6 +17301,9 @@
                     <p:cTn id="3" fill="hold">
                       <p:stCondLst>
                         <p:cond delay="indefinite"/>
+                        <p:cond evt="onBegin" delay="0">
+                          <p:tn val="2"/>
+                        </p:cond>
                       </p:stCondLst>
                       <p:childTnLst>
                         <p:par>
@@ -16688,7 +17313,7 @@
                             </p:stCondLst>
                             <p:childTnLst>
                               <p:par>
-                                <p:cTn id="5" presetID="1" presetClass="entr" presetSubtype="0" fill="hold" grpId="0" nodeType="clickEffect">
+                                <p:cTn id="5" presetID="22" presetClass="entr" presetSubtype="1" fill="hold" grpId="0" nodeType="afterEffect">
                                   <p:stCondLst>
                                     <p:cond delay="0"/>
                                   </p:stCondLst>
@@ -16715,6 +17340,18 @@
                                         <p:strVal val="visible"/>
                                       </p:to>
                                     </p:set>
+                                    <p:animEffect transition="in" filter="wipe(up)">
+                                      <p:cBhvr>
+                                        <p:cTn id="7" dur="500"/>
+                                        <p:tgtEl>
+                                          <p:spTgt spid="753667">
+                                            <p:txEl>
+                                              <p:pRg st="1" end="1"/>
+                                            </p:txEl>
+                                          </p:spTgt>
+                                        </p:tgtEl>
+                                      </p:cBhvr>
+                                    </p:animEffect>
                                   </p:childTnLst>
                                 </p:cTn>
                               </p:par>
@@ -16725,26 +17362,26 @@
                     </p:cTn>
                   </p:par>
                   <p:par>
-                    <p:cTn id="7" fill="hold">
+                    <p:cTn id="8" fill="hold">
                       <p:stCondLst>
                         <p:cond delay="indefinite"/>
                       </p:stCondLst>
                       <p:childTnLst>
                         <p:par>
-                          <p:cTn id="8" fill="hold">
+                          <p:cTn id="9" fill="hold">
                             <p:stCondLst>
                               <p:cond delay="0"/>
                             </p:stCondLst>
                             <p:childTnLst>
                               <p:par>
-                                <p:cTn id="9" presetID="1" presetClass="entr" presetSubtype="0" fill="hold" grpId="0" nodeType="clickEffect">
+                                <p:cTn id="10" presetID="1" presetClass="entr" presetSubtype="0" fill="hold" grpId="0" nodeType="clickEffect">
                                   <p:stCondLst>
                                     <p:cond delay="0"/>
                                   </p:stCondLst>
                                   <p:childTnLst>
                                     <p:set>
                                       <p:cBhvr>
-                                        <p:cTn id="10" dur="1" fill="hold">
+                                        <p:cTn id="11" dur="1" fill="hold">
                                           <p:stCondLst>
                                             <p:cond delay="0"/>
                                           </p:stCondLst>
@@ -16770,15 +17407,6 @@
                             </p:childTnLst>
                           </p:cTn>
                         </p:par>
-                      </p:childTnLst>
-                    </p:cTn>
-                  </p:par>
-                  <p:par>
-                    <p:cTn id="11" fill="hold">
-                      <p:stCondLst>
-                        <p:cond delay="indefinite"/>
-                      </p:stCondLst>
-                      <p:childTnLst>
                         <p:par>
                           <p:cTn id="12" fill="hold">
                             <p:stCondLst>
@@ -16786,7 +17414,7 @@
                             </p:stCondLst>
                             <p:childTnLst>
                               <p:par>
-                                <p:cTn id="13" presetID="1" presetClass="entr" presetSubtype="0" fill="hold" grpId="0" nodeType="clickEffect">
+                                <p:cTn id="13" presetID="1" presetClass="entr" presetSubtype="0" fill="hold" grpId="0" nodeType="afterEffect">
                                   <p:stCondLst>
                                     <p:cond delay="0"/>
                                   </p:stCondLst>
@@ -16819,30 +17447,21 @@
                             </p:childTnLst>
                           </p:cTn>
                         </p:par>
-                      </p:childTnLst>
-                    </p:cTn>
-                  </p:par>
-                  <p:par>
-                    <p:cTn id="15" fill="hold">
-                      <p:stCondLst>
-                        <p:cond delay="indefinite"/>
-                      </p:stCondLst>
-                      <p:childTnLst>
                         <p:par>
-                          <p:cTn id="16" fill="hold">
+                          <p:cTn id="15" fill="hold">
                             <p:stCondLst>
                               <p:cond delay="0"/>
                             </p:stCondLst>
                             <p:childTnLst>
                               <p:par>
-                                <p:cTn id="17" presetID="1" presetClass="entr" presetSubtype="0" fill="hold" grpId="0" nodeType="clickEffect">
+                                <p:cTn id="16" presetID="1" presetClass="entr" presetSubtype="0" fill="hold" grpId="0" nodeType="afterEffect">
                                   <p:stCondLst>
                                     <p:cond delay="0"/>
                                   </p:stCondLst>
                                   <p:childTnLst>
                                     <p:set>
                                       <p:cBhvr>
-                                        <p:cTn id="18" dur="1" fill="hold">
+                                        <p:cTn id="17" dur="1" fill="hold">
                                           <p:stCondLst>
                                             <p:cond delay="0"/>
                                           </p:stCondLst>
@@ -16938,7 +17557,7 @@
           <a:p>
             <a:pPr marL="0" indent="0" eaLnBrk="1" hangingPunct="1"/>
             <a:r>
-              <a:rPr lang="en-US" sz="6000" i="1" dirty="0" err="1"/>
+              <a:rPr lang="en-US" sz="6000" dirty="0" err="1"/>
               <a:t>Cor</a:t>
             </a:r>
             <a:r>
@@ -17212,7 +17831,7 @@
         </p:nvSpPr>
         <p:spPr>
           <a:xfrm>
-            <a:off x="6553200" y="6356350"/>
+            <a:off x="6934200" y="6416675"/>
             <a:ext cx="2133600" cy="365125"/>
           </a:xfrm>
         </p:spPr>
@@ -17221,8 +17840,8 @@
           <a:lstStyle/>
           <a:p>
             <a:r>
-              <a:rPr lang="en-US" smtClean="0"/>
-              <a:t>8F.</a:t>
+              <a:rPr lang="en-US" dirty="0" smtClean="0"/>
+              <a:t>8W.</a:t>
             </a:r>
             <a:fld id="{5653AFC6-B420-2E4E-AAAC-D734658728B4}" type="slidenum">
               <a:rPr lang="en-US" smtClean="0"/>
@@ -17605,34 +18224,6 @@
       </p:sp>
       <p:sp>
         <p:nvSpPr>
-          <p:cNvPr id="45060" name="Rectangle 4"/>
-          <p:cNvSpPr>
-            <a:spLocks noGrp="1" noChangeArrowheads="1"/>
-          </p:cNvSpPr>
-          <p:nvPr>
-            <p:ph type="title" idx="4294967295"/>
-          </p:nvPr>
-        </p:nvSpPr>
-        <p:spPr>
-          <a:xfrm>
-            <a:off x="2362200" y="76200"/>
-            <a:ext cx="6781800" cy="1295400"/>
-          </a:xfrm>
-        </p:spPr>
-        <p:txBody>
-          <a:bodyPr/>
-          <a:lstStyle/>
-          <a:p>
-            <a:pPr eaLnBrk="1" hangingPunct="1"/>
-            <a:r>
-              <a:rPr lang="en-US" sz="4800"/>
-              <a:t>remainder arithmetic</a:t>
-            </a:r>
-          </a:p>
-        </p:txBody>
-      </p:sp>
-      <p:sp>
-        <p:nvSpPr>
           <p:cNvPr id="5" name="Slide Number Placeholder 4"/>
           <p:cNvSpPr>
             <a:spLocks noGrp="1"/>
@@ -17643,7 +18234,7 @@
         </p:nvSpPr>
         <p:spPr>
           <a:xfrm>
-            <a:off x="6553200" y="6356350"/>
+            <a:off x="6934200" y="6416675"/>
             <a:ext cx="2133600" cy="365125"/>
           </a:xfrm>
         </p:spPr>
@@ -17652,8 +18243,8 @@
           <a:lstStyle/>
           <a:p>
             <a:r>
-              <a:rPr lang="en-US" smtClean="0"/>
-              <a:t>8F.</a:t>
+              <a:rPr lang="en-US" dirty="0" smtClean="0"/>
+              <a:t>8W.</a:t>
             </a:r>
             <a:fld id="{5653AFC6-B420-2E4E-AAAC-D734658728B4}" type="slidenum">
               <a:rPr lang="en-US" smtClean="0"/>
@@ -17661,6 +18252,89 @@
               <a:t>23</a:t>
             </a:fld>
             <a:endParaRPr lang="en-US" dirty="0"/>
+          </a:p>
+        </p:txBody>
+      </p:sp>
+      <p:sp>
+        <p:nvSpPr>
+          <p:cNvPr id="6" name="Rectangle 4"/>
+          <p:cNvSpPr txBox="1">
+            <a:spLocks noChangeArrowheads="1"/>
+          </p:cNvSpPr>
+          <p:nvPr/>
+        </p:nvSpPr>
+        <p:spPr bwMode="auto">
+          <a:xfrm>
+            <a:off x="1371600" y="76200"/>
+            <a:ext cx="6781800" cy="1219200"/>
+          </a:xfrm>
+          <a:prstGeom prst="rect">
+            <a:avLst/>
+          </a:prstGeom>
+          <a:noFill/>
+          <a:ln w="9525">
+            <a:noFill/>
+            <a:miter lim="800000"/>
+            <a:headEnd/>
+            <a:tailEnd/>
+          </a:ln>
+        </p:spPr>
+        <p:txBody>
+          <a:bodyPr vert="horz" wrap="square" lIns="91440" tIns="45720" rIns="91440" bIns="45720" numCol="1" anchor="ctr" anchorCtr="0" compatLnSpc="1">
+            <a:prstTxWarp prst="textNoShape">
+              <a:avLst/>
+            </a:prstTxWarp>
+          </a:bodyPr>
+          <a:lstStyle/>
+          <a:p>
+            <a:pPr marL="0" marR="0" lvl="0" indent="0" algn="l" defTabSz="914400" rtl="0" eaLnBrk="1" fontAlgn="base" latinLnBrk="0" hangingPunct="1">
+              <a:lnSpc>
+                <a:spcPct val="100000"/>
+              </a:lnSpc>
+              <a:spcBef>
+                <a:spcPct val="0"/>
+              </a:spcBef>
+              <a:spcAft>
+                <a:spcPct val="0"/>
+              </a:spcAft>
+              <a:buClrTx/>
+              <a:buSzTx/>
+              <a:buFontTx/>
+              <a:buNone/>
+              <a:tabLst/>
+              <a:defRPr/>
+            </a:pPr>
+            <a:r>
+              <a:rPr kumimoji="0" lang="en-US" sz="4800" b="1" i="0" u="none" strike="noStrike" kern="1200" cap="none" spc="0" normalizeH="0" baseline="0" noProof="0" smtClean="0">
+                <a:ln>
+                  <a:noFill/>
+                </a:ln>
+                <a:solidFill>
+                  <a:schemeClr val="tx1"/>
+                </a:solidFill>
+                <a:effectLst/>
+                <a:uLnTx/>
+                <a:uFillTx/>
+                <a:latin typeface="+mj-lt"/>
+                <a:ea typeface="+mj-ea"/>
+                <a:cs typeface="+mj-cs"/>
+              </a:rPr>
+              <a:t>Remainder arithmetic</a:t>
+            </a:r>
+            <a:endParaRPr kumimoji="0" lang="en-US" sz="4800" b="1" i="0" u="none" strike="noStrike" kern="1200" cap="none" spc="0" normalizeH="0" baseline="0" noProof="0" dirty="0">
+              <a:ln>
+                <a:noFill/>
+              </a:ln>
+              <a:solidFill>
+                <a:schemeClr val="tx1"/>
+              </a:solidFill>
+              <a:effectLst/>
+              <a:uLnTx/>
+              <a:uFillTx/>
+              <a:latin typeface="+mj-lt"/>
+              <a:ea typeface="+mj-ea"/>
+              <a:cs typeface="+mj-cs"/>
+            </a:endParaRPr>
           </a:p>
         </p:txBody>
       </p:sp>
@@ -18282,34 +18956,6 @@
       </p:sp>
       <p:sp>
         <p:nvSpPr>
-          <p:cNvPr id="46084" name="Rectangle 4"/>
-          <p:cNvSpPr>
-            <a:spLocks noGrp="1" noChangeArrowheads="1"/>
-          </p:cNvSpPr>
-          <p:nvPr>
-            <p:ph type="title" idx="4294967295"/>
-          </p:nvPr>
-        </p:nvSpPr>
-        <p:spPr>
-          <a:xfrm>
-            <a:off x="2362200" y="76200"/>
-            <a:ext cx="6781800" cy="1295400"/>
-          </a:xfrm>
-        </p:spPr>
-        <p:txBody>
-          <a:bodyPr/>
-          <a:lstStyle/>
-          <a:p>
-            <a:pPr eaLnBrk="1" hangingPunct="1"/>
-            <a:r>
-              <a:rPr lang="en-US" sz="4800"/>
-              <a:t>remainder arithmetic</a:t>
-            </a:r>
-          </a:p>
-        </p:txBody>
-      </p:sp>
-      <p:sp>
-        <p:nvSpPr>
           <p:cNvPr id="5" name="Slide Number Placeholder 4"/>
           <p:cNvSpPr>
             <a:spLocks noGrp="1"/>
@@ -18320,7 +18966,7 @@
         </p:nvSpPr>
         <p:spPr>
           <a:xfrm>
-            <a:off x="6553200" y="6356350"/>
+            <a:off x="6934200" y="6416675"/>
             <a:ext cx="2133600" cy="365125"/>
           </a:xfrm>
         </p:spPr>
@@ -18329,8 +18975,8 @@
           <a:lstStyle/>
           <a:p>
             <a:r>
-              <a:rPr lang="en-US" smtClean="0"/>
-              <a:t>8F.</a:t>
+              <a:rPr lang="en-US" dirty="0" smtClean="0"/>
+              <a:t>8W.</a:t>
             </a:r>
             <a:fld id="{5653AFC6-B420-2E4E-AAAC-D734658728B4}" type="slidenum">
               <a:rPr lang="en-US" smtClean="0"/>
@@ -18338,6 +18984,89 @@
               <a:t>24</a:t>
             </a:fld>
             <a:endParaRPr lang="en-US" dirty="0"/>
+          </a:p>
+        </p:txBody>
+      </p:sp>
+      <p:sp>
+        <p:nvSpPr>
+          <p:cNvPr id="6" name="Rectangle 4"/>
+          <p:cNvSpPr txBox="1">
+            <a:spLocks noChangeArrowheads="1"/>
+          </p:cNvSpPr>
+          <p:nvPr/>
+        </p:nvSpPr>
+        <p:spPr bwMode="auto">
+          <a:xfrm>
+            <a:off x="1371600" y="76200"/>
+            <a:ext cx="6781800" cy="1219200"/>
+          </a:xfrm>
+          <a:prstGeom prst="rect">
+            <a:avLst/>
+          </a:prstGeom>
+          <a:noFill/>
+          <a:ln w="9525">
+            <a:noFill/>
+            <a:miter lim="800000"/>
+            <a:headEnd/>
+            <a:tailEnd/>
+          </a:ln>
+        </p:spPr>
+        <p:txBody>
+          <a:bodyPr vert="horz" wrap="square" lIns="91440" tIns="45720" rIns="91440" bIns="45720" numCol="1" anchor="ctr" anchorCtr="0" compatLnSpc="1">
+            <a:prstTxWarp prst="textNoShape">
+              <a:avLst/>
+            </a:prstTxWarp>
+          </a:bodyPr>
+          <a:lstStyle/>
+          <a:p>
+            <a:pPr marL="0" marR="0" lvl="0" indent="0" algn="l" defTabSz="914400" rtl="0" eaLnBrk="1" fontAlgn="base" latinLnBrk="0" hangingPunct="1">
+              <a:lnSpc>
+                <a:spcPct val="100000"/>
+              </a:lnSpc>
+              <a:spcBef>
+                <a:spcPct val="0"/>
+              </a:spcBef>
+              <a:spcAft>
+                <a:spcPct val="0"/>
+              </a:spcAft>
+              <a:buClrTx/>
+              <a:buSzTx/>
+              <a:buFontTx/>
+              <a:buNone/>
+              <a:tabLst/>
+              <a:defRPr/>
+            </a:pPr>
+            <a:r>
+              <a:rPr kumimoji="0" lang="en-US" sz="4800" b="1" i="0" u="none" strike="noStrike" kern="1200" cap="none" spc="0" normalizeH="0" baseline="0" noProof="0" smtClean="0">
+                <a:ln>
+                  <a:noFill/>
+                </a:ln>
+                <a:solidFill>
+                  <a:schemeClr val="tx1"/>
+                </a:solidFill>
+                <a:effectLst/>
+                <a:uLnTx/>
+                <a:uFillTx/>
+                <a:latin typeface="+mj-lt"/>
+                <a:ea typeface="+mj-ea"/>
+                <a:cs typeface="+mj-cs"/>
+              </a:rPr>
+              <a:t>Remainder arithmetic</a:t>
+            </a:r>
+            <a:endParaRPr kumimoji="0" lang="en-US" sz="4800" b="1" i="0" u="none" strike="noStrike" kern="1200" cap="none" spc="0" normalizeH="0" baseline="0" noProof="0" dirty="0">
+              <a:ln>
+                <a:noFill/>
+              </a:ln>
+              <a:solidFill>
+                <a:schemeClr val="tx1"/>
+              </a:solidFill>
+              <a:effectLst/>
+              <a:uLnTx/>
+              <a:uFillTx/>
+              <a:latin typeface="+mj-lt"/>
+              <a:ea typeface="+mj-ea"/>
+              <a:cs typeface="+mj-cs"/>
+            </a:endParaRPr>
           </a:p>
         </p:txBody>
       </p:sp>
@@ -18752,7 +19481,7 @@
             <a:r>
               <a:rPr lang="en-US" sz="4800" b="1" dirty="0" smtClean="0">
                 <a:solidFill>
-                  <a:srgbClr val="0000CC"/>
+                  <a:srgbClr val="FF0000"/>
                 </a:solidFill>
                 <a:latin typeface="Euclid Symbol" charset="2"/>
                 <a:cs typeface="Euclid Symbol" charset="2"/>
@@ -18845,7 +19574,7 @@
         </p:nvSpPr>
         <p:spPr bwMode="auto">
           <a:xfrm flipH="1">
-            <a:off x="3124200" y="4495800"/>
+            <a:off x="3048000" y="4495800"/>
             <a:ext cx="533400" cy="609600"/>
           </a:xfrm>
           <a:prstGeom prst="line">
@@ -18999,7 +19728,7 @@
         </p:nvSpPr>
         <p:spPr>
           <a:xfrm>
-            <a:off x="6553200" y="6356350"/>
+            <a:off x="6934200" y="6416675"/>
             <a:ext cx="2133600" cy="365125"/>
           </a:xfrm>
         </p:spPr>
@@ -19008,8 +19737,8 @@
           <a:lstStyle/>
           <a:p>
             <a:r>
-              <a:rPr lang="en-US" smtClean="0"/>
-              <a:t>8F.</a:t>
+              <a:rPr lang="en-US" dirty="0" smtClean="0"/>
+              <a:t>8W.</a:t>
             </a:r>
             <a:fld id="{5653AFC6-B420-2E4E-AAAC-D734658728B4}" type="slidenum">
               <a:rPr lang="en-US" smtClean="0"/>
@@ -19286,24 +20015,15 @@
                                   </p:childTnLst>
                                 </p:cTn>
                               </p:par>
-                            </p:childTnLst>
-                          </p:cTn>
-                        </p:par>
-                        <p:par>
-                          <p:cTn id="25" fill="hold">
-                            <p:stCondLst>
-                              <p:cond delay="0"/>
-                            </p:stCondLst>
-                            <p:childTnLst>
                               <p:par>
-                                <p:cTn id="26" presetID="39" presetClass="entr" presetSubtype="0" accel="100000" fill="hold" grpId="1" nodeType="afterEffect">
+                                <p:cTn id="25" presetID="39" presetClass="entr" presetSubtype="0" accel="100000" fill="hold" grpId="1" nodeType="withEffect">
                                   <p:stCondLst>
                                     <p:cond delay="500"/>
                                   </p:stCondLst>
                                   <p:childTnLst>
                                     <p:set>
                                       <p:cBhvr>
-                                        <p:cTn id="27" dur="1" fill="hold">
+                                        <p:cTn id="26" dur="1" fill="hold">
                                           <p:stCondLst>
                                             <p:cond delay="0"/>
                                           </p:stCondLst>
@@ -19321,7 +20041,7 @@
                                     </p:set>
                                     <p:anim calcmode="lin" valueType="num">
                                       <p:cBhvr>
-                                        <p:cTn id="28" dur="1000" fill="hold"/>
+                                        <p:cTn id="27" dur="500" fill="hold"/>
                                         <p:tgtEl>
                                           <p:spTgt spid="756740"/>
                                         </p:tgtEl>
@@ -19349,7 +20069,7 @@
                                     </p:anim>
                                     <p:anim calcmode="lin" valueType="num">
                                       <p:cBhvr>
-                                        <p:cTn id="29" dur="1000" fill="hold"/>
+                                        <p:cTn id="28" dur="500" fill="hold"/>
                                         <p:tgtEl>
                                           <p:spTgt spid="756740"/>
                                         </p:tgtEl>
@@ -19377,7 +20097,7 @@
                                     </p:anim>
                                     <p:anim calcmode="lin" valueType="num">
                                       <p:cBhvr>
-                                        <p:cTn id="30" dur="1000" fill="hold"/>
+                                        <p:cTn id="29" dur="500" fill="hold"/>
                                         <p:tgtEl>
                                           <p:spTgt spid="756740"/>
                                         </p:tgtEl>
@@ -19405,7 +20125,7 @@
                                     </p:anim>
                                     <p:anim calcmode="lin" valueType="num">
                                       <p:cBhvr>
-                                        <p:cTn id="31" dur="1000" fill="hold"/>
+                                        <p:cTn id="30" dur="500" fill="hold"/>
                                         <p:tgtEl>
                                           <p:spTgt spid="756740"/>
                                         </p:tgtEl>
@@ -19432,30 +20152,21 @@
                             </p:childTnLst>
                           </p:cTn>
                         </p:par>
-                      </p:childTnLst>
-                    </p:cTn>
-                  </p:par>
-                  <p:par>
-                    <p:cTn id="32" fill="hold">
-                      <p:stCondLst>
-                        <p:cond delay="indefinite"/>
-                      </p:stCondLst>
-                      <p:childTnLst>
                         <p:par>
-                          <p:cTn id="33" fill="hold">
+                          <p:cTn id="31" fill="hold">
                             <p:stCondLst>
-                              <p:cond delay="0"/>
+                              <p:cond delay="1000"/>
                             </p:stCondLst>
                             <p:childTnLst>
                               <p:par>
-                                <p:cTn id="34" presetID="15" presetClass="entr" presetSubtype="0" fill="hold" grpId="0" nodeType="clickEffect">
+                                <p:cTn id="32" presetID="15" presetClass="entr" presetSubtype="0" fill="hold" grpId="0" nodeType="afterEffect">
                                   <p:stCondLst>
                                     <p:cond delay="0"/>
                                   </p:stCondLst>
                                   <p:childTnLst>
                                     <p:set>
                                       <p:cBhvr>
-                                        <p:cTn id="35" dur="1" fill="hold">
+                                        <p:cTn id="33" dur="1" fill="hold">
                                           <p:stCondLst>
                                             <p:cond delay="0"/>
                                           </p:stCondLst>
@@ -19473,7 +20184,7 @@
                                     </p:set>
                                     <p:anim calcmode="lin" valueType="num">
                                       <p:cBhvr>
-                                        <p:cTn id="36" dur="1000" fill="hold"/>
+                                        <p:cTn id="34" dur="1000" fill="hold"/>
                                         <p:tgtEl>
                                           <p:spTgt spid="756738"/>
                                         </p:tgtEl>
@@ -19496,7 +20207,7 @@
                                     </p:anim>
                                     <p:anim calcmode="lin" valueType="num">
                                       <p:cBhvr>
-                                        <p:cTn id="37" dur="1000" fill="hold"/>
+                                        <p:cTn id="35" dur="1000" fill="hold"/>
                                         <p:tgtEl>
                                           <p:spTgt spid="756738"/>
                                         </p:tgtEl>
@@ -19519,7 +20230,7 @@
                                     </p:anim>
                                     <p:anim calcmode="lin" valueType="num">
                                       <p:cBhvr>
-                                        <p:cTn id="38" dur="1000" fill="hold"/>
+                                        <p:cTn id="36" dur="1000" fill="hold"/>
                                         <p:tgtEl>
                                           <p:spTgt spid="756738"/>
                                         </p:tgtEl>
@@ -19542,7 +20253,7 @@
                                     </p:anim>
                                     <p:anim calcmode="lin" valueType="num">
                                       <p:cBhvr>
-                                        <p:cTn id="39" dur="1000" fill="hold"/>
+                                        <p:cTn id="37" dur="1000" fill="hold"/>
                                         <p:tgtEl>
                                           <p:spTgt spid="756738"/>
                                         </p:tgtEl>
@@ -19767,7 +20478,7 @@
         </p:nvSpPr>
         <p:spPr>
           <a:xfrm>
-            <a:off x="6553200" y="6356350"/>
+            <a:off x="6934200" y="6416675"/>
             <a:ext cx="2133600" cy="365125"/>
           </a:xfrm>
         </p:spPr>
@@ -19776,8 +20487,8 @@
           <a:lstStyle/>
           <a:p>
             <a:r>
-              <a:rPr lang="en-US" smtClean="0"/>
-              <a:t>8F.</a:t>
+              <a:rPr lang="en-US" dirty="0" smtClean="0"/>
+              <a:t>8W.</a:t>
             </a:r>
             <a:fld id="{5653AFC6-B420-2E4E-AAAC-D734658728B4}" type="slidenum">
               <a:rPr lang="en-US" smtClean="0"/>
@@ -20236,7 +20947,7 @@
         </p:nvSpPr>
         <p:spPr>
           <a:xfrm>
-            <a:off x="6553200" y="6356350"/>
+            <a:off x="6934200" y="6416675"/>
             <a:ext cx="2133600" cy="365125"/>
           </a:xfrm>
         </p:spPr>
@@ -20245,8 +20956,8 @@
           <a:lstStyle/>
           <a:p>
             <a:r>
-              <a:rPr lang="en-US" smtClean="0"/>
-              <a:t>8F.</a:t>
+              <a:rPr lang="en-US" dirty="0" smtClean="0"/>
+              <a:t>8W.</a:t>
             </a:r>
             <a:fld id="{5653AFC6-B420-2E4E-AAAC-D734658728B4}" type="slidenum">
               <a:rPr lang="en-US" smtClean="0"/>
@@ -20496,7 +21207,7 @@
         </p:nvSpPr>
         <p:spPr>
           <a:xfrm>
-            <a:off x="533400" y="990600"/>
+            <a:off x="304800" y="990600"/>
             <a:ext cx="8610600" cy="5257800"/>
           </a:xfrm>
         </p:spPr>
@@ -20659,18 +21370,27 @@
               <a:t>of </a:t>
             </a:r>
             <a:r>
-              <a:rPr lang="en-US" sz="5400" dirty="0">
+              <a:rPr lang="en-US" sz="5400" dirty="0" err="1">
                 <a:solidFill>
                   <a:srgbClr val="0000CC"/>
                 </a:solidFill>
               </a:rPr>
               <a:t>k</a:t>
             </a:r>
+            <a:endParaRPr lang="en-US" sz="5400" dirty="0" smtClean="0">
+              <a:solidFill>
+                <a:srgbClr val="0000CC"/>
+              </a:solidFill>
+            </a:endParaRPr>
           </a:p>
           <a:p>
             <a:pPr marL="0" indent="0" eaLnBrk="1" hangingPunct="1"/>
             <a:r>
-              <a:rPr lang="en-US" sz="6000" i="1" dirty="0" err="1"/>
+              <a:rPr lang="en-US" sz="6000" dirty="0" smtClean="0"/>
+              <a:t>  </a:t>
+            </a:r>
+            <a:r>
+              <a:rPr lang="en-US" sz="6000" dirty="0" err="1" smtClean="0"/>
               <a:t>pf</a:t>
             </a:r>
             <a:r>
@@ -20726,7 +21446,15 @@
             <a:pPr marL="0" indent="0" eaLnBrk="1" hangingPunct="1"/>
             <a:r>
               <a:rPr lang="en-US" sz="6000" dirty="0"/>
-              <a:t>     just let</a:t>
+              <a:t>  </a:t>
+            </a:r>
+            <a:r>
+              <a:rPr lang="en-US" sz="6000" dirty="0" smtClean="0"/>
+              <a:t>     </a:t>
+            </a:r>
+            <a:r>
+              <a:rPr lang="en-US" sz="6000" dirty="0"/>
+              <a:t>just let</a:t>
             </a:r>
             <a:r>
               <a:rPr lang="en-US" sz="6000" dirty="0">
@@ -20752,7 +21480,7 @@
         </p:nvSpPr>
         <p:spPr>
           <a:xfrm>
-            <a:off x="6553200" y="6356350"/>
+            <a:off x="6934200" y="6477000"/>
             <a:ext cx="2133600" cy="365125"/>
           </a:xfrm>
         </p:spPr>
@@ -20761,8 +21489,8 @@
           <a:lstStyle/>
           <a:p>
             <a:r>
-              <a:rPr lang="en-US" smtClean="0"/>
-              <a:t>8F.</a:t>
+              <a:rPr lang="en-US" dirty="0" smtClean="0"/>
+              <a:t>8W.</a:t>
             </a:r>
             <a:fld id="{5653AFC6-B420-2E4E-AAAC-D734658728B4}" type="slidenum">
               <a:rPr lang="en-US" smtClean="0"/>
@@ -20770,6 +21498,51 @@
               <a:t>28</a:t>
             </a:fld>
             <a:endParaRPr lang="en-US" dirty="0"/>
+          </a:p>
+        </p:txBody>
+      </p:sp>
+      <p:sp>
+        <p:nvSpPr>
+          <p:cNvPr id="6" name="Rounded Rectangle 5"/>
+          <p:cNvSpPr/>
+          <p:nvPr/>
+        </p:nvSpPr>
+        <p:spPr>
+          <a:xfrm>
+            <a:off x="381000" y="3886200"/>
+            <a:ext cx="8001000" cy="2438400"/>
+          </a:xfrm>
+          <a:prstGeom prst="roundRect">
+            <a:avLst/>
+          </a:prstGeom>
+          <a:noFill/>
+          <a:ln w="41275">
+            <a:solidFill>
+              <a:srgbClr val="FF00FF"/>
+            </a:solidFill>
+            <a:prstDash val="dash"/>
+          </a:ln>
+        </p:spPr>
+        <p:style>
+          <a:lnRef idx="1">
+            <a:schemeClr val="accent1"/>
+          </a:lnRef>
+          <a:fillRef idx="3">
+            <a:schemeClr val="accent1"/>
+          </a:fillRef>
+          <a:effectRef idx="2">
+            <a:schemeClr val="accent1"/>
+          </a:effectRef>
+          <a:fontRef idx="minor">
+            <a:schemeClr val="lt1"/>
+          </a:fontRef>
+        </p:style>
+        <p:txBody>
+          <a:bodyPr rtlCol="0" anchor="ctr"/>
+          <a:lstStyle/>
+          <a:p>
+            <a:pPr algn="ctr"/>
+            <a:endParaRPr lang="en-US"/>
           </a:p>
         </p:txBody>
       </p:sp>
@@ -21021,6 +21794,59 @@
                       </p:childTnLst>
                     </p:cTn>
                   </p:par>
+                  <p:par>
+                    <p:cTn id="22" fill="hold">
+                      <p:stCondLst>
+                        <p:cond delay="indefinite"/>
+                      </p:stCondLst>
+                      <p:childTnLst>
+                        <p:par>
+                          <p:cTn id="23" fill="hold">
+                            <p:stCondLst>
+                              <p:cond delay="0"/>
+                            </p:stCondLst>
+                            <p:childTnLst>
+                              <p:par>
+                                <p:cTn id="24" presetID="10" presetClass="entr" presetSubtype="0" fill="hold" grpId="0" nodeType="clickEffect">
+                                  <p:stCondLst>
+                                    <p:cond delay="0"/>
+                                  </p:stCondLst>
+                                  <p:childTnLst>
+                                    <p:set>
+                                      <p:cBhvr>
+                                        <p:cTn id="25" dur="1" fill="hold">
+                                          <p:stCondLst>
+                                            <p:cond delay="0"/>
+                                          </p:stCondLst>
+                                        </p:cTn>
+                                        <p:tgtEl>
+                                          <p:spTgt spid="6"/>
+                                        </p:tgtEl>
+                                        <p:attrNameLst>
+                                          <p:attrName>style.visibility</p:attrName>
+                                        </p:attrNameLst>
+                                      </p:cBhvr>
+                                      <p:to>
+                                        <p:strVal val="visible"/>
+                                      </p:to>
+                                    </p:set>
+                                    <p:animEffect transition="in" filter="fade">
+                                      <p:cBhvr>
+                                        <p:cTn id="26" dur="500"/>
+                                        <p:tgtEl>
+                                          <p:spTgt spid="6"/>
+                                        </p:tgtEl>
+                                      </p:cBhvr>
+                                    </p:animEffect>
+                                  </p:childTnLst>
+                                </p:cTn>
+                              </p:par>
+                            </p:childTnLst>
+                          </p:cTn>
+                        </p:par>
+                      </p:childTnLst>
+                    </p:cTn>
+                  </p:par>
                 </p:childTnLst>
               </p:cTn>
               <p:prevCondLst>
@@ -21042,6 +21868,9 @@
         </p:cTn>
       </p:par>
     </p:tnLst>
+    <p:bldLst>
+      <p:bldP spid="6" grpId="0" animBg="1"/>
+    </p:bldLst>
   </p:timing>
 </p:sld>
 </file>
@@ -21749,7 +22578,7 @@
         </p:nvSpPr>
         <p:spPr>
           <a:xfrm>
-            <a:off x="6553200" y="6356350"/>
+            <a:off x="6934200" y="6416675"/>
             <a:ext cx="2133600" cy="365125"/>
           </a:xfrm>
         </p:spPr>
@@ -21758,8 +22587,8 @@
           <a:lstStyle/>
           <a:p>
             <a:r>
-              <a:rPr lang="en-US" smtClean="0"/>
-              <a:t>8F.</a:t>
+              <a:rPr lang="en-US" dirty="0" smtClean="0"/>
+              <a:t>8W.</a:t>
             </a:r>
             <a:fld id="{5653AFC6-B420-2E4E-AAAC-D734658728B4}" type="slidenum">
               <a:rPr lang="en-US" smtClean="0"/>
@@ -22233,7 +23062,7 @@
           <a:p>
             <a:pPr marL="0" indent="0" eaLnBrk="1" hangingPunct="1"/>
             <a:r>
-              <a:rPr lang="en-US" sz="6600" b="1" i="1" dirty="0"/>
+              <a:rPr lang="en-US" sz="6600" dirty="0"/>
               <a:t>Def</a:t>
             </a:r>
             <a:r>
@@ -22401,7 +23230,7 @@
             </a:r>
           </a:p>
           <a:p>
-            <a:pPr marL="0" indent="0" eaLnBrk="1" hangingPunct="1"/>
+            <a:pPr marL="0" indent="0" algn="ctr" eaLnBrk="1" hangingPunct="1"/>
             <a:r>
               <a:rPr lang="en-US" sz="5400" dirty="0">
                 <a:solidFill>
@@ -22409,30 +23238,22 @@
                 </a:solidFill>
               </a:rPr>
               <a:t>9</a:t>
-            </a:r>
-            <a:r>
-              <a:rPr lang="en-US" sz="5400" dirty="0"/>
-              <a:t> divides 18 = </a:t>
-            </a:r>
-            <a:r>
-              <a:rPr lang="en-US" sz="5400" dirty="0">
-                <a:solidFill>
-                  <a:srgbClr val="008000"/>
-                </a:solidFill>
-              </a:rPr>
-              <a:t>30</a:t>
             </a:r>
             <a:r>
               <a:rPr lang="en-US" sz="5400" dirty="0"/>
               <a:t> </a:t>
             </a:r>
             <a:r>
+              <a:rPr lang="en-US" sz="5400" dirty="0" smtClean="0"/>
+              <a:t>divides </a:t>
+            </a:r>
+            <a:r>
               <a:rPr lang="en-US" sz="5400" dirty="0">
                 <a:solidFill>
-                  <a:srgbClr val="0000CC"/>
-                </a:solidFill>
-              </a:rPr>
-              <a:t>-</a:t>
+                  <a:srgbClr val="008000"/>
+                </a:solidFill>
+              </a:rPr>
+              <a:t>30</a:t>
             </a:r>
             <a:r>
               <a:rPr lang="en-US" sz="5400" dirty="0"/>
@@ -22441,6 +23262,18 @@
             <a:r>
               <a:rPr lang="en-US" sz="5400" dirty="0">
                 <a:solidFill>
+                  <a:srgbClr val="0000CC"/>
+                </a:solidFill>
+              </a:rPr>
+              <a:t>-</a:t>
+            </a:r>
+            <a:r>
+              <a:rPr lang="en-US" sz="5400" dirty="0"/>
+              <a:t> </a:t>
+            </a:r>
+            <a:r>
+              <a:rPr lang="en-US" sz="5400" dirty="0">
+                <a:solidFill>
                   <a:srgbClr val="008000"/>
                 </a:solidFill>
               </a:rPr>
@@ -22449,96 +23282,6 @@
           </a:p>
         </p:txBody>
       </p:sp>
-      <p:cxnSp>
-        <p:nvCxnSpPr>
-          <p:cNvPr id="6" name="AutoShape 5"/>
-          <p:cNvCxnSpPr>
-            <a:cxnSpLocks noChangeShapeType="1"/>
-          </p:cNvCxnSpPr>
-          <p:nvPr/>
-        </p:nvCxnSpPr>
-        <p:spPr bwMode="auto">
-          <a:xfrm rot="10800000" flipV="1">
-            <a:off x="990600" y="4038600"/>
-            <a:ext cx="6172200" cy="1219200"/>
-          </a:xfrm>
-          <a:prstGeom prst="curvedConnector3">
-            <a:avLst>
-              <a:gd name="adj1" fmla="val 65245"/>
-            </a:avLst>
-          </a:prstGeom>
-          <a:noFill/>
-          <a:ln w="38100">
-            <a:solidFill>
-              <a:srgbClr val="0000FF"/>
-            </a:solidFill>
-            <a:prstDash val="sysDash"/>
-            <a:round/>
-            <a:headEnd/>
-            <a:tailEnd type="arrow" w="med" len="med"/>
-          </a:ln>
-        </p:spPr>
-      </p:cxnSp>
-      <p:cxnSp>
-        <p:nvCxnSpPr>
-          <p:cNvPr id="12" name="AutoShape 6"/>
-          <p:cNvCxnSpPr>
-            <a:cxnSpLocks noChangeShapeType="1"/>
-          </p:cNvCxnSpPr>
-          <p:nvPr/>
-        </p:nvCxnSpPr>
-        <p:spPr bwMode="auto">
-          <a:xfrm rot="16200000" flipH="1">
-            <a:off x="5410200" y="4038600"/>
-            <a:ext cx="1219200" cy="1219200"/>
-          </a:xfrm>
-          <a:prstGeom prst="curvedConnector3">
-            <a:avLst>
-              <a:gd name="adj1" fmla="val 50000"/>
-            </a:avLst>
-          </a:prstGeom>
-          <a:noFill/>
-          <a:ln w="38100">
-            <a:solidFill>
-              <a:srgbClr val="0000FF"/>
-            </a:solidFill>
-            <a:prstDash val="sysDash"/>
-            <a:round/>
-            <a:headEnd/>
-            <a:tailEnd type="arrow" w="med" len="med"/>
-          </a:ln>
-        </p:spPr>
-      </p:cxnSp>
-      <p:cxnSp>
-        <p:nvCxnSpPr>
-          <p:cNvPr id="17" name="AutoShape 7"/>
-          <p:cNvCxnSpPr>
-            <a:cxnSpLocks noChangeShapeType="1"/>
-          </p:cNvCxnSpPr>
-          <p:nvPr/>
-        </p:nvCxnSpPr>
-        <p:spPr bwMode="auto">
-          <a:xfrm>
-            <a:off x="3505200" y="4038600"/>
-            <a:ext cx="1981200" cy="1219200"/>
-          </a:xfrm>
-          <a:prstGeom prst="curvedConnector3">
-            <a:avLst>
-              <a:gd name="adj1" fmla="val 50000"/>
-            </a:avLst>
-          </a:prstGeom>
-          <a:noFill/>
-          <a:ln w="38100">
-            <a:solidFill>
-              <a:srgbClr val="0000FF"/>
-            </a:solidFill>
-            <a:prstDash val="sysDash"/>
-            <a:round/>
-            <a:headEnd/>
-            <a:tailEnd type="arrow" w="med" len="med"/>
-          </a:ln>
-        </p:spPr>
-      </p:cxnSp>
       <p:sp>
         <p:nvSpPr>
           <p:cNvPr id="18" name="Rectangle 8"/>
@@ -22596,7 +23339,7 @@
         </p:nvSpPr>
         <p:spPr>
           <a:xfrm>
-            <a:off x="6553200" y="6356350"/>
+            <a:off x="6934200" y="6492875"/>
             <a:ext cx="2133600" cy="365125"/>
           </a:xfrm>
         </p:spPr>
@@ -22605,8 +23348,8 @@
           <a:lstStyle/>
           <a:p>
             <a:r>
-              <a:rPr lang="en-US" smtClean="0"/>
-              <a:t>8F.</a:t>
+              <a:rPr lang="en-US" dirty="0" smtClean="0"/>
+              <a:t>8W.</a:t>
             </a:r>
             <a:fld id="{5653AFC6-B420-2E4E-AAAC-D734658728B4}" type="slidenum">
               <a:rPr lang="en-US" smtClean="0"/>
@@ -22623,7 +23366,7 @@
     <a:masterClrMapping/>
   </p:clrMapOvr>
   <p:transition>
-    <p:fade/>
+    <p:fade thruBlk="1"/>
   </p:transition>
   <p:timing>
     <p:tnLst>
@@ -22649,7 +23392,7 @@
                             </p:stCondLst>
                             <p:childTnLst>
                               <p:par>
-                                <p:cTn id="5" presetID="22" presetClass="entr" presetSubtype="1" fill="hold" nodeType="afterEffect">
+                                <p:cTn id="5" presetID="10" presetClass="entr" presetSubtype="0" fill="hold" grpId="0" nodeType="afterEffect">
                                   <p:stCondLst>
                                     <p:cond delay="0"/>
                                   </p:stCondLst>
@@ -22662,7 +23405,7 @@
                                           </p:stCondLst>
                                         </p:cTn>
                                         <p:tgtEl>
-                                          <p:spTgt spid="6"/>
+                                          <p:spTgt spid="18"/>
                                         </p:tgtEl>
                                         <p:attrNameLst>
                                           <p:attrName>style.visibility</p:attrName>
@@ -22672,14 +23415,152 @@
                                         <p:strVal val="visible"/>
                                       </p:to>
                                     </p:set>
-                                    <p:animEffect transition="in" filter="wipe(up)">
+                                    <p:animEffect transition="in" filter="fade">
                                       <p:cBhvr>
                                         <p:cTn id="7" dur="500"/>
                                         <p:tgtEl>
-                                          <p:spTgt spid="6"/>
+                                          <p:spTgt spid="18"/>
                                         </p:tgtEl>
                                       </p:cBhvr>
                                     </p:animEffect>
+                                  </p:childTnLst>
+                                </p:cTn>
+                              </p:par>
+                            </p:childTnLst>
+                          </p:cTn>
+                        </p:par>
+                      </p:childTnLst>
+                    </p:cTn>
+                  </p:par>
+                  <p:par>
+                    <p:cTn id="8" fill="hold">
+                      <p:stCondLst>
+                        <p:cond delay="indefinite"/>
+                      </p:stCondLst>
+                      <p:childTnLst>
+                        <p:par>
+                          <p:cTn id="9" fill="hold">
+                            <p:stCondLst>
+                              <p:cond delay="0"/>
+                            </p:stCondLst>
+                            <p:childTnLst>
+                              <p:par>
+                                <p:cTn id="10" presetID="1" presetClass="entr" presetSubtype="0" fill="hold" grpId="0" nodeType="clickEffect">
+                                  <p:stCondLst>
+                                    <p:cond delay="0"/>
+                                  </p:stCondLst>
+                                  <p:childTnLst>
+                                    <p:set>
+                                      <p:cBhvr>
+                                        <p:cTn id="11" dur="1" fill="hold">
+                                          <p:stCondLst>
+                                            <p:cond delay="0"/>
+                                          </p:stCondLst>
+                                        </p:cTn>
+                                        <p:tgtEl>
+                                          <p:spTgt spid="753667">
+                                            <p:txEl>
+                                              <p:pRg st="2" end="2"/>
+                                            </p:txEl>
+                                          </p:spTgt>
+                                        </p:tgtEl>
+                                        <p:attrNameLst>
+                                          <p:attrName>style.visibility</p:attrName>
+                                        </p:attrNameLst>
+                                      </p:cBhvr>
+                                      <p:to>
+                                        <p:strVal val="visible"/>
+                                      </p:to>
+                                    </p:set>
+                                  </p:childTnLst>
+                                </p:cTn>
+                              </p:par>
+                            </p:childTnLst>
+                          </p:cTn>
+                        </p:par>
+                      </p:childTnLst>
+                    </p:cTn>
+                  </p:par>
+                  <p:par>
+                    <p:cTn id="12" fill="hold">
+                      <p:stCondLst>
+                        <p:cond delay="indefinite"/>
+                      </p:stCondLst>
+                      <p:childTnLst>
+                        <p:par>
+                          <p:cTn id="13" fill="hold">
+                            <p:stCondLst>
+                              <p:cond delay="0"/>
+                            </p:stCondLst>
+                            <p:childTnLst>
+                              <p:par>
+                                <p:cTn id="14" presetID="1" presetClass="entr" presetSubtype="0" fill="hold" grpId="0" nodeType="clickEffect">
+                                  <p:stCondLst>
+                                    <p:cond delay="0"/>
+                                  </p:stCondLst>
+                                  <p:childTnLst>
+                                    <p:set>
+                                      <p:cBhvr>
+                                        <p:cTn id="15" dur="1" fill="hold">
+                                          <p:stCondLst>
+                                            <p:cond delay="0"/>
+                                          </p:stCondLst>
+                                        </p:cTn>
+                                        <p:tgtEl>
+                                          <p:spTgt spid="753667">
+                                            <p:txEl>
+                                              <p:pRg st="3" end="3"/>
+                                            </p:txEl>
+                                          </p:spTgt>
+                                        </p:tgtEl>
+                                        <p:attrNameLst>
+                                          <p:attrName>style.visibility</p:attrName>
+                                        </p:attrNameLst>
+                                      </p:cBhvr>
+                                      <p:to>
+                                        <p:strVal val="visible"/>
+                                      </p:to>
+                                    </p:set>
+                                  </p:childTnLst>
+                                </p:cTn>
+                              </p:par>
+                            </p:childTnLst>
+                          </p:cTn>
+                        </p:par>
+                        <p:par>
+                          <p:cTn id="16" fill="hold">
+                            <p:stCondLst>
+                              <p:cond delay="0"/>
+                            </p:stCondLst>
+                            <p:childTnLst>
+                              <p:par>
+                                <p:cTn id="17" presetID="1" presetClass="entr" presetSubtype="0" fill="hold" grpId="0" nodeType="afterEffect">
+                                  <p:stCondLst>
+                                    <p:cond delay="0"/>
+                                  </p:stCondLst>
+                                  <p:childTnLst>
+                                    <p:set>
+                                      <p:cBhvr>
+                                        <p:cTn id="18" dur="1" fill="hold">
+                                          <p:stCondLst>
+                                            <p:cond delay="0"/>
+                                          </p:stCondLst>
+                                        </p:cTn>
+                                        <p:tgtEl>
+                                          <p:spTgt spid="753667">
+                                            <p:txEl>
+                                              <p:pRg st="4" end="4"/>
+                                            </p:txEl>
+                                          </p:spTgt>
+                                        </p:tgtEl>
+                                        <p:attrNameLst>
+                                          <p:attrName>style.visibility</p:attrName>
+                                        </p:attrNameLst>
+                                      </p:cBhvr>
+                                      <p:to>
+                                        <p:strVal val="visible"/>
+                                      </p:to>
+                                    </p:set>
                                   </p:childTnLst>
                                 </p:cTn>
                               </p:par>
@@ -22710,6 +23591,10 @@
         </p:cTn>
       </p:par>
     </p:tnLst>
+    <p:bldLst>
+      <p:bldP spid="753667" grpId="0" build="p"/>
+      <p:bldP spid="18" grpId="0" animBg="1"/>
+    </p:bldLst>
   </p:timing>
 </p:sld>
 </file>
@@ -23060,7 +23945,7 @@
         </p:nvSpPr>
         <p:spPr>
           <a:xfrm>
-            <a:off x="6553200" y="6356350"/>
+            <a:off x="6934200" y="6416675"/>
             <a:ext cx="2133600" cy="365125"/>
           </a:xfrm>
         </p:spPr>
@@ -23069,8 +23954,8 @@
           <a:lstStyle/>
           <a:p>
             <a:r>
-              <a:rPr lang="en-US" smtClean="0"/>
-              <a:t>8F.</a:t>
+              <a:rPr lang="en-US" dirty="0" smtClean="0"/>
+              <a:t>8W.</a:t>
             </a:r>
             <a:fld id="{5653AFC6-B420-2E4E-AAAC-D734658728B4}" type="slidenum">
               <a:rPr lang="en-US" smtClean="0"/>
@@ -23764,7 +24649,7 @@
         </p:nvSpPr>
         <p:spPr>
           <a:xfrm>
-            <a:off x="6553200" y="6356350"/>
+            <a:off x="6934200" y="6416675"/>
             <a:ext cx="2133600" cy="365125"/>
           </a:xfrm>
         </p:spPr>
@@ -23773,8 +24658,8 @@
           <a:lstStyle/>
           <a:p>
             <a:r>
-              <a:rPr lang="en-US" smtClean="0"/>
-              <a:t>8F.</a:t>
+              <a:rPr lang="en-US" dirty="0" smtClean="0"/>
+              <a:t>8W.</a:t>
             </a:r>
             <a:fld id="{5653AFC6-B420-2E4E-AAAC-D734658728B4}" type="slidenum">
               <a:rPr lang="en-US" smtClean="0"/>
@@ -24352,7 +25237,7 @@
         </p:nvSpPr>
         <p:spPr>
           <a:xfrm>
-            <a:off x="6553200" y="6356350"/>
+            <a:off x="6934200" y="6416675"/>
             <a:ext cx="2133600" cy="365125"/>
           </a:xfrm>
         </p:spPr>
@@ -24361,8 +25246,8 @@
           <a:lstStyle/>
           <a:p>
             <a:r>
-              <a:rPr lang="en-US" smtClean="0"/>
-              <a:t>8F.</a:t>
+              <a:rPr lang="en-US" dirty="0" smtClean="0"/>
+              <a:t>8W.</a:t>
             </a:r>
             <a:fld id="{5653AFC6-B420-2E4E-AAAC-D734658728B4}" type="slidenum">
               <a:rPr lang="en-US" smtClean="0"/>
@@ -24806,7 +25691,7 @@
         </p:nvSpPr>
         <p:spPr>
           <a:xfrm>
-            <a:off x="6553200" y="6356350"/>
+            <a:off x="6934200" y="6416675"/>
             <a:ext cx="2133600" cy="365125"/>
           </a:xfrm>
         </p:spPr>
@@ -24815,8 +25700,8 @@
           <a:lstStyle/>
           <a:p>
             <a:r>
-              <a:rPr lang="en-US" smtClean="0"/>
-              <a:t>8F.</a:t>
+              <a:rPr lang="en-US" dirty="0" smtClean="0"/>
+              <a:t>8W.</a:t>
             </a:r>
             <a:fld id="{5653AFC6-B420-2E4E-AAAC-D734658728B4}" type="slidenum">
               <a:rPr lang="en-US" smtClean="0"/>
@@ -25036,7 +25921,7 @@
         </p:nvSpPr>
         <p:spPr>
           <a:xfrm>
-            <a:off x="6553200" y="6356350"/>
+            <a:off x="6934200" y="6416675"/>
             <a:ext cx="2133600" cy="365125"/>
           </a:xfrm>
         </p:spPr>
@@ -25045,8 +25930,8 @@
           <a:lstStyle/>
           <a:p>
             <a:r>
-              <a:rPr lang="en-US" smtClean="0"/>
-              <a:t>8F.</a:t>
+              <a:rPr lang="en-US" dirty="0" smtClean="0"/>
+              <a:t>8W.</a:t>
             </a:r>
             <a:fld id="{5653AFC6-B420-2E4E-AAAC-D734658728B4}" type="slidenum">
               <a:rPr lang="en-US" smtClean="0"/>
@@ -25823,7 +26708,7 @@
         </p:nvSpPr>
         <p:spPr>
           <a:xfrm>
-            <a:off x="6553200" y="6356350"/>
+            <a:off x="6934200" y="6416675"/>
             <a:ext cx="2133600" cy="365125"/>
           </a:xfrm>
         </p:spPr>
@@ -25832,8 +26717,8 @@
           <a:lstStyle/>
           <a:p>
             <a:r>
-              <a:rPr lang="en-US" smtClean="0"/>
-              <a:t>8F.</a:t>
+              <a:rPr lang="en-US" dirty="0" smtClean="0"/>
+              <a:t>8W.</a:t>
             </a:r>
             <a:fld id="{5653AFC6-B420-2E4E-AAAC-D734658728B4}" type="slidenum">
               <a:rPr lang="en-US" smtClean="0"/>
@@ -26928,7 +27813,7 @@
         </p:nvSpPr>
         <p:spPr>
           <a:xfrm>
-            <a:off x="6553200" y="6356350"/>
+            <a:off x="6934200" y="6416675"/>
             <a:ext cx="2133600" cy="365125"/>
           </a:xfrm>
         </p:spPr>
@@ -26937,8 +27822,8 @@
           <a:lstStyle/>
           <a:p>
             <a:r>
-              <a:rPr lang="en-US" smtClean="0"/>
-              <a:t>8F.</a:t>
+              <a:rPr lang="en-US" dirty="0" smtClean="0"/>
+              <a:t>8W.</a:t>
             </a:r>
             <a:fld id="{5653AFC6-B420-2E4E-AAAC-D734658728B4}" type="slidenum">
               <a:rPr lang="en-US" smtClean="0"/>
@@ -28328,7 +29213,7 @@
         </p:nvSpPr>
         <p:spPr>
           <a:xfrm>
-            <a:off x="6553200" y="6356350"/>
+            <a:off x="6934200" y="6416675"/>
             <a:ext cx="2133600" cy="365125"/>
           </a:xfrm>
         </p:spPr>
@@ -28337,8 +29222,8 @@
           <a:lstStyle/>
           <a:p>
             <a:r>
-              <a:rPr lang="en-US" smtClean="0"/>
-              <a:t>8F.</a:t>
+              <a:rPr lang="en-US" dirty="0" smtClean="0"/>
+              <a:t>8W.</a:t>
             </a:r>
             <a:fld id="{5653AFC6-B420-2E4E-AAAC-D734658728B4}" type="slidenum">
               <a:rPr lang="en-US" smtClean="0"/>
@@ -29272,7 +30157,7 @@
         </p:nvSpPr>
         <p:spPr>
           <a:xfrm>
-            <a:off x="6553200" y="6356350"/>
+            <a:off x="6934200" y="6416675"/>
             <a:ext cx="2133600" cy="365125"/>
           </a:xfrm>
         </p:spPr>
@@ -29281,8 +30166,8 @@
           <a:lstStyle/>
           <a:p>
             <a:r>
-              <a:rPr lang="en-US" smtClean="0"/>
-              <a:t>8F.</a:t>
+              <a:rPr lang="en-US" dirty="0" smtClean="0"/>
+              <a:t>8W.</a:t>
             </a:r>
             <a:fld id="{5653AFC6-B420-2E4E-AAAC-D734658728B4}" type="slidenum">
               <a:rPr lang="en-US" smtClean="0"/>
@@ -29943,6 +30828,7 @@
             <a:solidFill>
               <a:srgbClr val="FF00FF"/>
             </a:solidFill>
+            <a:prstDash val="dash"/>
             <a:miter lim="800000"/>
             <a:headEnd/>
             <a:tailEnd type="none" w="lg" len="lg"/>
@@ -30034,7 +30920,7 @@
         </p:nvSpPr>
         <p:spPr>
           <a:xfrm>
-            <a:off x="6553200" y="6356350"/>
+            <a:off x="6934200" y="6416675"/>
             <a:ext cx="2133600" cy="365125"/>
           </a:xfrm>
         </p:spPr>
@@ -30043,8 +30929,8 @@
           <a:lstStyle/>
           <a:p>
             <a:r>
-              <a:rPr lang="en-US" smtClean="0"/>
-              <a:t>8F.</a:t>
+              <a:rPr lang="en-US" dirty="0" smtClean="0"/>
+              <a:t>8W.</a:t>
             </a:r>
             <a:fld id="{5653AFC6-B420-2E4E-AAAC-D734658728B4}" type="slidenum">
               <a:rPr lang="en-US" smtClean="0"/>
@@ -30950,7 +31836,7 @@
         </p:nvSpPr>
         <p:spPr>
           <a:xfrm>
-            <a:off x="6553200" y="6356350"/>
+            <a:off x="6934200" y="6492875"/>
             <a:ext cx="2133600" cy="365125"/>
           </a:xfrm>
         </p:spPr>
@@ -30959,8 +31845,8 @@
           <a:lstStyle/>
           <a:p>
             <a:r>
-              <a:rPr lang="en-US" smtClean="0"/>
-              <a:t>8F.</a:t>
+              <a:rPr lang="en-US" dirty="0" smtClean="0"/>
+              <a:t>8W.</a:t>
             </a:r>
             <a:fld id="{5653AFC6-B420-2E4E-AAAC-D734658728B4}" type="slidenum">
               <a:rPr lang="en-US" smtClean="0"/>
@@ -31451,7 +32337,7 @@
         </p:nvSpPr>
         <p:spPr>
           <a:xfrm>
-            <a:off x="6553200" y="6356350"/>
+            <a:off x="6934200" y="6416675"/>
             <a:ext cx="2133600" cy="365125"/>
           </a:xfrm>
         </p:spPr>
@@ -31460,8 +32346,8 @@
           <a:lstStyle/>
           <a:p>
             <a:r>
-              <a:rPr lang="en-US" smtClean="0"/>
-              <a:t>8F.</a:t>
+              <a:rPr lang="en-US" dirty="0" smtClean="0"/>
+              <a:t>8W.</a:t>
             </a:r>
             <a:fld id="{5653AFC6-B420-2E4E-AAAC-D734658728B4}" type="slidenum">
               <a:rPr lang="en-US" smtClean="0"/>
@@ -31968,34 +32854,6 @@
       </p:sp>
       <p:sp>
         <p:nvSpPr>
-          <p:cNvPr id="59396" name="Rectangle 4"/>
-          <p:cNvSpPr>
-            <a:spLocks noGrp="1" noChangeArrowheads="1"/>
-          </p:cNvSpPr>
-          <p:nvPr>
-            <p:ph type="title" idx="4294967295"/>
-          </p:nvPr>
-        </p:nvSpPr>
-        <p:spPr>
-          <a:xfrm>
-            <a:off x="2362200" y="76200"/>
-            <a:ext cx="6781800" cy="1295400"/>
-          </a:xfrm>
-        </p:spPr>
-        <p:txBody>
-          <a:bodyPr/>
-          <a:lstStyle/>
-          <a:p>
-            <a:pPr eaLnBrk="1" hangingPunct="1"/>
-            <a:r>
-              <a:rPr lang="en-US" sz="4800"/>
-              <a:t>remainder arithmetic</a:t>
-            </a:r>
-          </a:p>
-        </p:txBody>
-      </p:sp>
-      <p:sp>
-        <p:nvSpPr>
           <p:cNvPr id="5" name="Slide Number Placeholder 4"/>
           <p:cNvSpPr>
             <a:spLocks noGrp="1"/>
@@ -32006,7 +32864,7 @@
         </p:nvSpPr>
         <p:spPr>
           <a:xfrm>
-            <a:off x="6553200" y="6356350"/>
+            <a:off x="6934200" y="6416675"/>
             <a:ext cx="2133600" cy="365125"/>
           </a:xfrm>
         </p:spPr>
@@ -32015,8 +32873,8 @@
           <a:lstStyle/>
           <a:p>
             <a:r>
-              <a:rPr lang="en-US" smtClean="0"/>
-              <a:t>8F.</a:t>
+              <a:rPr lang="en-US" dirty="0" smtClean="0"/>
+              <a:t>8W.</a:t>
             </a:r>
             <a:fld id="{5653AFC6-B420-2E4E-AAAC-D734658728B4}" type="slidenum">
               <a:rPr lang="en-US" smtClean="0"/>
@@ -32024,6 +32882,89 @@
               <a:t>41</a:t>
             </a:fld>
             <a:endParaRPr lang="en-US" dirty="0"/>
+          </a:p>
+        </p:txBody>
+      </p:sp>
+      <p:sp>
+        <p:nvSpPr>
+          <p:cNvPr id="6" name="Rectangle 4"/>
+          <p:cNvSpPr txBox="1">
+            <a:spLocks noChangeArrowheads="1"/>
+          </p:cNvSpPr>
+          <p:nvPr/>
+        </p:nvSpPr>
+        <p:spPr bwMode="auto">
+          <a:xfrm>
+            <a:off x="1371600" y="76200"/>
+            <a:ext cx="6781800" cy="1219200"/>
+          </a:xfrm>
+          <a:prstGeom prst="rect">
+            <a:avLst/>
+          </a:prstGeom>
+          <a:noFill/>
+          <a:ln w="9525">
+            <a:noFill/>
+            <a:miter lim="800000"/>
+            <a:headEnd/>
+            <a:tailEnd/>
+          </a:ln>
+        </p:spPr>
+        <p:txBody>
+          <a:bodyPr vert="horz" wrap="square" lIns="91440" tIns="45720" rIns="91440" bIns="45720" numCol="1" anchor="ctr" anchorCtr="0" compatLnSpc="1">
+            <a:prstTxWarp prst="textNoShape">
+              <a:avLst/>
+            </a:prstTxWarp>
+          </a:bodyPr>
+          <a:lstStyle/>
+          <a:p>
+            <a:pPr marL="0" marR="0" lvl="0" indent="0" algn="l" defTabSz="914400" rtl="0" eaLnBrk="1" fontAlgn="base" latinLnBrk="0" hangingPunct="1">
+              <a:lnSpc>
+                <a:spcPct val="100000"/>
+              </a:lnSpc>
+              <a:spcBef>
+                <a:spcPct val="0"/>
+              </a:spcBef>
+              <a:spcAft>
+                <a:spcPct val="0"/>
+              </a:spcAft>
+              <a:buClrTx/>
+              <a:buSzTx/>
+              <a:buFontTx/>
+              <a:buNone/>
+              <a:tabLst/>
+              <a:defRPr/>
+            </a:pPr>
+            <a:r>
+              <a:rPr kumimoji="0" lang="en-US" sz="4800" b="1" i="0" u="none" strike="noStrike" kern="1200" cap="none" spc="0" normalizeH="0" baseline="0" noProof="0" smtClean="0">
+                <a:ln>
+                  <a:noFill/>
+                </a:ln>
+                <a:solidFill>
+                  <a:schemeClr val="tx1"/>
+                </a:solidFill>
+                <a:effectLst/>
+                <a:uLnTx/>
+                <a:uFillTx/>
+                <a:latin typeface="+mj-lt"/>
+                <a:ea typeface="+mj-ea"/>
+                <a:cs typeface="+mj-cs"/>
+              </a:rPr>
+              <a:t>Remainder arithmetic</a:t>
+            </a:r>
+            <a:endParaRPr kumimoji="0" lang="en-US" sz="4800" b="1" i="0" u="none" strike="noStrike" kern="1200" cap="none" spc="0" normalizeH="0" baseline="0" noProof="0" dirty="0">
+              <a:ln>
+                <a:noFill/>
+              </a:ln>
+              <a:solidFill>
+                <a:schemeClr val="tx1"/>
+              </a:solidFill>
+              <a:effectLst/>
+              <a:uLnTx/>
+              <a:uFillTx/>
+              <a:latin typeface="+mj-lt"/>
+              <a:ea typeface="+mj-ea"/>
+              <a:cs typeface="+mj-cs"/>
+            </a:endParaRPr>
           </a:p>
         </p:txBody>
       </p:sp>
@@ -32364,34 +33305,6 @@
       </p:sp>
       <p:sp>
         <p:nvSpPr>
-          <p:cNvPr id="59396" name="Rectangle 4"/>
-          <p:cNvSpPr>
-            <a:spLocks noGrp="1" noChangeArrowheads="1"/>
-          </p:cNvSpPr>
-          <p:nvPr>
-            <p:ph type="title" idx="4294967295"/>
-          </p:nvPr>
-        </p:nvSpPr>
-        <p:spPr>
-          <a:xfrm>
-            <a:off x="2362200" y="76200"/>
-            <a:ext cx="6781800" cy="1295400"/>
-          </a:xfrm>
-        </p:spPr>
-        <p:txBody>
-          <a:bodyPr/>
-          <a:lstStyle/>
-          <a:p>
-            <a:pPr eaLnBrk="1" hangingPunct="1"/>
-            <a:r>
-              <a:rPr lang="en-US" sz="4800" dirty="0"/>
-              <a:t>remainder arithmetic</a:t>
-            </a:r>
-          </a:p>
-        </p:txBody>
-      </p:sp>
-      <p:sp>
-        <p:nvSpPr>
           <p:cNvPr id="5" name="Slide Number Placeholder 4"/>
           <p:cNvSpPr>
             <a:spLocks noGrp="1"/>
@@ -32402,7 +33315,7 @@
         </p:nvSpPr>
         <p:spPr>
           <a:xfrm>
-            <a:off x="6553200" y="6356350"/>
+            <a:off x="6934200" y="6416675"/>
             <a:ext cx="2133600" cy="365125"/>
           </a:xfrm>
         </p:spPr>
@@ -32411,8 +33324,8 @@
           <a:lstStyle/>
           <a:p>
             <a:r>
-              <a:rPr lang="en-US" smtClean="0"/>
-              <a:t>8F.</a:t>
+              <a:rPr lang="en-US" dirty="0" smtClean="0"/>
+              <a:t>8W.</a:t>
             </a:r>
             <a:fld id="{5653AFC6-B420-2E4E-AAAC-D734658728B4}" type="slidenum">
               <a:rPr lang="en-US" smtClean="0"/>
@@ -32512,6 +33425,89 @@
               </a:rPr>
               <a:t>]</a:t>
             </a:r>
+          </a:p>
+        </p:txBody>
+      </p:sp>
+      <p:sp>
+        <p:nvSpPr>
+          <p:cNvPr id="8" name="Rectangle 4"/>
+          <p:cNvSpPr txBox="1">
+            <a:spLocks noChangeArrowheads="1"/>
+          </p:cNvSpPr>
+          <p:nvPr/>
+        </p:nvSpPr>
+        <p:spPr bwMode="auto">
+          <a:xfrm>
+            <a:off x="1371600" y="76200"/>
+            <a:ext cx="6781800" cy="1219200"/>
+          </a:xfrm>
+          <a:prstGeom prst="rect">
+            <a:avLst/>
+          </a:prstGeom>
+          <a:noFill/>
+          <a:ln w="9525">
+            <a:noFill/>
+            <a:miter lim="800000"/>
+            <a:headEnd/>
+            <a:tailEnd/>
+          </a:ln>
+        </p:spPr>
+        <p:txBody>
+          <a:bodyPr vert="horz" wrap="square" lIns="91440" tIns="45720" rIns="91440" bIns="45720" numCol="1" anchor="ctr" anchorCtr="0" compatLnSpc="1">
+            <a:prstTxWarp prst="textNoShape">
+              <a:avLst/>
+            </a:prstTxWarp>
+          </a:bodyPr>
+          <a:lstStyle/>
+          <a:p>
+            <a:pPr marL="0" marR="0" lvl="0" indent="0" algn="l" defTabSz="914400" rtl="0" eaLnBrk="1" fontAlgn="base" latinLnBrk="0" hangingPunct="1">
+              <a:lnSpc>
+                <a:spcPct val="100000"/>
+              </a:lnSpc>
+              <a:spcBef>
+                <a:spcPct val="0"/>
+              </a:spcBef>
+              <a:spcAft>
+                <a:spcPct val="0"/>
+              </a:spcAft>
+              <a:buClrTx/>
+              <a:buSzTx/>
+              <a:buFontTx/>
+              <a:buNone/>
+              <a:tabLst/>
+              <a:defRPr/>
+            </a:pPr>
+            <a:r>
+              <a:rPr kumimoji="0" lang="en-US" sz="4800" b="1" i="0" u="none" strike="noStrike" kern="1200" cap="none" spc="0" normalizeH="0" baseline="0" noProof="0" smtClean="0">
+                <a:ln>
+                  <a:noFill/>
+                </a:ln>
+                <a:solidFill>
+                  <a:schemeClr val="tx1"/>
+                </a:solidFill>
+                <a:effectLst/>
+                <a:uLnTx/>
+                <a:uFillTx/>
+                <a:latin typeface="+mj-lt"/>
+                <a:ea typeface="+mj-ea"/>
+                <a:cs typeface="+mj-cs"/>
+              </a:rPr>
+              <a:t>Remainder arithmetic</a:t>
+            </a:r>
+            <a:endParaRPr kumimoji="0" lang="en-US" sz="4800" b="1" i="0" u="none" strike="noStrike" kern="1200" cap="none" spc="0" normalizeH="0" baseline="0" noProof="0" dirty="0">
+              <a:ln>
+                <a:noFill/>
+              </a:ln>
+              <a:solidFill>
+                <a:schemeClr val="tx1"/>
+              </a:solidFill>
+              <a:effectLst/>
+              <a:uLnTx/>
+              <a:uFillTx/>
+              <a:latin typeface="+mj-lt"/>
+              <a:ea typeface="+mj-ea"/>
+              <a:cs typeface="+mj-cs"/>
+            </a:endParaRPr>
           </a:p>
         </p:txBody>
       </p:sp>
@@ -32613,7 +33609,7 @@
 </file>
 
 <file path=ppt/slides/slide43.xml><?xml version="1.0" encoding="utf-8"?>
-<p:sld xmlns:a="http://schemas.openxmlformats.org/drawingml/2006/main" xmlns:r="http://schemas.openxmlformats.org/officeDocument/2006/relationships" xmlns:mc="http://schemas.openxmlformats.org/markup-compatibility/2006" xmlns:mv="urn:schemas-microsoft-com:mac:vml" xmlns:p="http://schemas.openxmlformats.org/presentationml/2006/main" mc:Ignorable="mv" mc:PreserveAttributes="mv:*">
+<p:sld xmlns:a="http://schemas.openxmlformats.org/drawingml/2006/main" xmlns:r="http://schemas.openxmlformats.org/officeDocument/2006/relationships" xmlns:mc="http://schemas.openxmlformats.org/markup-compatibility/2006" xmlns:mv="urn:schemas-microsoft-com:mac:vml" xmlns:p="http://schemas.openxmlformats.org/presentationml/2006/main" mc:Ignorable="mv" mc:PreserveAttributes="mv:*" show="0">
   <p:cSld>
     <p:spTree>
       <p:nvGrpSpPr>
@@ -32631,34 +33627,6 @@
       </p:grpSpPr>
       <p:sp>
         <p:nvSpPr>
-          <p:cNvPr id="59396" name="Rectangle 4"/>
-          <p:cNvSpPr>
-            <a:spLocks noGrp="1" noChangeArrowheads="1"/>
-          </p:cNvSpPr>
-          <p:nvPr>
-            <p:ph type="title" idx="4294967295"/>
-          </p:nvPr>
-        </p:nvSpPr>
-        <p:spPr>
-          <a:xfrm>
-            <a:off x="2362200" y="76200"/>
-            <a:ext cx="6781800" cy="1295400"/>
-          </a:xfrm>
-        </p:spPr>
-        <p:txBody>
-          <a:bodyPr/>
-          <a:lstStyle/>
-          <a:p>
-            <a:pPr eaLnBrk="1" hangingPunct="1"/>
-            <a:r>
-              <a:rPr lang="en-US" sz="4800" dirty="0"/>
-              <a:t>remainder arithmetic</a:t>
-            </a:r>
-          </a:p>
-        </p:txBody>
-      </p:sp>
-      <p:sp>
-        <p:nvSpPr>
           <p:cNvPr id="5" name="Slide Number Placeholder 4"/>
           <p:cNvSpPr>
             <a:spLocks noGrp="1"/>
@@ -32669,7 +33637,7 @@
         </p:nvSpPr>
         <p:spPr>
           <a:xfrm>
-            <a:off x="6553200" y="6356350"/>
+            <a:off x="6934200" y="6416675"/>
             <a:ext cx="2133600" cy="365125"/>
           </a:xfrm>
         </p:spPr>
@@ -32678,8 +33646,8 @@
           <a:lstStyle/>
           <a:p>
             <a:r>
-              <a:rPr lang="en-US" smtClean="0"/>
-              <a:t>8F.</a:t>
+              <a:rPr lang="en-US" dirty="0" smtClean="0"/>
+              <a:t>8W.</a:t>
             </a:r>
             <a:fld id="{5653AFC6-B420-2E4E-AAAC-D734658728B4}" type="slidenum">
               <a:rPr lang="en-US" smtClean="0"/>
@@ -32807,6 +33775,89 @@
           </a:p>
         </p:txBody>
       </p:sp>
+      <p:sp>
+        <p:nvSpPr>
+          <p:cNvPr id="6" name="Rectangle 4"/>
+          <p:cNvSpPr txBox="1">
+            <a:spLocks noChangeArrowheads="1"/>
+          </p:cNvSpPr>
+          <p:nvPr/>
+        </p:nvSpPr>
+        <p:spPr bwMode="auto">
+          <a:xfrm>
+            <a:off x="1371600" y="76200"/>
+            <a:ext cx="6781800" cy="1219200"/>
+          </a:xfrm>
+          <a:prstGeom prst="rect">
+            <a:avLst/>
+          </a:prstGeom>
+          <a:noFill/>
+          <a:ln w="9525">
+            <a:noFill/>
+            <a:miter lim="800000"/>
+            <a:headEnd/>
+            <a:tailEnd/>
+          </a:ln>
+        </p:spPr>
+        <p:txBody>
+          <a:bodyPr vert="horz" wrap="square" lIns="91440" tIns="45720" rIns="91440" bIns="45720" numCol="1" anchor="ctr" anchorCtr="0" compatLnSpc="1">
+            <a:prstTxWarp prst="textNoShape">
+              <a:avLst/>
+            </a:prstTxWarp>
+          </a:bodyPr>
+          <a:lstStyle/>
+          <a:p>
+            <a:pPr marL="0" marR="0" lvl="0" indent="0" algn="l" defTabSz="914400" rtl="0" eaLnBrk="1" fontAlgn="base" latinLnBrk="0" hangingPunct="1">
+              <a:lnSpc>
+                <a:spcPct val="100000"/>
+              </a:lnSpc>
+              <a:spcBef>
+                <a:spcPct val="0"/>
+              </a:spcBef>
+              <a:spcAft>
+                <a:spcPct val="0"/>
+              </a:spcAft>
+              <a:buClrTx/>
+              <a:buSzTx/>
+              <a:buFontTx/>
+              <a:buNone/>
+              <a:tabLst/>
+              <a:defRPr/>
+            </a:pPr>
+            <a:r>
+              <a:rPr kumimoji="0" lang="en-US" sz="4800" b="1" i="0" u="none" strike="noStrike" kern="1200" cap="none" spc="0" normalizeH="0" baseline="0" noProof="0" smtClean="0">
+                <a:ln>
+                  <a:noFill/>
+                </a:ln>
+                <a:solidFill>
+                  <a:schemeClr val="tx1"/>
+                </a:solidFill>
+                <a:effectLst/>
+                <a:uLnTx/>
+                <a:uFillTx/>
+                <a:latin typeface="+mj-lt"/>
+                <a:ea typeface="+mj-ea"/>
+                <a:cs typeface="+mj-cs"/>
+              </a:rPr>
+              <a:t>Remainder arithmetic</a:t>
+            </a:r>
+            <a:endParaRPr kumimoji="0" lang="en-US" sz="4800" b="1" i="0" u="none" strike="noStrike" kern="1200" cap="none" spc="0" normalizeH="0" baseline="0" noProof="0" dirty="0">
+              <a:ln>
+                <a:noFill/>
+              </a:ln>
+              <a:solidFill>
+                <a:schemeClr val="tx1"/>
+              </a:solidFill>
+              <a:effectLst/>
+              <a:uLnTx/>
+              <a:uFillTx/>
+              <a:latin typeface="+mj-lt"/>
+              <a:ea typeface="+mj-ea"/>
+              <a:cs typeface="+mj-cs"/>
+            </a:endParaRPr>
+          </a:p>
+        </p:txBody>
+      </p:sp>
     </p:spTree>
   </p:cSld>
   <p:clrMapOvr>
@@ -32826,7 +33877,7 @@
 </file>
 
 <file path=ppt/slides/slide44.xml><?xml version="1.0" encoding="utf-8"?>
-<p:sld xmlns:a="http://schemas.openxmlformats.org/drawingml/2006/main" xmlns:r="http://schemas.openxmlformats.org/officeDocument/2006/relationships" xmlns:mc="http://schemas.openxmlformats.org/markup-compatibility/2006" xmlns:mv="urn:schemas-microsoft-com:mac:vml" xmlns:p="http://schemas.openxmlformats.org/presentationml/2006/main" mc:Ignorable="mv" mc:PreserveAttributes="mv:*">
+<p:sld xmlns:a="http://schemas.openxmlformats.org/drawingml/2006/main" xmlns:r="http://schemas.openxmlformats.org/officeDocument/2006/relationships" xmlns:mc="http://schemas.openxmlformats.org/markup-compatibility/2006" xmlns:mv="urn:schemas-microsoft-com:mac:vml" xmlns:p="http://schemas.openxmlformats.org/presentationml/2006/main" mc:Ignorable="mv" mc:PreserveAttributes="mv:*" show="0">
   <p:cSld>
     <p:spTree>
       <p:nvGrpSpPr>
@@ -32844,34 +33895,6 @@
       </p:grpSpPr>
       <p:sp>
         <p:nvSpPr>
-          <p:cNvPr id="59396" name="Rectangle 4"/>
-          <p:cNvSpPr>
-            <a:spLocks noGrp="1" noChangeArrowheads="1"/>
-          </p:cNvSpPr>
-          <p:nvPr>
-            <p:ph type="title" idx="4294967295"/>
-          </p:nvPr>
-        </p:nvSpPr>
-        <p:spPr>
-          <a:xfrm>
-            <a:off x="2362200" y="76200"/>
-            <a:ext cx="6781800" cy="1295400"/>
-          </a:xfrm>
-        </p:spPr>
-        <p:txBody>
-          <a:bodyPr/>
-          <a:lstStyle/>
-          <a:p>
-            <a:pPr eaLnBrk="1" hangingPunct="1"/>
-            <a:r>
-              <a:rPr lang="en-US" sz="4800" dirty="0"/>
-              <a:t>remainder arithmetic</a:t>
-            </a:r>
-          </a:p>
-        </p:txBody>
-      </p:sp>
-      <p:sp>
-        <p:nvSpPr>
           <p:cNvPr id="5" name="Slide Number Placeholder 4"/>
           <p:cNvSpPr>
             <a:spLocks noGrp="1"/>
@@ -32882,7 +33905,7 @@
         </p:nvSpPr>
         <p:spPr>
           <a:xfrm>
-            <a:off x="6553200" y="6356350"/>
+            <a:off x="6934200" y="6416675"/>
             <a:ext cx="2133600" cy="365125"/>
           </a:xfrm>
         </p:spPr>
@@ -32891,8 +33914,8 @@
           <a:lstStyle/>
           <a:p>
             <a:r>
-              <a:rPr lang="en-US" smtClean="0"/>
-              <a:t>8F.</a:t>
+              <a:rPr lang="en-US" dirty="0" smtClean="0"/>
+              <a:t>8W.</a:t>
             </a:r>
             <a:fld id="{5653AFC6-B420-2E4E-AAAC-D734658728B4}" type="slidenum">
               <a:rPr lang="en-US" smtClean="0"/>
@@ -33087,14 +34110,97 @@
       </p:sp>
       <p:sp>
         <p:nvSpPr>
-          <p:cNvPr id="12" name="TextBox 11"/>
+          <p:cNvPr id="8" name="Rectangle 4"/>
+          <p:cNvSpPr txBox="1">
+            <a:spLocks noChangeArrowheads="1"/>
+          </p:cNvSpPr>
+          <p:nvPr/>
+        </p:nvSpPr>
+        <p:spPr bwMode="auto">
+          <a:xfrm>
+            <a:off x="1371600" y="76200"/>
+            <a:ext cx="6781800" cy="1219200"/>
+          </a:xfrm>
+          <a:prstGeom prst="rect">
+            <a:avLst/>
+          </a:prstGeom>
+          <a:noFill/>
+          <a:ln w="9525">
+            <a:noFill/>
+            <a:miter lim="800000"/>
+            <a:headEnd/>
+            <a:tailEnd/>
+          </a:ln>
+        </p:spPr>
+        <p:txBody>
+          <a:bodyPr vert="horz" wrap="square" lIns="91440" tIns="45720" rIns="91440" bIns="45720" numCol="1" anchor="ctr" anchorCtr="0" compatLnSpc="1">
+            <a:prstTxWarp prst="textNoShape">
+              <a:avLst/>
+            </a:prstTxWarp>
+          </a:bodyPr>
+          <a:lstStyle/>
+          <a:p>
+            <a:pPr marL="0" marR="0" lvl="0" indent="0" algn="l" defTabSz="914400" rtl="0" eaLnBrk="1" fontAlgn="base" latinLnBrk="0" hangingPunct="1">
+              <a:lnSpc>
+                <a:spcPct val="100000"/>
+              </a:lnSpc>
+              <a:spcBef>
+                <a:spcPct val="0"/>
+              </a:spcBef>
+              <a:spcAft>
+                <a:spcPct val="0"/>
+              </a:spcAft>
+              <a:buClrTx/>
+              <a:buSzTx/>
+              <a:buFontTx/>
+              <a:buNone/>
+              <a:tabLst/>
+              <a:defRPr/>
+            </a:pPr>
+            <a:r>
+              <a:rPr kumimoji="0" lang="en-US" sz="4800" b="1" i="0" u="none" strike="noStrike" kern="1200" cap="none" spc="0" normalizeH="0" baseline="0" noProof="0" smtClean="0">
+                <a:ln>
+                  <a:noFill/>
+                </a:ln>
+                <a:solidFill>
+                  <a:schemeClr val="tx1"/>
+                </a:solidFill>
+                <a:effectLst/>
+                <a:uLnTx/>
+                <a:uFillTx/>
+                <a:latin typeface="+mj-lt"/>
+                <a:ea typeface="+mj-ea"/>
+                <a:cs typeface="+mj-cs"/>
+              </a:rPr>
+              <a:t>Remainder arithmetic</a:t>
+            </a:r>
+            <a:endParaRPr kumimoji="0" lang="en-US" sz="4800" b="1" i="0" u="none" strike="noStrike" kern="1200" cap="none" spc="0" normalizeH="0" baseline="0" noProof="0" dirty="0">
+              <a:ln>
+                <a:noFill/>
+              </a:ln>
+              <a:solidFill>
+                <a:schemeClr val="tx1"/>
+              </a:solidFill>
+              <a:effectLst/>
+              <a:uLnTx/>
+              <a:uFillTx/>
+              <a:latin typeface="+mj-lt"/>
+              <a:ea typeface="+mj-ea"/>
+              <a:cs typeface="+mj-cs"/>
+            </a:endParaRPr>
+          </a:p>
+        </p:txBody>
+      </p:sp>
+      <p:sp>
+        <p:nvSpPr>
+          <p:cNvPr id="9" name="TextBox 8"/>
           <p:cNvSpPr txBox="1"/>
           <p:nvPr/>
         </p:nvSpPr>
         <p:spPr>
           <a:xfrm>
             <a:off x="457200" y="1066800"/>
-            <a:ext cx="8304489" cy="923330"/>
+            <a:ext cx="8368703" cy="923330"/>
           </a:xfrm>
           <a:prstGeom prst="rect">
             <a:avLst/>
@@ -33132,15 +34238,37 @@
                 <a:cs typeface="Euclid Symbol" charset="2"/>
                 <a:sym typeface="Euclid Symbol" pitchFamily="18" charset="2"/>
               </a:rPr>
-              <a:t>         </a:t>
+              <a:t>  ≡  </a:t>
+            </a:r>
+            <a:r>
+              <a:rPr lang="en-US" sz="5400" b="1" baseline="30000" dirty="0" smtClean="0">
+                <a:solidFill>
+                  <a:srgbClr val="0000CC"/>
+                </a:solidFill>
+                <a:latin typeface="Euclid Symbol" charset="2"/>
+                <a:cs typeface="Euclid Symbol" charset="2"/>
+                <a:sym typeface="Euclid Symbol" pitchFamily="18" charset="2"/>
+              </a:rPr>
+              <a:t> </a:t>
             </a:r>
             <a:r>
               <a:rPr lang="en-US" sz="5400" b="1" dirty="0" smtClean="0">
                 <a:solidFill>
+                  <a:srgbClr val="0000CC"/>
+                </a:solidFill>
+                <a:latin typeface="Euclid Symbol" charset="2"/>
+                <a:cs typeface="Euclid Symbol" charset="2"/>
+                <a:sym typeface="Euclid Symbol" pitchFamily="18" charset="2"/>
+              </a:rPr>
+              <a:t>  </a:t>
+            </a:r>
+            <a:r>
+              <a:rPr lang="en-US" sz="5400" b="1" dirty="0" smtClean="0">
+                <a:solidFill>
                   <a:srgbClr val="FF00FF"/>
                 </a:solidFill>
               </a:rPr>
-              <a:t>      </a:t>
+              <a:t>?    </a:t>
             </a:r>
             <a:r>
               <a:rPr lang="en-US" sz="5400" dirty="0" smtClean="0">
@@ -33339,34 +34467,6 @@
       </p:grpSpPr>
       <p:sp>
         <p:nvSpPr>
-          <p:cNvPr id="59396" name="Rectangle 4"/>
-          <p:cNvSpPr>
-            <a:spLocks noGrp="1" noChangeArrowheads="1"/>
-          </p:cNvSpPr>
-          <p:nvPr>
-            <p:ph type="title" idx="4294967295"/>
-          </p:nvPr>
-        </p:nvSpPr>
-        <p:spPr>
-          <a:xfrm>
-            <a:off x="2362200" y="76200"/>
-            <a:ext cx="6781800" cy="1295400"/>
-          </a:xfrm>
-        </p:spPr>
-        <p:txBody>
-          <a:bodyPr/>
-          <a:lstStyle/>
-          <a:p>
-            <a:pPr eaLnBrk="1" hangingPunct="1"/>
-            <a:r>
-              <a:rPr lang="en-US" sz="4800" dirty="0"/>
-              <a:t>remainder arithmetic</a:t>
-            </a:r>
-          </a:p>
-        </p:txBody>
-      </p:sp>
-      <p:sp>
-        <p:nvSpPr>
           <p:cNvPr id="5" name="Slide Number Placeholder 4"/>
           <p:cNvSpPr>
             <a:spLocks noGrp="1"/>
@@ -33377,7 +34477,7 @@
         </p:nvSpPr>
         <p:spPr>
           <a:xfrm>
-            <a:off x="6553200" y="6356350"/>
+            <a:off x="6934200" y="6416675"/>
             <a:ext cx="2133600" cy="365125"/>
           </a:xfrm>
         </p:spPr>
@@ -33386,8 +34486,8 @@
           <a:lstStyle/>
           <a:p>
             <a:r>
-              <a:rPr lang="en-US" smtClean="0"/>
-              <a:t>8F.</a:t>
+              <a:rPr lang="en-US" dirty="0" smtClean="0"/>
+              <a:t>8W.</a:t>
             </a:r>
             <a:fld id="{5653AFC6-B420-2E4E-AAAC-D734658728B4}" type="slidenum">
               <a:rPr lang="en-US" smtClean="0"/>
@@ -33578,106 +34678,101 @@
               </a:solidFill>
             </a:endParaRPr>
           </a:p>
-          <a:p>
-            <a:r>
-              <a:rPr lang="en-US" sz="5400" b="1" dirty="0" smtClean="0">
-                <a:solidFill>
-                  <a:srgbClr val="0000CC"/>
-                </a:solidFill>
-                <a:latin typeface="Euclid Symbol" charset="2"/>
-                <a:cs typeface="Euclid Symbol" charset="2"/>
-                <a:sym typeface="Euclid Symbol" pitchFamily="18" charset="2"/>
-              </a:rPr>
-              <a:t>              ≡</a:t>
-            </a:r>
-            <a:r>
-              <a:rPr lang="en-US" sz="5400" b="1" dirty="0" smtClean="0">
-                <a:solidFill>
-                  <a:srgbClr val="0000CC"/>
-                </a:solidFill>
-              </a:rPr>
-              <a:t> </a:t>
-            </a:r>
-            <a:r>
-              <a:rPr lang="en-US" sz="5400" dirty="0" smtClean="0">
-                <a:solidFill>
-                  <a:srgbClr val="0000CC"/>
-                </a:solidFill>
-              </a:rPr>
-              <a:t>(1)</a:t>
-            </a:r>
-            <a:r>
-              <a:rPr lang="en-US" sz="5400" baseline="30000" dirty="0" smtClean="0">
-                <a:solidFill>
-                  <a:srgbClr val="0000CC"/>
-                </a:solidFill>
-              </a:rPr>
-              <a:t>q </a:t>
-            </a:r>
-            <a:r>
-              <a:rPr lang="en-US" sz="5400" dirty="0" smtClean="0">
-                <a:solidFill>
-                  <a:srgbClr val="0000CC"/>
-                </a:solidFill>
-              </a:rPr>
-              <a:t>·3</a:t>
-            </a:r>
-            <a:r>
-              <a:rPr lang="en-US" sz="5400" baseline="30000" dirty="0" smtClean="0">
-                <a:solidFill>
-                  <a:srgbClr val="0000CC"/>
-                </a:solidFill>
-              </a:rPr>
-              <a:t>rem(99885,</a:t>
-            </a:r>
-            <a:r>
-              <a:rPr lang="en-US" sz="5400" baseline="30000" dirty="0" smtClean="0">
-                <a:solidFill>
-                  <a:srgbClr val="FF00FF"/>
-                </a:solidFill>
-              </a:rPr>
-              <a:t>4</a:t>
-            </a:r>
-            <a:r>
-              <a:rPr lang="en-US" sz="5400" baseline="30000" dirty="0" smtClean="0">
-                <a:solidFill>
-                  <a:srgbClr val="0000CC"/>
-                </a:solidFill>
-              </a:rPr>
-              <a:t>)</a:t>
-            </a:r>
-          </a:p>
-          <a:p>
-            <a:r>
-              <a:rPr lang="en-US" sz="6000" dirty="0" smtClean="0">
-                <a:solidFill>
-                  <a:srgbClr val="0000CC"/>
-                </a:solidFill>
-              </a:rPr>
-              <a:t>                   </a:t>
-            </a:r>
-            <a:r>
-              <a:rPr lang="en-US" sz="5400" dirty="0" smtClean="0"/>
-              <a:t>[Fermat]</a:t>
-            </a:r>
-            <a:endParaRPr lang="en-US" sz="5400" dirty="0">
-              <a:solidFill>
-                <a:srgbClr val="0000CC"/>
-              </a:solidFill>
-            </a:endParaRPr>
-          </a:p>
         </p:txBody>
       </p:sp>
       <p:sp>
         <p:nvSpPr>
-          <p:cNvPr id="12" name="TextBox 11"/>
+          <p:cNvPr id="8" name="Rectangle 4"/>
+          <p:cNvSpPr txBox="1">
+            <a:spLocks noChangeArrowheads="1"/>
+          </p:cNvSpPr>
+          <p:nvPr/>
+        </p:nvSpPr>
+        <p:spPr bwMode="auto">
+          <a:xfrm>
+            <a:off x="1371600" y="76200"/>
+            <a:ext cx="6781800" cy="1219200"/>
+          </a:xfrm>
+          <a:prstGeom prst="rect">
+            <a:avLst/>
+          </a:prstGeom>
+          <a:noFill/>
+          <a:ln w="9525">
+            <a:noFill/>
+            <a:miter lim="800000"/>
+            <a:headEnd/>
+            <a:tailEnd/>
+          </a:ln>
+        </p:spPr>
+        <p:txBody>
+          <a:bodyPr vert="horz" wrap="square" lIns="91440" tIns="45720" rIns="91440" bIns="45720" numCol="1" anchor="ctr" anchorCtr="0" compatLnSpc="1">
+            <a:prstTxWarp prst="textNoShape">
+              <a:avLst/>
+            </a:prstTxWarp>
+          </a:bodyPr>
+          <a:lstStyle/>
+          <a:p>
+            <a:pPr marL="0" marR="0" lvl="0" indent="0" algn="l" defTabSz="914400" rtl="0" eaLnBrk="1" fontAlgn="base" latinLnBrk="0" hangingPunct="1">
+              <a:lnSpc>
+                <a:spcPct val="100000"/>
+              </a:lnSpc>
+              <a:spcBef>
+                <a:spcPct val="0"/>
+              </a:spcBef>
+              <a:spcAft>
+                <a:spcPct val="0"/>
+              </a:spcAft>
+              <a:buClrTx/>
+              <a:buSzTx/>
+              <a:buFontTx/>
+              <a:buNone/>
+              <a:tabLst/>
+              <a:defRPr/>
+            </a:pPr>
+            <a:r>
+              <a:rPr kumimoji="0" lang="en-US" sz="4800" b="1" i="0" u="none" strike="noStrike" kern="1200" cap="none" spc="0" normalizeH="0" baseline="0" noProof="0" smtClean="0">
+                <a:ln>
+                  <a:noFill/>
+                </a:ln>
+                <a:solidFill>
+                  <a:schemeClr val="tx1"/>
+                </a:solidFill>
+                <a:effectLst/>
+                <a:uLnTx/>
+                <a:uFillTx/>
+                <a:latin typeface="+mj-lt"/>
+                <a:ea typeface="+mj-ea"/>
+                <a:cs typeface="+mj-cs"/>
+              </a:rPr>
+              <a:t>Remainder arithmetic</a:t>
+            </a:r>
+            <a:endParaRPr kumimoji="0" lang="en-US" sz="4800" b="1" i="0" u="none" strike="noStrike" kern="1200" cap="none" spc="0" normalizeH="0" baseline="0" noProof="0" dirty="0">
+              <a:ln>
+                <a:noFill/>
+              </a:ln>
+              <a:solidFill>
+                <a:schemeClr val="tx1"/>
+              </a:solidFill>
+              <a:effectLst/>
+              <a:uLnTx/>
+              <a:uFillTx/>
+              <a:latin typeface="+mj-lt"/>
+              <a:ea typeface="+mj-ea"/>
+              <a:cs typeface="+mj-cs"/>
+            </a:endParaRPr>
+          </a:p>
+        </p:txBody>
+      </p:sp>
+      <p:sp>
+        <p:nvSpPr>
+          <p:cNvPr id="9" name="TextBox 8"/>
           <p:cNvSpPr txBox="1"/>
           <p:nvPr/>
         </p:nvSpPr>
         <p:spPr>
           <a:xfrm>
             <a:off x="457200" y="1066800"/>
-            <a:ext cx="8304489" cy="923330"/>
+            <a:ext cx="8368703" cy="923330"/>
           </a:xfrm>
           <a:prstGeom prst="rect">
             <a:avLst/>
@@ -33715,15 +34810,697 @@
                 <a:cs typeface="Euclid Symbol" charset="2"/>
                 <a:sym typeface="Euclid Symbol" pitchFamily="18" charset="2"/>
               </a:rPr>
-              <a:t>         </a:t>
+              <a:t>  ≡  </a:t>
+            </a:r>
+            <a:r>
+              <a:rPr lang="en-US" sz="5400" b="1" baseline="30000" dirty="0" smtClean="0">
+                <a:solidFill>
+                  <a:srgbClr val="0000CC"/>
+                </a:solidFill>
+                <a:latin typeface="Euclid Symbol" charset="2"/>
+                <a:cs typeface="Euclid Symbol" charset="2"/>
+                <a:sym typeface="Euclid Symbol" pitchFamily="18" charset="2"/>
+              </a:rPr>
+              <a:t> </a:t>
             </a:r>
             <a:r>
               <a:rPr lang="en-US" sz="5400" b="1" dirty="0" smtClean="0">
                 <a:solidFill>
+                  <a:srgbClr val="0000CC"/>
+                </a:solidFill>
+                <a:latin typeface="Euclid Symbol" charset="2"/>
+                <a:cs typeface="Euclid Symbol" charset="2"/>
+                <a:sym typeface="Euclid Symbol" pitchFamily="18" charset="2"/>
+              </a:rPr>
+              <a:t>  </a:t>
+            </a:r>
+            <a:r>
+              <a:rPr lang="en-US" sz="5400" b="1" dirty="0" smtClean="0">
+                <a:solidFill>
                   <a:srgbClr val="FF00FF"/>
                 </a:solidFill>
               </a:rPr>
-              <a:t>      </a:t>
+              <a:t>?    </a:t>
+            </a:r>
+            <a:r>
+              <a:rPr lang="en-US" sz="5400" dirty="0" smtClean="0">
+                <a:solidFill>
+                  <a:srgbClr val="0000CC"/>
+                </a:solidFill>
+              </a:rPr>
+              <a:t>(mod 5)</a:t>
+            </a:r>
+            <a:endParaRPr lang="en-US" sz="5400" dirty="0" smtClean="0"/>
+          </a:p>
+        </p:txBody>
+      </p:sp>
+    </p:spTree>
+  </p:cSld>
+  <p:clrMapOvr>
+    <a:masterClrMapping/>
+  </p:clrMapOvr>
+  <p:transition spd="med">
+    <p:fade/>
+  </p:transition>
+  <p:timing>
+    <p:tnLst>
+      <p:par>
+        <p:cTn id="1" dur="indefinite" restart="never" nodeType="tmRoot">
+          <p:childTnLst>
+            <p:seq concurrent="1" nextAc="seek">
+              <p:cTn id="2" dur="indefinite" nodeType="mainSeq">
+                <p:childTnLst>
+                  <p:par>
+                    <p:cTn id="3" fill="hold">
+                      <p:stCondLst>
+                        <p:cond delay="indefinite"/>
+                      </p:stCondLst>
+                      <p:childTnLst>
+                        <p:par>
+                          <p:cTn id="4" fill="hold">
+                            <p:stCondLst>
+                              <p:cond delay="0"/>
+                            </p:stCondLst>
+                            <p:childTnLst>
+                              <p:par>
+                                <p:cTn id="5" presetID="22" presetClass="entr" presetSubtype="8" fill="hold" grpId="0" nodeType="clickEffect">
+                                  <p:stCondLst>
+                                    <p:cond delay="0"/>
+                                  </p:stCondLst>
+                                  <p:childTnLst>
+                                    <p:set>
+                                      <p:cBhvr>
+                                        <p:cTn id="6" dur="1" fill="hold">
+                                          <p:stCondLst>
+                                            <p:cond delay="0"/>
+                                          </p:stCondLst>
+                                        </p:cTn>
+                                        <p:tgtEl>
+                                          <p:spTgt spid="3">
+                                            <p:txEl>
+                                              <p:pRg st="0" end="0"/>
+                                            </p:txEl>
+                                          </p:spTgt>
+                                        </p:tgtEl>
+                                        <p:attrNameLst>
+                                          <p:attrName>style.visibility</p:attrName>
+                                        </p:attrNameLst>
+                                      </p:cBhvr>
+                                      <p:to>
+                                        <p:strVal val="visible"/>
+                                      </p:to>
+                                    </p:set>
+                                    <p:animEffect transition="in" filter="wipe(left)">
+                                      <p:cBhvr>
+                                        <p:cTn id="7" dur="1000"/>
+                                        <p:tgtEl>
+                                          <p:spTgt spid="3">
+                                            <p:txEl>
+                                              <p:pRg st="0" end="0"/>
+                                            </p:txEl>
+                                          </p:spTgt>
+                                        </p:tgtEl>
+                                      </p:cBhvr>
+                                    </p:animEffect>
+                                  </p:childTnLst>
+                                </p:cTn>
+                              </p:par>
+                            </p:childTnLst>
+                          </p:cTn>
+                        </p:par>
+                      </p:childTnLst>
+                    </p:cTn>
+                  </p:par>
+                  <p:par>
+                    <p:cTn id="8" fill="hold">
+                      <p:stCondLst>
+                        <p:cond delay="indefinite"/>
+                      </p:stCondLst>
+                      <p:childTnLst>
+                        <p:par>
+                          <p:cTn id="9" fill="hold">
+                            <p:stCondLst>
+                              <p:cond delay="0"/>
+                            </p:stCondLst>
+                            <p:childTnLst>
+                              <p:par>
+                                <p:cTn id="10" presetID="22" presetClass="entr" presetSubtype="8" fill="hold" grpId="0" nodeType="clickEffect">
+                                  <p:stCondLst>
+                                    <p:cond delay="0"/>
+                                  </p:stCondLst>
+                                  <p:childTnLst>
+                                    <p:set>
+                                      <p:cBhvr>
+                                        <p:cTn id="11" dur="1" fill="hold">
+                                          <p:stCondLst>
+                                            <p:cond delay="0"/>
+                                          </p:stCondLst>
+                                        </p:cTn>
+                                        <p:tgtEl>
+                                          <p:spTgt spid="3">
+                                            <p:txEl>
+                                              <p:pRg st="1" end="1"/>
+                                            </p:txEl>
+                                          </p:spTgt>
+                                        </p:tgtEl>
+                                        <p:attrNameLst>
+                                          <p:attrName>style.visibility</p:attrName>
+                                        </p:attrNameLst>
+                                      </p:cBhvr>
+                                      <p:to>
+                                        <p:strVal val="visible"/>
+                                      </p:to>
+                                    </p:set>
+                                    <p:animEffect transition="in" filter="wipe(left)">
+                                      <p:cBhvr>
+                                        <p:cTn id="12" dur="1000"/>
+                                        <p:tgtEl>
+                                          <p:spTgt spid="3">
+                                            <p:txEl>
+                                              <p:pRg st="1" end="1"/>
+                                            </p:txEl>
+                                          </p:spTgt>
+                                        </p:tgtEl>
+                                      </p:cBhvr>
+                                    </p:animEffect>
+                                  </p:childTnLst>
+                                </p:cTn>
+                              </p:par>
+                            </p:childTnLst>
+                          </p:cTn>
+                        </p:par>
+                      </p:childTnLst>
+                    </p:cTn>
+                  </p:par>
+                </p:childTnLst>
+              </p:cTn>
+              <p:prevCondLst>
+                <p:cond evt="onPrev" delay="0">
+                  <p:tgtEl>
+                    <p:sldTgt/>
+                  </p:tgtEl>
+                </p:cond>
+              </p:prevCondLst>
+              <p:nextCondLst>
+                <p:cond evt="onNext" delay="0">
+                  <p:tgtEl>
+                    <p:sldTgt/>
+                  </p:tgtEl>
+                </p:cond>
+              </p:nextCondLst>
+            </p:seq>
+          </p:childTnLst>
+        </p:cTn>
+      </p:par>
+    </p:tnLst>
+    <p:bldLst>
+      <p:bldP spid="3" grpId="0" build="p"/>
+    </p:bldLst>
+  </p:timing>
+</p:sld>
+</file>
+
+<file path=ppt/slides/slide46.xml><?xml version="1.0" encoding="utf-8"?>
+<p:sld xmlns:a="http://schemas.openxmlformats.org/drawingml/2006/main" xmlns:r="http://schemas.openxmlformats.org/officeDocument/2006/relationships" xmlns:mc="http://schemas.openxmlformats.org/markup-compatibility/2006" xmlns:mv="urn:schemas-microsoft-com:mac:vml" xmlns:p="http://schemas.openxmlformats.org/presentationml/2006/main" mc:Ignorable="mv" mc:PreserveAttributes="mv:*">
+  <p:cSld>
+    <p:spTree>
+      <p:nvGrpSpPr>
+        <p:cNvPr id="1" name=""/>
+        <p:cNvGrpSpPr/>
+        <p:nvPr/>
+      </p:nvGrpSpPr>
+      <p:grpSpPr>
+        <a:xfrm>
+          <a:off x="0" y="0"/>
+          <a:ext cx="0" cy="0"/>
+          <a:chOff x="0" y="0"/>
+          <a:chExt cx="0" cy="0"/>
+        </a:xfrm>
+      </p:grpSpPr>
+      <p:sp>
+        <p:nvSpPr>
+          <p:cNvPr id="5" name="Slide Number Placeholder 4"/>
+          <p:cNvSpPr>
+            <a:spLocks noGrp="1"/>
+          </p:cNvSpPr>
+          <p:nvPr>
+            <p:ph type="sldNum" sz="quarter" idx="4"/>
+          </p:nvPr>
+        </p:nvSpPr>
+        <p:spPr>
+          <a:xfrm>
+            <a:off x="6934200" y="6416675"/>
+            <a:ext cx="2133600" cy="365125"/>
+          </a:xfrm>
+        </p:spPr>
+        <p:txBody>
+          <a:bodyPr/>
+          <a:lstStyle/>
+          <a:p>
+            <a:r>
+              <a:rPr lang="en-US" dirty="0" smtClean="0"/>
+              <a:t>8W.</a:t>
+            </a:r>
+            <a:fld id="{5653AFC6-B420-2E4E-AAAC-D734658728B4}" type="slidenum">
+              <a:rPr lang="en-US" smtClean="0"/>
+              <a:pPr/>
+              <a:t>46</a:t>
+            </a:fld>
+            <a:endParaRPr lang="en-US" dirty="0"/>
+          </a:p>
+        </p:txBody>
+      </p:sp>
+      <p:sp>
+        <p:nvSpPr>
+          <p:cNvPr id="7" name="TextBox 6"/>
+          <p:cNvSpPr txBox="1"/>
+          <p:nvPr/>
+        </p:nvSpPr>
+        <p:spPr>
+          <a:xfrm>
+            <a:off x="5867400" y="1219200"/>
+            <a:ext cx="184666" cy="369332"/>
+          </a:xfrm>
+          <a:prstGeom prst="rect">
+            <a:avLst/>
+          </a:prstGeom>
+          <a:noFill/>
+        </p:spPr>
+        <p:txBody>
+          <a:bodyPr wrap="none" rtlCol="0">
+            <a:spAutoFit/>
+          </a:bodyPr>
+          <a:lstStyle/>
+          <a:p>
+            <a:endParaRPr lang="en-US" dirty="0"/>
+          </a:p>
+        </p:txBody>
+      </p:sp>
+      <p:sp useBgFill="1">
+        <p:nvSpPr>
+          <p:cNvPr id="3" name="Rectangle 2"/>
+          <p:cNvSpPr>
+            <a:spLocks noGrp="1"/>
+          </p:cNvSpPr>
+          <p:nvPr>
+            <p:ph idx="4294967295"/>
+          </p:nvPr>
+        </p:nvSpPr>
+        <p:spPr>
+          <a:xfrm>
+            <a:off x="152400" y="2133600"/>
+            <a:ext cx="8839200" cy="4038600"/>
+          </a:xfrm>
+        </p:spPr>
+        <p:txBody>
+          <a:bodyPr/>
+          <a:lstStyle/>
+          <a:p>
+            <a:r>
+              <a:rPr lang="en-US" sz="5400" b="1" dirty="0" smtClean="0">
+                <a:solidFill>
+                  <a:srgbClr val="0000CC"/>
+                </a:solidFill>
+                <a:latin typeface="Euclid Symbol" charset="2"/>
+                <a:cs typeface="Euclid Symbol" charset="2"/>
+                <a:sym typeface="Euclid Symbol" pitchFamily="18" charset="2"/>
+              </a:rPr>
+              <a:t>              =</a:t>
+            </a:r>
+            <a:r>
+              <a:rPr lang="en-US" sz="5400" b="1" dirty="0" smtClean="0">
+                <a:solidFill>
+                  <a:srgbClr val="0000CC"/>
+                </a:solidFill>
+              </a:rPr>
+              <a:t> </a:t>
+            </a:r>
+            <a:r>
+              <a:rPr lang="en-US" sz="5400" dirty="0" smtClean="0">
+                <a:solidFill>
+                  <a:srgbClr val="0000CC"/>
+                </a:solidFill>
+              </a:rPr>
+              <a:t>3</a:t>
+            </a:r>
+            <a:r>
+              <a:rPr lang="en-US" sz="5400" baseline="30000" dirty="0" smtClean="0">
+                <a:solidFill>
+                  <a:srgbClr val="0000CC"/>
+                </a:solidFill>
+              </a:rPr>
+              <a:t>4·q+rem(99885,</a:t>
+            </a:r>
+            <a:r>
+              <a:rPr lang="en-US" sz="5400" baseline="30000" dirty="0" smtClean="0">
+                <a:solidFill>
+                  <a:srgbClr val="FF00FF"/>
+                </a:solidFill>
+              </a:rPr>
+              <a:t>4</a:t>
+            </a:r>
+            <a:r>
+              <a:rPr lang="en-US" sz="5400" baseline="30000" dirty="0" smtClean="0">
+                <a:solidFill>
+                  <a:srgbClr val="0000CC"/>
+                </a:solidFill>
+              </a:rPr>
+              <a:t>)</a:t>
+            </a:r>
+          </a:p>
+          <a:p>
+            <a:r>
+              <a:rPr lang="en-US" sz="5400" b="1" dirty="0" smtClean="0">
+                <a:solidFill>
+                  <a:srgbClr val="0000CC"/>
+                </a:solidFill>
+                <a:latin typeface="Euclid Symbol" charset="2"/>
+                <a:cs typeface="Euclid Symbol" charset="2"/>
+                <a:sym typeface="Euclid Symbol" pitchFamily="18" charset="2"/>
+              </a:rPr>
+              <a:t>              =</a:t>
+            </a:r>
+            <a:r>
+              <a:rPr lang="en-US" sz="5400" dirty="0" smtClean="0">
+                <a:solidFill>
+                  <a:srgbClr val="0000CC"/>
+                </a:solidFill>
+              </a:rPr>
+              <a:t> (3</a:t>
+            </a:r>
+            <a:r>
+              <a:rPr lang="en-US" sz="5400" baseline="30000" dirty="0" smtClean="0">
+                <a:solidFill>
+                  <a:srgbClr val="0000CC"/>
+                </a:solidFill>
+              </a:rPr>
+              <a:t>4</a:t>
+            </a:r>
+            <a:r>
+              <a:rPr lang="en-US" sz="5400" dirty="0" smtClean="0">
+                <a:solidFill>
+                  <a:srgbClr val="0000CC"/>
+                </a:solidFill>
+              </a:rPr>
+              <a:t>)</a:t>
+            </a:r>
+            <a:r>
+              <a:rPr lang="en-US" sz="5400" baseline="30000" dirty="0" smtClean="0">
+                <a:solidFill>
+                  <a:srgbClr val="0000CC"/>
+                </a:solidFill>
+              </a:rPr>
+              <a:t>q</a:t>
+            </a:r>
+            <a:r>
+              <a:rPr lang="en-US" sz="5400" dirty="0" smtClean="0">
+                <a:solidFill>
+                  <a:srgbClr val="0000CC"/>
+                </a:solidFill>
+              </a:rPr>
+              <a:t> ·3</a:t>
+            </a:r>
+            <a:r>
+              <a:rPr lang="en-US" sz="5400" baseline="30000" dirty="0" smtClean="0">
+                <a:solidFill>
+                  <a:srgbClr val="0000CC"/>
+                </a:solidFill>
+              </a:rPr>
+              <a:t>rem(99885,</a:t>
+            </a:r>
+            <a:r>
+              <a:rPr lang="en-US" sz="5400" baseline="30000" dirty="0" smtClean="0">
+                <a:solidFill>
+                  <a:srgbClr val="FF00FF"/>
+                </a:solidFill>
+              </a:rPr>
+              <a:t>4</a:t>
+            </a:r>
+            <a:r>
+              <a:rPr lang="en-US" sz="5400" baseline="30000" dirty="0" smtClean="0">
+                <a:solidFill>
+                  <a:srgbClr val="0000CC"/>
+                </a:solidFill>
+              </a:rPr>
+              <a:t>)</a:t>
+            </a:r>
+            <a:endParaRPr lang="en-US" sz="5400" dirty="0" smtClean="0">
+              <a:solidFill>
+                <a:srgbClr val="0000CC"/>
+              </a:solidFill>
+            </a:endParaRPr>
+          </a:p>
+          <a:p>
+            <a:r>
+              <a:rPr lang="en-US" sz="5400" b="1" dirty="0" smtClean="0">
+                <a:solidFill>
+                  <a:srgbClr val="0000CC"/>
+                </a:solidFill>
+                <a:latin typeface="Euclid Symbol" charset="2"/>
+                <a:cs typeface="Euclid Symbol" charset="2"/>
+                <a:sym typeface="Euclid Symbol" pitchFamily="18" charset="2"/>
+              </a:rPr>
+              <a:t>              ≡</a:t>
+            </a:r>
+            <a:r>
+              <a:rPr lang="en-US" sz="5400" b="1" dirty="0" smtClean="0">
+                <a:solidFill>
+                  <a:srgbClr val="0000CC"/>
+                </a:solidFill>
+              </a:rPr>
+              <a:t> </a:t>
+            </a:r>
+            <a:r>
+              <a:rPr lang="en-US" sz="5400" dirty="0" smtClean="0">
+                <a:solidFill>
+                  <a:srgbClr val="0000CC"/>
+                </a:solidFill>
+              </a:rPr>
+              <a:t>(1)</a:t>
+            </a:r>
+            <a:r>
+              <a:rPr lang="en-US" sz="5400" baseline="30000" dirty="0" smtClean="0">
+                <a:solidFill>
+                  <a:srgbClr val="0000CC"/>
+                </a:solidFill>
+              </a:rPr>
+              <a:t>q </a:t>
+            </a:r>
+            <a:r>
+              <a:rPr lang="en-US" sz="5400" dirty="0" smtClean="0">
+                <a:solidFill>
+                  <a:srgbClr val="0000CC"/>
+                </a:solidFill>
+              </a:rPr>
+              <a:t>·3</a:t>
+            </a:r>
+            <a:r>
+              <a:rPr lang="en-US" sz="5400" baseline="30000" dirty="0" smtClean="0">
+                <a:solidFill>
+                  <a:srgbClr val="0000CC"/>
+                </a:solidFill>
+              </a:rPr>
+              <a:t>rem(99885,</a:t>
+            </a:r>
+            <a:r>
+              <a:rPr lang="en-US" sz="5400" baseline="30000" dirty="0" smtClean="0">
+                <a:solidFill>
+                  <a:srgbClr val="FF00FF"/>
+                </a:solidFill>
+              </a:rPr>
+              <a:t>4</a:t>
+            </a:r>
+            <a:r>
+              <a:rPr lang="en-US" sz="5400" baseline="30000" dirty="0" smtClean="0">
+                <a:solidFill>
+                  <a:srgbClr val="0000CC"/>
+                </a:solidFill>
+              </a:rPr>
+              <a:t>)</a:t>
+            </a:r>
+          </a:p>
+          <a:p>
+            <a:r>
+              <a:rPr lang="en-US" sz="6000" dirty="0" smtClean="0">
+                <a:solidFill>
+                  <a:srgbClr val="0000CC"/>
+                </a:solidFill>
+              </a:rPr>
+              <a:t>                   </a:t>
+            </a:r>
+            <a:r>
+              <a:rPr lang="en-US" sz="5400" dirty="0" smtClean="0"/>
+              <a:t>[Fermat]</a:t>
+            </a:r>
+            <a:endParaRPr lang="en-US" sz="5400" dirty="0">
+              <a:solidFill>
+                <a:srgbClr val="0000CC"/>
+              </a:solidFill>
+            </a:endParaRPr>
+          </a:p>
+        </p:txBody>
+      </p:sp>
+      <p:sp>
+        <p:nvSpPr>
+          <p:cNvPr id="8" name="Rectangle 4"/>
+          <p:cNvSpPr txBox="1">
+            <a:spLocks noChangeArrowheads="1"/>
+          </p:cNvSpPr>
+          <p:nvPr/>
+        </p:nvSpPr>
+        <p:spPr bwMode="auto">
+          <a:xfrm>
+            <a:off x="1371600" y="76200"/>
+            <a:ext cx="6781800" cy="1219200"/>
+          </a:xfrm>
+          <a:prstGeom prst="rect">
+            <a:avLst/>
+          </a:prstGeom>
+          <a:noFill/>
+          <a:ln w="9525">
+            <a:noFill/>
+            <a:miter lim="800000"/>
+            <a:headEnd/>
+            <a:tailEnd/>
+          </a:ln>
+        </p:spPr>
+        <p:txBody>
+          <a:bodyPr vert="horz" wrap="square" lIns="91440" tIns="45720" rIns="91440" bIns="45720" numCol="1" anchor="ctr" anchorCtr="0" compatLnSpc="1">
+            <a:prstTxWarp prst="textNoShape">
+              <a:avLst/>
+            </a:prstTxWarp>
+          </a:bodyPr>
+          <a:lstStyle/>
+          <a:p>
+            <a:pPr marL="0" marR="0" lvl="0" indent="0" algn="l" defTabSz="914400" rtl="0" eaLnBrk="1" fontAlgn="base" latinLnBrk="0" hangingPunct="1">
+              <a:lnSpc>
+                <a:spcPct val="100000"/>
+              </a:lnSpc>
+              <a:spcBef>
+                <a:spcPct val="0"/>
+              </a:spcBef>
+              <a:spcAft>
+                <a:spcPct val="0"/>
+              </a:spcAft>
+              <a:buClrTx/>
+              <a:buSzTx/>
+              <a:buFontTx/>
+              <a:buNone/>
+              <a:tabLst/>
+              <a:defRPr/>
+            </a:pPr>
+            <a:r>
+              <a:rPr kumimoji="0" lang="en-US" sz="4800" b="1" i="0" u="none" strike="noStrike" kern="1200" cap="none" spc="0" normalizeH="0" baseline="0" noProof="0" smtClean="0">
+                <a:ln>
+                  <a:noFill/>
+                </a:ln>
+                <a:solidFill>
+                  <a:schemeClr val="tx1"/>
+                </a:solidFill>
+                <a:effectLst/>
+                <a:uLnTx/>
+                <a:uFillTx/>
+                <a:latin typeface="+mj-lt"/>
+                <a:ea typeface="+mj-ea"/>
+                <a:cs typeface="+mj-cs"/>
+              </a:rPr>
+              <a:t>Remainder arithmetic</a:t>
+            </a:r>
+            <a:endParaRPr kumimoji="0" lang="en-US" sz="4800" b="1" i="0" u="none" strike="noStrike" kern="1200" cap="none" spc="0" normalizeH="0" baseline="0" noProof="0" dirty="0">
+              <a:ln>
+                <a:noFill/>
+              </a:ln>
+              <a:solidFill>
+                <a:schemeClr val="tx1"/>
+              </a:solidFill>
+              <a:effectLst/>
+              <a:uLnTx/>
+              <a:uFillTx/>
+              <a:latin typeface="+mj-lt"/>
+              <a:ea typeface="+mj-ea"/>
+              <a:cs typeface="+mj-cs"/>
+            </a:endParaRPr>
+          </a:p>
+        </p:txBody>
+      </p:sp>
+      <p:sp>
+        <p:nvSpPr>
+          <p:cNvPr id="9" name="TextBox 8"/>
+          <p:cNvSpPr txBox="1"/>
+          <p:nvPr/>
+        </p:nvSpPr>
+        <p:spPr>
+          <a:xfrm>
+            <a:off x="457200" y="1066800"/>
+            <a:ext cx="8368703" cy="923330"/>
+          </a:xfrm>
+          <a:prstGeom prst="rect">
+            <a:avLst/>
+          </a:prstGeom>
+          <a:noFill/>
+        </p:spPr>
+        <p:txBody>
+          <a:bodyPr wrap="none" rtlCol="0">
+            <a:spAutoFit/>
+          </a:bodyPr>
+          <a:lstStyle/>
+          <a:p>
+            <a:r>
+              <a:rPr lang="en-US" sz="5400" dirty="0" smtClean="0">
+                <a:solidFill>
+                  <a:srgbClr val="0000CC"/>
+                </a:solidFill>
+              </a:rPr>
+              <a:t> 3</a:t>
+            </a:r>
+            <a:r>
+              <a:rPr lang="en-US" sz="5400" baseline="30000" dirty="0" smtClean="0">
+                <a:solidFill>
+                  <a:srgbClr val="0000CC"/>
+                </a:solidFill>
+              </a:rPr>
+              <a:t>99885  </a:t>
+            </a:r>
+            <a:r>
+              <a:rPr lang="en-US" sz="5400" b="1" dirty="0" smtClean="0">
+                <a:solidFill>
+                  <a:srgbClr val="0000CC"/>
+                </a:solidFill>
+                <a:latin typeface="Euclid Symbol" charset="2"/>
+                <a:cs typeface="Euclid Symbol" charset="2"/>
+                <a:sym typeface="Euclid Symbol" pitchFamily="18" charset="2"/>
+              </a:rPr>
+              <a:t>  ≡  </a:t>
+            </a:r>
+            <a:r>
+              <a:rPr lang="en-US" sz="5400" b="1" baseline="30000" dirty="0" smtClean="0">
+                <a:solidFill>
+                  <a:srgbClr val="0000CC"/>
+                </a:solidFill>
+                <a:latin typeface="Euclid Symbol" charset="2"/>
+                <a:cs typeface="Euclid Symbol" charset="2"/>
+                <a:sym typeface="Euclid Symbol" pitchFamily="18" charset="2"/>
+              </a:rPr>
+              <a:t> </a:t>
+            </a:r>
+            <a:r>
+              <a:rPr lang="en-US" sz="5400" b="1" dirty="0" smtClean="0">
+                <a:solidFill>
+                  <a:srgbClr val="0000CC"/>
+                </a:solidFill>
+                <a:latin typeface="Euclid Symbol" charset="2"/>
+                <a:cs typeface="Euclid Symbol" charset="2"/>
+                <a:sym typeface="Euclid Symbol" pitchFamily="18" charset="2"/>
+              </a:rPr>
+              <a:t>  </a:t>
+            </a:r>
+            <a:r>
+              <a:rPr lang="en-US" sz="5400" b="1" dirty="0" smtClean="0">
+                <a:solidFill>
+                  <a:srgbClr val="FF00FF"/>
+                </a:solidFill>
+              </a:rPr>
+              <a:t>?    </a:t>
             </a:r>
             <a:r>
               <a:rPr lang="en-US" sz="5400" dirty="0" smtClean="0">
@@ -33795,11 +35572,63 @@
                                     </p:set>
                                     <p:animEffect transition="in" filter="fade">
                                       <p:cBhvr>
-                                        <p:cTn id="7" dur="1000"/>
+                                        <p:cTn id="7" dur="500"/>
                                         <p:tgtEl>
                                           <p:spTgt spid="3">
                                             <p:txEl>
                                               <p:pRg st="3" end="3"/>
+                                            </p:txEl>
+                                          </p:spTgt>
+                                        </p:tgtEl>
+                                      </p:cBhvr>
+                                    </p:animEffect>
+                                  </p:childTnLst>
+                                </p:cTn>
+                              </p:par>
+                            </p:childTnLst>
+                          </p:cTn>
+                        </p:par>
+                        <p:par>
+                          <p:cTn id="8" fill="hold">
+                            <p:stCondLst>
+                              <p:cond delay="500"/>
+                            </p:stCondLst>
+                            <p:childTnLst>
+                              <p:par>
+                                <p:cTn id="9" presetID="10" presetClass="entr" presetSubtype="0" fill="hold" grpId="0" nodeType="afterEffect">
+                                  <p:stCondLst>
+                                    <p:cond delay="0"/>
+                                  </p:stCondLst>
+                                  <p:childTnLst>
+                                    <p:set>
+                                      <p:cBhvr>
+                                        <p:cTn id="10" dur="1" fill="hold">
+                                          <p:stCondLst>
+                                            <p:cond delay="0"/>
+                                          </p:stCondLst>
+                                        </p:cTn>
+                                        <p:tgtEl>
+                                          <p:spTgt spid="3">
+                                            <p:txEl>
+                                              <p:pRg st="2" end="2"/>
+                                            </p:txEl>
+                                          </p:spTgt>
+                                        </p:tgtEl>
+                                        <p:attrNameLst>
+                                          <p:attrName>style.visibility</p:attrName>
+                                        </p:attrNameLst>
+                                      </p:cBhvr>
+                                      <p:to>
+                                        <p:strVal val="visible"/>
+                                      </p:to>
+                                    </p:set>
+                                    <p:animEffect transition="in" filter="fade">
+                                      <p:cBhvr>
+                                        <p:cTn id="11" dur="500"/>
+                                        <p:tgtEl>
+                                          <p:spTgt spid="3">
+                                            <p:txEl>
+                                              <p:pRg st="2" end="2"/>
                                             </p:txEl>
                                           </p:spTgt>
                                         </p:tgtEl>
@@ -33836,13 +35665,13 @@
       </p:par>
     </p:tnLst>
     <p:bldLst>
-      <p:bldP spid="3" grpId="0" uiExpand="1" build="p"/>
+      <p:bldP spid="3" grpId="0" build="p"/>
     </p:bldLst>
   </p:timing>
 </p:sld>
 </file>
 
-<file path=ppt/slides/slide46.xml><?xml version="1.0" encoding="utf-8"?>
+<file path=ppt/slides/slide47.xml><?xml version="1.0" encoding="utf-8"?>
 <p:sld xmlns:a="http://schemas.openxmlformats.org/drawingml/2006/main" xmlns:r="http://schemas.openxmlformats.org/officeDocument/2006/relationships" xmlns:mc="http://schemas.openxmlformats.org/markup-compatibility/2006" xmlns:mv="urn:schemas-microsoft-com:mac:vml" xmlns:p="http://schemas.openxmlformats.org/presentationml/2006/main" mc:Ignorable="mv" mc:PreserveAttributes="mv:*">
   <p:cSld>
     <p:spTree>
@@ -33861,34 +35690,6 @@
       </p:grpSpPr>
       <p:sp>
         <p:nvSpPr>
-          <p:cNvPr id="59396" name="Rectangle 4"/>
-          <p:cNvSpPr>
-            <a:spLocks noGrp="1" noChangeArrowheads="1"/>
-          </p:cNvSpPr>
-          <p:nvPr>
-            <p:ph type="title" idx="4294967295"/>
-          </p:nvPr>
-        </p:nvSpPr>
-        <p:spPr>
-          <a:xfrm>
-            <a:off x="2362200" y="76200"/>
-            <a:ext cx="6781800" cy="1295400"/>
-          </a:xfrm>
-        </p:spPr>
-        <p:txBody>
-          <a:bodyPr/>
-          <a:lstStyle/>
-          <a:p>
-            <a:pPr eaLnBrk="1" hangingPunct="1"/>
-            <a:r>
-              <a:rPr lang="en-US" sz="4800" dirty="0"/>
-              <a:t>remainder arithmetic</a:t>
-            </a:r>
-          </a:p>
-        </p:txBody>
-      </p:sp>
-      <p:sp>
-        <p:nvSpPr>
           <p:cNvPr id="5" name="Slide Number Placeholder 4"/>
           <p:cNvSpPr>
             <a:spLocks noGrp="1"/>
@@ -33899,7 +35700,7 @@
         </p:nvSpPr>
         <p:spPr>
           <a:xfrm>
-            <a:off x="6553200" y="6356350"/>
+            <a:off x="6934200" y="6416675"/>
             <a:ext cx="2133600" cy="365125"/>
           </a:xfrm>
         </p:spPr>
@@ -33909,12 +35710,12 @@
           <a:p>
             <a:r>
               <a:rPr lang="en-US" dirty="0" smtClean="0"/>
-              <a:t>8F.</a:t>
+              <a:t>8W.</a:t>
             </a:r>
             <a:fld id="{5653AFC6-B420-2E4E-AAAC-D734658728B4}" type="slidenum">
               <a:rPr lang="en-US" smtClean="0"/>
               <a:pPr/>
-              <a:t>46</a:t>
+              <a:t>47</a:t>
             </a:fld>
             <a:endParaRPr lang="en-US" dirty="0"/>
           </a:p>
@@ -34258,14 +36059,97 @@
       </p:sp>
       <p:sp>
         <p:nvSpPr>
-          <p:cNvPr id="12" name="TextBox 11"/>
+          <p:cNvPr id="8" name="Rectangle 4"/>
+          <p:cNvSpPr txBox="1">
+            <a:spLocks noChangeArrowheads="1"/>
+          </p:cNvSpPr>
+          <p:nvPr/>
+        </p:nvSpPr>
+        <p:spPr bwMode="auto">
+          <a:xfrm>
+            <a:off x="1371600" y="76200"/>
+            <a:ext cx="6781800" cy="1219200"/>
+          </a:xfrm>
+          <a:prstGeom prst="rect">
+            <a:avLst/>
+          </a:prstGeom>
+          <a:noFill/>
+          <a:ln w="9525">
+            <a:noFill/>
+            <a:miter lim="800000"/>
+            <a:headEnd/>
+            <a:tailEnd/>
+          </a:ln>
+        </p:spPr>
+        <p:txBody>
+          <a:bodyPr vert="horz" wrap="square" lIns="91440" tIns="45720" rIns="91440" bIns="45720" numCol="1" anchor="ctr" anchorCtr="0" compatLnSpc="1">
+            <a:prstTxWarp prst="textNoShape">
+              <a:avLst/>
+            </a:prstTxWarp>
+          </a:bodyPr>
+          <a:lstStyle/>
+          <a:p>
+            <a:pPr marL="0" marR="0" lvl="0" indent="0" algn="l" defTabSz="914400" rtl="0" eaLnBrk="1" fontAlgn="base" latinLnBrk="0" hangingPunct="1">
+              <a:lnSpc>
+                <a:spcPct val="100000"/>
+              </a:lnSpc>
+              <a:spcBef>
+                <a:spcPct val="0"/>
+              </a:spcBef>
+              <a:spcAft>
+                <a:spcPct val="0"/>
+              </a:spcAft>
+              <a:buClrTx/>
+              <a:buSzTx/>
+              <a:buFontTx/>
+              <a:buNone/>
+              <a:tabLst/>
+              <a:defRPr/>
+            </a:pPr>
+            <a:r>
+              <a:rPr kumimoji="0" lang="en-US" sz="4800" b="1" i="0" u="none" strike="noStrike" kern="1200" cap="none" spc="0" normalizeH="0" baseline="0" noProof="0" smtClean="0">
+                <a:ln>
+                  <a:noFill/>
+                </a:ln>
+                <a:solidFill>
+                  <a:schemeClr val="tx1"/>
+                </a:solidFill>
+                <a:effectLst/>
+                <a:uLnTx/>
+                <a:uFillTx/>
+                <a:latin typeface="+mj-lt"/>
+                <a:ea typeface="+mj-ea"/>
+                <a:cs typeface="+mj-cs"/>
+              </a:rPr>
+              <a:t>Remainder arithmetic</a:t>
+            </a:r>
+            <a:endParaRPr kumimoji="0" lang="en-US" sz="4800" b="1" i="0" u="none" strike="noStrike" kern="1200" cap="none" spc="0" normalizeH="0" baseline="0" noProof="0" dirty="0">
+              <a:ln>
+                <a:noFill/>
+              </a:ln>
+              <a:solidFill>
+                <a:schemeClr val="tx1"/>
+              </a:solidFill>
+              <a:effectLst/>
+              <a:uLnTx/>
+              <a:uFillTx/>
+              <a:latin typeface="+mj-lt"/>
+              <a:ea typeface="+mj-ea"/>
+              <a:cs typeface="+mj-cs"/>
+            </a:endParaRPr>
+          </a:p>
+        </p:txBody>
+      </p:sp>
+      <p:sp>
+        <p:nvSpPr>
+          <p:cNvPr id="9" name="TextBox 8"/>
           <p:cNvSpPr txBox="1"/>
           <p:nvPr/>
         </p:nvSpPr>
         <p:spPr>
           <a:xfrm>
             <a:off x="457200" y="1066800"/>
-            <a:ext cx="8304489" cy="923330"/>
+            <a:ext cx="8368703" cy="923330"/>
           </a:xfrm>
           <a:prstGeom prst="rect">
             <a:avLst/>
@@ -34303,15 +36187,37 @@
                 <a:cs typeface="Euclid Symbol" charset="2"/>
                 <a:sym typeface="Euclid Symbol" pitchFamily="18" charset="2"/>
               </a:rPr>
-              <a:t>         </a:t>
+              <a:t>  ≡  </a:t>
+            </a:r>
+            <a:r>
+              <a:rPr lang="en-US" sz="5400" b="1" baseline="30000" dirty="0" smtClean="0">
+                <a:solidFill>
+                  <a:srgbClr val="0000CC"/>
+                </a:solidFill>
+                <a:latin typeface="Euclid Symbol" charset="2"/>
+                <a:cs typeface="Euclid Symbol" charset="2"/>
+                <a:sym typeface="Euclid Symbol" pitchFamily="18" charset="2"/>
+              </a:rPr>
+              <a:t> </a:t>
             </a:r>
             <a:r>
               <a:rPr lang="en-US" sz="5400" b="1" dirty="0" smtClean="0">
                 <a:solidFill>
+                  <a:srgbClr val="0000CC"/>
+                </a:solidFill>
+                <a:latin typeface="Euclid Symbol" charset="2"/>
+                <a:cs typeface="Euclid Symbol" charset="2"/>
+                <a:sym typeface="Euclid Symbol" pitchFamily="18" charset="2"/>
+              </a:rPr>
+              <a:t>  </a:t>
+            </a:r>
+            <a:r>
+              <a:rPr lang="en-US" sz="5400" b="1" dirty="0" smtClean="0">
+                <a:solidFill>
                   <a:srgbClr val="FF00FF"/>
                 </a:solidFill>
               </a:rPr>
-              <a:t>      </a:t>
+              <a:t>?    </a:t>
             </a:r>
             <a:r>
               <a:rPr lang="en-US" sz="5400" dirty="0" smtClean="0">
@@ -34322,6 +36228,43 @@
               <a:t>(mod 5)</a:t>
             </a:r>
             <a:endParaRPr lang="en-US" sz="5400" dirty="0" smtClean="0"/>
+          </a:p>
+        </p:txBody>
+      </p:sp>
+      <p:sp useBgFill="1">
+        <p:nvSpPr>
+          <p:cNvPr id="10" name="TextBox 9"/>
+          <p:cNvSpPr txBox="1"/>
+          <p:nvPr/>
+        </p:nvSpPr>
+        <p:spPr>
+          <a:xfrm>
+            <a:off x="4509578" y="933271"/>
+            <a:ext cx="748222" cy="1200329"/>
+          </a:xfrm>
+          <a:prstGeom prst="rect">
+            <a:avLst/>
+          </a:prstGeom>
+        </p:spPr>
+        <p:txBody>
+          <a:bodyPr wrap="none" rtlCol="0">
+            <a:spAutoFit/>
+          </a:bodyPr>
+          <a:lstStyle/>
+          <a:p>
+            <a:r>
+              <a:rPr lang="en-US" sz="7200" dirty="0" smtClean="0">
+                <a:solidFill>
+                  <a:srgbClr val="FF00FF"/>
+                </a:solidFill>
+              </a:rPr>
+              <a:t>3</a:t>
+            </a:r>
+            <a:endParaRPr lang="en-US" sz="7200" dirty="0">
+              <a:solidFill>
+                <a:srgbClr val="FF00FF"/>
+              </a:solidFill>
+            </a:endParaRPr>
           </a:p>
         </p:txBody>
       </p:sp>
@@ -34336,15 +36279,181 @@
   <p:timing>
     <p:tnLst>
       <p:par>
-        <p:cTn id="1" dur="indefinite" restart="never" nodeType="tmRoot"/>
+        <p:cTn id="1" dur="indefinite" restart="never" nodeType="tmRoot">
+          <p:childTnLst>
+            <p:seq concurrent="1" nextAc="seek">
+              <p:cTn id="2" dur="indefinite" nodeType="mainSeq">
+                <p:childTnLst>
+                  <p:par>
+                    <p:cTn id="3" fill="hold">
+                      <p:stCondLst>
+                        <p:cond delay="indefinite"/>
+                        <p:cond evt="onBegin" delay="0">
+                          <p:tn val="2"/>
+                        </p:cond>
+                      </p:stCondLst>
+                      <p:childTnLst>
+                        <p:par>
+                          <p:cTn id="4" fill="hold">
+                            <p:stCondLst>
+                              <p:cond delay="0"/>
+                            </p:stCondLst>
+                            <p:childTnLst>
+                              <p:par>
+                                <p:cTn id="5" presetID="15" presetClass="entr" presetSubtype="0" fill="hold" grpId="0" nodeType="afterEffect">
+                                  <p:stCondLst>
+                                    <p:cond delay="0"/>
+                                  </p:stCondLst>
+                                  <p:childTnLst>
+                                    <p:set>
+                                      <p:cBhvr>
+                                        <p:cTn id="6" dur="1" fill="hold">
+                                          <p:stCondLst>
+                                            <p:cond delay="0"/>
+                                          </p:stCondLst>
+                                        </p:cTn>
+                                        <p:tgtEl>
+                                          <p:spTgt spid="10"/>
+                                        </p:tgtEl>
+                                        <p:attrNameLst>
+                                          <p:attrName>style.visibility</p:attrName>
+                                        </p:attrNameLst>
+                                      </p:cBhvr>
+                                      <p:to>
+                                        <p:strVal val="visible"/>
+                                      </p:to>
+                                    </p:set>
+                                    <p:anim calcmode="lin" valueType="num">
+                                      <p:cBhvr>
+                                        <p:cTn id="7" dur="2000" fill="hold"/>
+                                        <p:tgtEl>
+                                          <p:spTgt spid="10"/>
+                                        </p:tgtEl>
+                                        <p:attrNameLst>
+                                          <p:attrName>ppt_w</p:attrName>
+                                        </p:attrNameLst>
+                                      </p:cBhvr>
+                                      <p:tavLst>
+                                        <p:tav tm="0">
+                                          <p:val>
+                                            <p:fltVal val="0"/>
+                                          </p:val>
+                                        </p:tav>
+                                        <p:tav tm="100000">
+                                          <p:val>
+                                            <p:strVal val="#ppt_w"/>
+                                          </p:val>
+                                        </p:tav>
+                                      </p:tavLst>
+                                    </p:anim>
+                                    <p:anim calcmode="lin" valueType="num">
+                                      <p:cBhvr>
+                                        <p:cTn id="8" dur="2000" fill="hold"/>
+                                        <p:tgtEl>
+                                          <p:spTgt spid="10"/>
+                                        </p:tgtEl>
+                                        <p:attrNameLst>
+                                          <p:attrName>ppt_h</p:attrName>
+                                        </p:attrNameLst>
+                                      </p:cBhvr>
+                                      <p:tavLst>
+                                        <p:tav tm="0">
+                                          <p:val>
+                                            <p:fltVal val="0"/>
+                                          </p:val>
+                                        </p:tav>
+                                        <p:tav tm="100000">
+                                          <p:val>
+                                            <p:strVal val="#ppt_h"/>
+                                          </p:val>
+                                        </p:tav>
+                                      </p:tavLst>
+                                    </p:anim>
+                                    <p:anim calcmode="lin" valueType="num">
+                                      <p:cBhvr>
+                                        <p:cTn id="9" dur="2000" fill="hold"/>
+                                        <p:tgtEl>
+                                          <p:spTgt spid="10"/>
+                                        </p:tgtEl>
+                                        <p:attrNameLst>
+                                          <p:attrName>ppt_x</p:attrName>
+                                        </p:attrNameLst>
+                                      </p:cBhvr>
+                                      <p:tavLst>
+                                        <p:tav tm="0" fmla="#ppt_x+(cos(-2*pi*(1-$))*-#ppt_x-sin(-2*pi*(1-$))*(1-#ppt_y))*(1-$)">
+                                          <p:val>
+                                            <p:fltVal val="0"/>
+                                          </p:val>
+                                        </p:tav>
+                                        <p:tav tm="100000">
+                                          <p:val>
+                                            <p:fltVal val="1"/>
+                                          </p:val>
+                                        </p:tav>
+                                      </p:tavLst>
+                                    </p:anim>
+                                    <p:anim calcmode="lin" valueType="num">
+                                      <p:cBhvr>
+                                        <p:cTn id="10" dur="2000" fill="hold"/>
+                                        <p:tgtEl>
+                                          <p:spTgt spid="10"/>
+                                        </p:tgtEl>
+                                        <p:attrNameLst>
+                                          <p:attrName>ppt_y</p:attrName>
+                                        </p:attrNameLst>
+                                      </p:cBhvr>
+                                      <p:tavLst>
+                                        <p:tav tm="0" fmla="#ppt_y+(sin(-2*pi*(1-$))*-#ppt_x+cos(-2*pi*(1-$))*(1-#ppt_y))*(1-$)">
+                                          <p:val>
+                                            <p:fltVal val="0"/>
+                                          </p:val>
+                                        </p:tav>
+                                        <p:tav tm="100000">
+                                          <p:val>
+                                            <p:fltVal val="1"/>
+                                          </p:val>
+                                        </p:tav>
+                                      </p:tavLst>
+                                    </p:anim>
+                                  </p:childTnLst>
+                                </p:cTn>
+                              </p:par>
+                            </p:childTnLst>
+                          </p:cTn>
+                        </p:par>
+                      </p:childTnLst>
+                    </p:cTn>
+                  </p:par>
+                </p:childTnLst>
+              </p:cTn>
+              <p:prevCondLst>
+                <p:cond evt="onPrev" delay="0">
+                  <p:tgtEl>
+                    <p:sldTgt/>
+                  </p:tgtEl>
+                </p:cond>
+              </p:prevCondLst>
+              <p:nextCondLst>
+                <p:cond evt="onNext" delay="0">
+                  <p:tgtEl>
+                    <p:sldTgt/>
+                  </p:tgtEl>
+                </p:cond>
+              </p:nextCondLst>
+            </p:seq>
+          </p:childTnLst>
+        </p:cTn>
       </p:par>
     </p:tnLst>
+    <p:bldLst>
+      <p:bldP spid="10" grpId="0" animBg="1"/>
+    </p:bldLst>
   </p:timing>
 </p:sld>
 </file>
 
-<file path=ppt/slides/slide47.xml><?xml version="1.0" encoding="utf-8"?>
-<p:sld xmlns:a="http://schemas.openxmlformats.org/drawingml/2006/main" xmlns:r="http://schemas.openxmlformats.org/officeDocument/2006/relationships" xmlns:mc="http://schemas.openxmlformats.org/markup-compatibility/2006" xmlns:mv="urn:schemas-microsoft-com:mac:vml" xmlns:p="http://schemas.openxmlformats.org/presentationml/2006/main" mc:Ignorable="mv" mc:PreserveAttributes="mv:*">
+<file path=ppt/slides/slide48.xml><?xml version="1.0" encoding="utf-8"?>
+<p:sld xmlns:a="http://schemas.openxmlformats.org/drawingml/2006/main" xmlns:r="http://schemas.openxmlformats.org/officeDocument/2006/relationships" xmlns:mc="http://schemas.openxmlformats.org/markup-compatibility/2006" xmlns:mv="urn:schemas-microsoft-com:mac:vml" xmlns:p="http://schemas.openxmlformats.org/presentationml/2006/main" mc:Ignorable="mv" mc:PreserveAttributes="mv:*" show="0">
   <p:cSld>
     <p:spTree>
       <p:nvGrpSpPr>
@@ -34360,67 +36469,6 @@
           <a:chExt cx="0" cy="0"/>
         </a:xfrm>
       </p:grpSpPr>
-      <p:sp>
-        <p:nvSpPr>
-          <p:cNvPr id="59396" name="Rectangle 4"/>
-          <p:cNvSpPr>
-            <a:spLocks noGrp="1" noChangeArrowheads="1"/>
-          </p:cNvSpPr>
-          <p:nvPr>
-            <p:ph type="title" idx="4294967295"/>
-          </p:nvPr>
-        </p:nvSpPr>
-        <p:spPr>
-          <a:xfrm>
-            <a:off x="2362200" y="76200"/>
-            <a:ext cx="6781800" cy="1295400"/>
-          </a:xfrm>
-        </p:spPr>
-        <p:txBody>
-          <a:bodyPr/>
-          <a:lstStyle/>
-          <a:p>
-            <a:pPr eaLnBrk="1" hangingPunct="1"/>
-            <a:r>
-              <a:rPr lang="en-US" sz="4800" dirty="0"/>
-              <a:t>remainder arithmetic</a:t>
-            </a:r>
-          </a:p>
-        </p:txBody>
-      </p:sp>
-      <p:sp>
-        <p:nvSpPr>
-          <p:cNvPr id="5" name="Slide Number Placeholder 4"/>
-          <p:cNvSpPr>
-            <a:spLocks noGrp="1"/>
-          </p:cNvSpPr>
-          <p:nvPr>
-            <p:ph type="sldNum" sz="quarter" idx="4"/>
-          </p:nvPr>
-        </p:nvSpPr>
-        <p:spPr>
-          <a:xfrm>
-            <a:off x="6553200" y="6356350"/>
-            <a:ext cx="2133600" cy="365125"/>
-          </a:xfrm>
-        </p:spPr>
-        <p:txBody>
-          <a:bodyPr/>
-          <a:lstStyle/>
-          <a:p>
-            <a:r>
-              <a:rPr lang="en-US" dirty="0" smtClean="0"/>
-              <a:t>8F.</a:t>
-            </a:r>
-            <a:fld id="{5653AFC6-B420-2E4E-AAAC-D734658728B4}" type="slidenum">
-              <a:rPr lang="en-US" smtClean="0"/>
-              <a:pPr/>
-              <a:t>47</a:t>
-            </a:fld>
-            <a:endParaRPr lang="en-US" dirty="0"/>
-          </a:p>
-        </p:txBody>
-      </p:sp>
       <p:sp>
         <p:nvSpPr>
           <p:cNvPr id="7" name="TextBox 6"/>
@@ -34748,14 +36796,97 @@
       </p:sp>
       <p:sp>
         <p:nvSpPr>
-          <p:cNvPr id="12" name="TextBox 11"/>
+          <p:cNvPr id="8" name="Rectangle 4"/>
+          <p:cNvSpPr txBox="1">
+            <a:spLocks noChangeArrowheads="1"/>
+          </p:cNvSpPr>
+          <p:nvPr/>
+        </p:nvSpPr>
+        <p:spPr bwMode="auto">
+          <a:xfrm>
+            <a:off x="1371600" y="76200"/>
+            <a:ext cx="6781800" cy="1219200"/>
+          </a:xfrm>
+          <a:prstGeom prst="rect">
+            <a:avLst/>
+          </a:prstGeom>
+          <a:noFill/>
+          <a:ln w="9525">
+            <a:noFill/>
+            <a:miter lim="800000"/>
+            <a:headEnd/>
+            <a:tailEnd/>
+          </a:ln>
+        </p:spPr>
+        <p:txBody>
+          <a:bodyPr vert="horz" wrap="square" lIns="91440" tIns="45720" rIns="91440" bIns="45720" numCol="1" anchor="ctr" anchorCtr="0" compatLnSpc="1">
+            <a:prstTxWarp prst="textNoShape">
+              <a:avLst/>
+            </a:prstTxWarp>
+          </a:bodyPr>
+          <a:lstStyle/>
+          <a:p>
+            <a:pPr marL="0" marR="0" lvl="0" indent="0" algn="l" defTabSz="914400" rtl="0" eaLnBrk="1" fontAlgn="base" latinLnBrk="0" hangingPunct="1">
+              <a:lnSpc>
+                <a:spcPct val="100000"/>
+              </a:lnSpc>
+              <a:spcBef>
+                <a:spcPct val="0"/>
+              </a:spcBef>
+              <a:spcAft>
+                <a:spcPct val="0"/>
+              </a:spcAft>
+              <a:buClrTx/>
+              <a:buSzTx/>
+              <a:buFontTx/>
+              <a:buNone/>
+              <a:tabLst/>
+              <a:defRPr/>
+            </a:pPr>
+            <a:r>
+              <a:rPr kumimoji="0" lang="en-US" sz="4800" b="1" i="0" u="none" strike="noStrike" kern="1200" cap="none" spc="0" normalizeH="0" baseline="0" noProof="0" smtClean="0">
+                <a:ln>
+                  <a:noFill/>
+                </a:ln>
+                <a:solidFill>
+                  <a:schemeClr val="tx1"/>
+                </a:solidFill>
+                <a:effectLst/>
+                <a:uLnTx/>
+                <a:uFillTx/>
+                <a:latin typeface="+mj-lt"/>
+                <a:ea typeface="+mj-ea"/>
+                <a:cs typeface="+mj-cs"/>
+              </a:rPr>
+              <a:t>Remainder arithmetic</a:t>
+            </a:r>
+            <a:endParaRPr kumimoji="0" lang="en-US" sz="4800" b="1" i="0" u="none" strike="noStrike" kern="1200" cap="none" spc="0" normalizeH="0" baseline="0" noProof="0" dirty="0">
+              <a:ln>
+                <a:noFill/>
+              </a:ln>
+              <a:solidFill>
+                <a:schemeClr val="tx1"/>
+              </a:solidFill>
+              <a:effectLst/>
+              <a:uLnTx/>
+              <a:uFillTx/>
+              <a:latin typeface="+mj-lt"/>
+              <a:ea typeface="+mj-ea"/>
+              <a:cs typeface="+mj-cs"/>
+            </a:endParaRPr>
+          </a:p>
+        </p:txBody>
+      </p:sp>
+      <p:sp>
+        <p:nvSpPr>
+          <p:cNvPr id="9" name="TextBox 8"/>
           <p:cNvSpPr txBox="1"/>
           <p:nvPr/>
         </p:nvSpPr>
         <p:spPr>
           <a:xfrm>
-            <a:off x="447275" y="1066800"/>
-            <a:ext cx="8338754" cy="923330"/>
+            <a:off x="457200" y="1066800"/>
+            <a:ext cx="8368703" cy="923330"/>
           </a:xfrm>
           <a:prstGeom prst="rect">
             <a:avLst/>
@@ -34793,7 +36924,7 @@
                 <a:cs typeface="Euclid Symbol" charset="2"/>
                 <a:sym typeface="Euclid Symbol" pitchFamily="18" charset="2"/>
               </a:rPr>
-              <a:t>        </a:t>
+              <a:t>  ≡  </a:t>
             </a:r>
             <a:r>
               <a:rPr lang="en-US" sz="5400" b="1" baseline="30000" dirty="0" smtClean="0">
@@ -34815,17 +36946,38 @@
                 <a:cs typeface="Euclid Symbol" charset="2"/>
                 <a:sym typeface="Euclid Symbol" pitchFamily="18" charset="2"/>
               </a:rPr>
+              <a:t> </a:t>
+            </a:r>
+            <a:r>
+              <a:rPr lang="en-US" sz="5400" b="1" dirty="0" smtClean="0">
+                <a:solidFill>
+                  <a:srgbClr val="0000CC"/>
+                </a:solidFill>
+                <a:latin typeface="Euclid Symbol" charset="2"/>
+                <a:cs typeface="Euclid Symbol" charset="2"/>
+                <a:sym typeface="Euclid Symbol" pitchFamily="18" charset="2"/>
+              </a:rPr>
+              <a:t> </a:t>
+            </a:r>
+            <a:r>
+              <a:rPr lang="en-US" sz="5400" dirty="0" smtClean="0">
+                <a:solidFill>
+                  <a:srgbClr val="FF00FF"/>
+                </a:solidFill>
+                <a:cs typeface="Comic Sans MS"/>
+                <a:sym typeface="Euclid Symbol" pitchFamily="18" charset="2"/>
+              </a:rPr>
+              <a:t>3</a:t>
+            </a:r>
+            <a:r>
+              <a:rPr lang="en-US" sz="5400" b="1" dirty="0" smtClean="0">
+                <a:solidFill>
+                  <a:srgbClr val="FF00FF"/>
+                </a:solidFill>
+              </a:rPr>
               <a:t>    </a:t>
             </a:r>
             <a:r>
-              <a:rPr lang="en-US" sz="5400" b="1" dirty="0" smtClean="0">
-                <a:solidFill>
-                  <a:srgbClr val="FF00FF"/>
-                </a:solidFill>
-              </a:rPr>
-              <a:t>    </a:t>
-            </a:r>
-            <a:r>
               <a:rPr lang="en-US" sz="5400" dirty="0" smtClean="0">
                 <a:solidFill>
                   <a:srgbClr val="0000CC"/>
@@ -34834,6 +36986,39 @@
               <a:t>(mod 5)</a:t>
             </a:r>
             <a:endParaRPr lang="en-US" sz="5400" dirty="0" smtClean="0"/>
+          </a:p>
+        </p:txBody>
+      </p:sp>
+      <p:sp>
+        <p:nvSpPr>
+          <p:cNvPr id="10" name="Slide Number Placeholder 4"/>
+          <p:cNvSpPr>
+            <a:spLocks noGrp="1"/>
+          </p:cNvSpPr>
+          <p:nvPr>
+            <p:ph type="sldNum" sz="quarter" idx="4"/>
+          </p:nvPr>
+        </p:nvSpPr>
+        <p:spPr>
+          <a:xfrm>
+            <a:off x="6934200" y="6416675"/>
+            <a:ext cx="2133600" cy="365125"/>
+          </a:xfrm>
+        </p:spPr>
+        <p:txBody>
+          <a:bodyPr/>
+          <a:lstStyle/>
+          <a:p>
+            <a:r>
+              <a:rPr lang="en-US" dirty="0" smtClean="0"/>
+              <a:t>8W.</a:t>
+            </a:r>
+            <a:fld id="{5653AFC6-B420-2E4E-AAAC-D734658728B4}" type="slidenum">
+              <a:rPr lang="en-US" smtClean="0"/>
+              <a:pPr/>
+              <a:t>48</a:t>
+            </a:fld>
+            <a:endParaRPr lang="en-US" dirty="0"/>
           </a:p>
         </p:txBody>
       </p:sp>
@@ -34855,7 +37040,7 @@
 </p:sld>
 </file>
 
-<file path=ppt/slides/slide48.xml><?xml version="1.0" encoding="utf-8"?>
+<file path=ppt/slides/slide49.xml><?xml version="1.0" encoding="utf-8"?>
 <p:sld xmlns:a="http://schemas.openxmlformats.org/drawingml/2006/main" xmlns:r="http://schemas.openxmlformats.org/officeDocument/2006/relationships" xmlns:mc="http://schemas.openxmlformats.org/markup-compatibility/2006" xmlns:mv="urn:schemas-microsoft-com:mac:vml" xmlns:p="http://schemas.openxmlformats.org/presentationml/2006/main" mc:Ignorable="mv" mc:PreserveAttributes="mv:*">
   <p:cSld>
     <p:spTree>
@@ -34952,7 +37137,7 @@
       </p:sp>
       <p:sp>
         <p:nvSpPr>
-          <p:cNvPr id="5" name="Slide Number Placeholder 4"/>
+          <p:cNvPr id="6" name="Slide Number Placeholder 4"/>
           <p:cNvSpPr>
             <a:spLocks noGrp="1"/>
           </p:cNvSpPr>
@@ -34962,7 +37147,7 @@
         </p:nvSpPr>
         <p:spPr>
           <a:xfrm>
-            <a:off x="6553200" y="6356350"/>
+            <a:off x="6934200" y="6416675"/>
             <a:ext cx="2133600" cy="365125"/>
           </a:xfrm>
         </p:spPr>
@@ -34971,13 +37156,13 @@
           <a:lstStyle/>
           <a:p>
             <a:r>
-              <a:rPr lang="en-US" smtClean="0"/>
-              <a:t>8F.</a:t>
+              <a:rPr lang="en-US" dirty="0" smtClean="0"/>
+              <a:t>8W.</a:t>
             </a:r>
             <a:fld id="{5653AFC6-B420-2E4E-AAAC-D734658728B4}" type="slidenum">
               <a:rPr lang="en-US" smtClean="0"/>
               <a:pPr/>
-              <a:t>48</a:t>
+              <a:t>49</a:t>
             </a:fld>
             <a:endParaRPr lang="en-US" dirty="0"/>
           </a:p>
@@ -35333,7 +37518,7 @@
         </p:nvSpPr>
         <p:spPr>
           <a:xfrm>
-            <a:off x="6553200" y="6356350"/>
+            <a:off x="6934200" y="6492875"/>
             <a:ext cx="2133600" cy="365125"/>
           </a:xfrm>
         </p:spPr>
@@ -35342,8 +37527,8 @@
           <a:lstStyle/>
           <a:p>
             <a:r>
-              <a:rPr lang="en-US" smtClean="0"/>
-              <a:t>8F.</a:t>
+              <a:rPr lang="en-US" dirty="0" smtClean="0"/>
+              <a:t>8W.</a:t>
             </a:r>
             <a:fld id="{5653AFC6-B420-2E4E-AAAC-D734658728B4}" type="slidenum">
               <a:rPr lang="en-US" smtClean="0"/>
@@ -36006,7 +38191,7 @@
         </p:nvSpPr>
         <p:spPr>
           <a:xfrm>
-            <a:off x="6553200" y="6356350"/>
+            <a:off x="6934200" y="6492875"/>
             <a:ext cx="2133600" cy="365125"/>
           </a:xfrm>
         </p:spPr>
@@ -36015,8 +38200,8 @@
           <a:lstStyle/>
           <a:p>
             <a:r>
-              <a:rPr lang="en-US" smtClean="0"/>
-              <a:t>8F.</a:t>
+              <a:rPr lang="en-US" dirty="0" smtClean="0"/>
+              <a:t>8W.</a:t>
             </a:r>
             <a:fld id="{5653AFC6-B420-2E4E-AAAC-D734658728B4}" type="slidenum">
               <a:rPr lang="en-US" smtClean="0"/>
@@ -36572,7 +38757,7 @@
         </p:nvSpPr>
         <p:spPr>
           <a:xfrm>
-            <a:off x="6553200" y="6356350"/>
+            <a:off x="6934200" y="6492875"/>
             <a:ext cx="2133600" cy="365125"/>
           </a:xfrm>
         </p:spPr>
@@ -36581,8 +38766,8 @@
           <a:lstStyle/>
           <a:p>
             <a:r>
-              <a:rPr lang="en-US" smtClean="0"/>
-              <a:t>8F.</a:t>
+              <a:rPr lang="en-US" dirty="0" smtClean="0"/>
+              <a:t>8W.</a:t>
             </a:r>
             <a:fld id="{5653AFC6-B420-2E4E-AAAC-D734658728B4}" type="slidenum">
               <a:rPr lang="en-US" smtClean="0"/>
@@ -36955,7 +39140,7 @@
         </p:nvSpPr>
         <p:spPr>
           <a:xfrm>
-            <a:off x="3352800" y="0"/>
+            <a:off x="1828800" y="0"/>
             <a:ext cx="5791200" cy="1295400"/>
           </a:xfrm>
         </p:spPr>
@@ -36965,7 +39150,7 @@
           <a:p>
             <a:pPr eaLnBrk="1" hangingPunct="1"/>
             <a:r>
-              <a:rPr lang="en-US" sz="4400"/>
+              <a:rPr lang="en-US" sz="4400" dirty="0"/>
               <a:t>Remainder Lemma</a:t>
             </a:r>
           </a:p>
@@ -37215,7 +39400,7 @@
           <a:p>
             <a:r>
               <a:rPr lang="en-US" dirty="0" smtClean="0"/>
-              <a:t>8F.</a:t>
+              <a:t>8W.</a:t>
             </a:r>
             <a:fld id="{5653AFC6-B420-2E4E-AAAC-D734658728B4}" type="slidenum">
               <a:rPr lang="en-US" smtClean="0"/>
@@ -37231,7 +39416,7 @@
   <p:clrMapOvr>
     <a:masterClrMapping/>
   </p:clrMapOvr>
-  <p:transition>
+  <p:transition spd="slow">
     <p:fade thruBlk="1"/>
   </p:transition>
   <p:timing>
@@ -37255,7 +39440,7 @@
                             </p:stCondLst>
                             <p:childTnLst>
                               <p:par>
-                                <p:cTn id="5" presetID="1" presetClass="entr" presetSubtype="0" fill="hold" nodeType="clickEffect">
+                                <p:cTn id="5" presetID="10" presetClass="entr" presetSubtype="0" fill="hold" grpId="0" nodeType="clickEffect">
                                   <p:stCondLst>
                                     <p:cond delay="0"/>
                                   </p:stCondLst>
@@ -37263,6 +39448,162 @@
                                     <p:set>
                                       <p:cBhvr>
                                         <p:cTn id="6" dur="1" fill="hold">
+                                          <p:stCondLst>
+                                            <p:cond delay="0"/>
+                                          </p:stCondLst>
+                                        </p:cTn>
+                                        <p:tgtEl>
+                                          <p:spTgt spid="3">
+                                            <p:txEl>
+                                              <p:pRg st="0" end="0"/>
+                                            </p:txEl>
+                                          </p:spTgt>
+                                        </p:tgtEl>
+                                        <p:attrNameLst>
+                                          <p:attrName>style.visibility</p:attrName>
+                                        </p:attrNameLst>
+                                      </p:cBhvr>
+                                      <p:to>
+                                        <p:strVal val="visible"/>
+                                      </p:to>
+                                    </p:set>
+                                    <p:animEffect transition="in" filter="fade">
+                                      <p:cBhvr>
+                                        <p:cTn id="7" dur="500"/>
+                                        <p:tgtEl>
+                                          <p:spTgt spid="3">
+                                            <p:txEl>
+                                              <p:pRg st="0" end="0"/>
+                                            </p:txEl>
+                                          </p:spTgt>
+                                        </p:tgtEl>
+                                      </p:cBhvr>
+                                    </p:animEffect>
+                                  </p:childTnLst>
+                                </p:cTn>
+                              </p:par>
+                              <p:par>
+                                <p:cTn id="8" presetID="10" presetClass="entr" presetSubtype="0" fill="hold" grpId="0" nodeType="withEffect">
+                                  <p:stCondLst>
+                                    <p:cond delay="0"/>
+                                  </p:stCondLst>
+                                  <p:childTnLst>
+                                    <p:set>
+                                      <p:cBhvr>
+                                        <p:cTn id="9" dur="1" fill="hold">
+                                          <p:stCondLst>
+                                            <p:cond delay="0"/>
+                                          </p:stCondLst>
+                                        </p:cTn>
+                                        <p:tgtEl>
+                                          <p:spTgt spid="3">
+                                            <p:txEl>
+                                              <p:pRg st="1" end="1"/>
+                                            </p:txEl>
+                                          </p:spTgt>
+                                        </p:tgtEl>
+                                        <p:attrNameLst>
+                                          <p:attrName>style.visibility</p:attrName>
+                                        </p:attrNameLst>
+                                      </p:cBhvr>
+                                      <p:to>
+                                        <p:strVal val="visible"/>
+                                      </p:to>
+                                    </p:set>
+                                    <p:animEffect transition="in" filter="fade">
+                                      <p:cBhvr>
+                                        <p:cTn id="10" dur="500"/>
+                                        <p:tgtEl>
+                                          <p:spTgt spid="3">
+                                            <p:txEl>
+                                              <p:pRg st="1" end="1"/>
+                                            </p:txEl>
+                                          </p:spTgt>
+                                        </p:tgtEl>
+                                      </p:cBhvr>
+                                    </p:animEffect>
+                                  </p:childTnLst>
+                                </p:cTn>
+                              </p:par>
+                            </p:childTnLst>
+                          </p:cTn>
+                        </p:par>
+                        <p:par>
+                          <p:cTn id="11" fill="hold">
+                            <p:stCondLst>
+                              <p:cond delay="500"/>
+                            </p:stCondLst>
+                            <p:childTnLst>
+                              <p:par>
+                                <p:cTn id="12" presetID="10" presetClass="entr" presetSubtype="0" fill="hold" grpId="0" nodeType="afterEffect">
+                                  <p:stCondLst>
+                                    <p:cond delay="0"/>
+                                  </p:stCondLst>
+                                  <p:childTnLst>
+                                    <p:set>
+                                      <p:cBhvr>
+                                        <p:cTn id="13" dur="1" fill="hold">
+                                          <p:stCondLst>
+                                            <p:cond delay="0"/>
+                                          </p:stCondLst>
+                                        </p:cTn>
+                                        <p:tgtEl>
+                                          <p:spTgt spid="3">
+                                            <p:txEl>
+                                              <p:pRg st="2" end="2"/>
+                                            </p:txEl>
+                                          </p:spTgt>
+                                        </p:tgtEl>
+                                        <p:attrNameLst>
+                                          <p:attrName>style.visibility</p:attrName>
+                                        </p:attrNameLst>
+                                      </p:cBhvr>
+                                      <p:to>
+                                        <p:strVal val="visible"/>
+                                      </p:to>
+                                    </p:set>
+                                    <p:animEffect transition="in" filter="fade">
+                                      <p:cBhvr>
+                                        <p:cTn id="14" dur="500"/>
+                                        <p:tgtEl>
+                                          <p:spTgt spid="3">
+                                            <p:txEl>
+                                              <p:pRg st="2" end="2"/>
+                                            </p:txEl>
+                                          </p:spTgt>
+                                        </p:tgtEl>
+                                      </p:cBhvr>
+                                    </p:animEffect>
+                                  </p:childTnLst>
+                                </p:cTn>
+                              </p:par>
+                            </p:childTnLst>
+                          </p:cTn>
+                        </p:par>
+                      </p:childTnLst>
+                    </p:cTn>
+                  </p:par>
+                  <p:par>
+                    <p:cTn id="15" fill="hold">
+                      <p:stCondLst>
+                        <p:cond delay="indefinite"/>
+                      </p:stCondLst>
+                      <p:childTnLst>
+                        <p:par>
+                          <p:cTn id="16" fill="hold">
+                            <p:stCondLst>
+                              <p:cond delay="0"/>
+                            </p:stCondLst>
+                            <p:childTnLst>
+                              <p:par>
+                                <p:cTn id="17" presetID="1" presetClass="entr" presetSubtype="0" fill="hold" nodeType="clickEffect">
+                                  <p:stCondLst>
+                                    <p:cond delay="0"/>
+                                  </p:stCondLst>
+                                  <p:childTnLst>
+                                    <p:set>
+                                      <p:cBhvr>
+                                        <p:cTn id="18" dur="1" fill="hold">
                                           <p:stCondLst>
                                             <p:cond delay="0"/>
                                           </p:stCondLst>
@@ -37292,26 +39633,26 @@
                     </p:cTn>
                   </p:par>
                   <p:par>
-                    <p:cTn id="7" fill="hold">
+                    <p:cTn id="19" fill="hold">
                       <p:stCondLst>
                         <p:cond delay="indefinite"/>
                       </p:stCondLst>
                       <p:childTnLst>
                         <p:par>
-                          <p:cTn id="8" fill="hold">
+                          <p:cTn id="20" fill="hold">
                             <p:stCondLst>
                               <p:cond delay="0"/>
                             </p:stCondLst>
                             <p:childTnLst>
                               <p:par>
-                                <p:cTn id="9" presetID="22" presetClass="entr" presetSubtype="1" fill="hold" nodeType="clickEffect">
+                                <p:cTn id="21" presetID="22" presetClass="entr" presetSubtype="1" fill="hold" nodeType="clickEffect">
                                   <p:stCondLst>
                                     <p:cond delay="0"/>
                                   </p:stCondLst>
                                   <p:childTnLst>
                                     <p:set>
                                       <p:cBhvr>
-                                        <p:cTn id="10" dur="1" fill="hold">
+                                        <p:cTn id="22" dur="1" fill="hold">
                                           <p:stCondLst>
                                             <p:cond delay="0"/>
                                           </p:stCondLst>
@@ -37333,7 +39674,7 @@
                                     </p:set>
                                     <p:animEffect transition="in" filter="wipe(up)">
                                       <p:cBhvr>
-                                        <p:cTn id="11" dur="500"/>
+                                        <p:cTn id="23" dur="500"/>
                                         <p:tgtEl>
                                           <p:spTgt spid="12">
                                             <p:txEl>
@@ -37350,20 +39691,20 @@
                           </p:cTn>
                         </p:par>
                         <p:par>
-                          <p:cTn id="12" fill="hold">
+                          <p:cTn id="24" fill="hold">
                             <p:stCondLst>
                               <p:cond delay="500"/>
                             </p:stCondLst>
                             <p:childTnLst>
                               <p:par>
-                                <p:cTn id="13" presetID="1" presetClass="entr" presetSubtype="0" fill="hold" nodeType="afterEffect">
+                                <p:cTn id="25" presetID="1" presetClass="entr" presetSubtype="0" fill="hold" nodeType="afterEffect">
                                   <p:stCondLst>
                                     <p:cond delay="0"/>
                                   </p:stCondLst>
                                   <p:childTnLst>
                                     <p:set>
                                       <p:cBhvr>
-                                        <p:cTn id="14" dur="1" fill="hold">
+                                        <p:cTn id="26" dur="1" fill="hold">
                                           <p:stCondLst>
                                             <p:cond delay="0"/>
                                           </p:stCondLst>
@@ -37413,6 +39754,9 @@
         </p:cTn>
       </p:par>
     </p:tnLst>
+    <p:bldLst>
+      <p:bldP spid="3" grpId="0" build="p"/>
+    </p:bldLst>
   </p:timing>
 </p:sld>
 </file>
@@ -37588,34 +39932,6 @@
                 </a:solidFill>
               </a:rPr>
               <a:t>)</a:t>
-            </a:r>
-          </a:p>
-        </p:txBody>
-      </p:sp>
-      <p:sp>
-        <p:nvSpPr>
-          <p:cNvPr id="31748" name="Rectangle 4"/>
-          <p:cNvSpPr>
-            <a:spLocks noGrp="1" noChangeArrowheads="1"/>
-          </p:cNvSpPr>
-          <p:nvPr>
-            <p:ph type="title" idx="4294967295"/>
-          </p:nvPr>
-        </p:nvSpPr>
-        <p:spPr>
-          <a:xfrm>
-            <a:off x="3352800" y="0"/>
-            <a:ext cx="5791200" cy="1295400"/>
-          </a:xfrm>
-        </p:spPr>
-        <p:txBody>
-          <a:bodyPr/>
-          <a:lstStyle/>
-          <a:p>
-            <a:pPr eaLnBrk="1" hangingPunct="1"/>
-            <a:r>
-              <a:rPr lang="en-US" sz="4400"/>
-              <a:t>Remainder Lemma</a:t>
             </a:r>
           </a:p>
         </p:txBody>
@@ -37813,7 +40129,7 @@
         </p:nvSpPr>
         <p:spPr>
           <a:xfrm>
-            <a:off x="6553200" y="6356350"/>
+            <a:off x="6934200" y="6492875"/>
             <a:ext cx="2133600" cy="365125"/>
           </a:xfrm>
         </p:spPr>
@@ -37822,8 +40138,8 @@
           <a:lstStyle/>
           <a:p>
             <a:r>
-              <a:rPr lang="en-US" smtClean="0"/>
-              <a:t>8F.</a:t>
+              <a:rPr lang="en-US" dirty="0" smtClean="0"/>
+              <a:t>8W.</a:t>
             </a:r>
             <a:fld id="{5653AFC6-B420-2E4E-AAAC-D734658728B4}" type="slidenum">
               <a:rPr lang="en-US" smtClean="0"/>
@@ -37831,6 +40147,89 @@
               <a:t>9</a:t>
             </a:fld>
             <a:endParaRPr lang="en-US" dirty="0"/>
+          </a:p>
+        </p:txBody>
+      </p:sp>
+      <p:sp>
+        <p:nvSpPr>
+          <p:cNvPr id="10" name="Rectangle 4"/>
+          <p:cNvSpPr txBox="1">
+            <a:spLocks noChangeArrowheads="1"/>
+          </p:cNvSpPr>
+          <p:nvPr/>
+        </p:nvSpPr>
+        <p:spPr bwMode="auto">
+          <a:xfrm>
+            <a:off x="1828800" y="0"/>
+            <a:ext cx="5791200" cy="1295400"/>
+          </a:xfrm>
+          <a:prstGeom prst="rect">
+            <a:avLst/>
+          </a:prstGeom>
+          <a:noFill/>
+          <a:ln w="9525">
+            <a:noFill/>
+            <a:miter lim="800000"/>
+            <a:headEnd/>
+            <a:tailEnd/>
+          </a:ln>
+        </p:spPr>
+        <p:txBody>
+          <a:bodyPr vert="horz" wrap="square" lIns="91440" tIns="45720" rIns="91440" bIns="45720" numCol="1" anchor="ctr" anchorCtr="0" compatLnSpc="1">
+            <a:prstTxWarp prst="textNoShape">
+              <a:avLst/>
+            </a:prstTxWarp>
+          </a:bodyPr>
+          <a:lstStyle/>
+          <a:p>
+            <a:pPr marL="0" marR="0" lvl="0" indent="0" algn="l" defTabSz="914400" rtl="0" eaLnBrk="1" fontAlgn="base" latinLnBrk="0" hangingPunct="1">
+              <a:lnSpc>
+                <a:spcPct val="100000"/>
+              </a:lnSpc>
+              <a:spcBef>
+                <a:spcPct val="0"/>
+              </a:spcBef>
+              <a:spcAft>
+                <a:spcPct val="0"/>
+              </a:spcAft>
+              <a:buClrTx/>
+              <a:buSzTx/>
+              <a:buFontTx/>
+              <a:buNone/>
+              <a:tabLst/>
+              <a:defRPr/>
+            </a:pPr>
+            <a:r>
+              <a:rPr kumimoji="0" lang="en-US" sz="4400" b="1" i="0" u="none" strike="noStrike" kern="1200" cap="none" spc="0" normalizeH="0" baseline="0" noProof="0" dirty="0" smtClean="0">
+                <a:ln>
+                  <a:noFill/>
+                </a:ln>
+                <a:solidFill>
+                  <a:schemeClr val="tx1"/>
+                </a:solidFill>
+                <a:effectLst/>
+                <a:uLnTx/>
+                <a:uFillTx/>
+                <a:latin typeface="+mj-lt"/>
+                <a:ea typeface="+mj-ea"/>
+                <a:cs typeface="+mj-cs"/>
+              </a:rPr>
+              <a:t>Remainder Lemma</a:t>
+            </a:r>
+            <a:endParaRPr kumimoji="0" lang="en-US" sz="4400" b="1" i="0" u="none" strike="noStrike" kern="1200" cap="none" spc="0" normalizeH="0" baseline="0" noProof="0" dirty="0">
+              <a:ln>
+                <a:noFill/>
+              </a:ln>
+              <a:solidFill>
+                <a:schemeClr val="tx1"/>
+              </a:solidFill>
+              <a:effectLst/>
+              <a:uLnTx/>
+              <a:uFillTx/>
+              <a:latin typeface="+mj-lt"/>
+              <a:ea typeface="+mj-ea"/>
+              <a:cs typeface="+mj-cs"/>
+            </a:endParaRPr>
           </a:p>
         </p:txBody>
       </p:sp>
@@ -38035,12 +40434,6 @@
   <p:tag name="DEFAULTWIDTH" val="368"/>
   <p:tag name="DEFAULTHEIGHT" val="284"/>
   <p:tag name="DEFAULTMAGNIFICATION" val="1.5"/>
-</p:tagLst>
-</file>
-
-<file path=ppt/tags/tag2.xml><?xml version="1.0" encoding="utf-8"?>
-<p:tagLst xmlns:a="http://schemas.openxmlformats.org/drawingml/2006/main" xmlns:r="http://schemas.openxmlformats.org/officeDocument/2006/relationships" xmlns:mc="http://schemas.openxmlformats.org/markup-compatibility/2006" xmlns:mv="urn:schemas-microsoft-com:mac:vml" xmlns:p="http://schemas.openxmlformats.org/presentationml/2006/main" mc:Ignorable="mv" mc:PreserveAttributes="mv:*">
-  <p:tag name="HIDDENFONTSHAPE" val="true"/>
 </p:tagLst>
 </file>
 

--- a/restricted/slides8w.pptx
+++ b/restricted/slides8w.pptx
@@ -7339,11 +7339,7 @@
             </a:r>
             <a:r>
               <a:rPr lang="en-US" dirty="0" smtClean="0"/>
-              <a:t> </a:t>
-            </a:r>
-            <a:r>
-              <a:rPr lang="en-US" dirty="0" smtClean="0"/>
-              <a:t>8W.</a:t>
+              <a:t> 8W.</a:t>
             </a:r>
             <a:fld id="{5653AFC6-B420-2E4E-AAAC-D734658728B4}" type="slidenum">
               <a:rPr lang="en-US" smtClean="0"/>
@@ -7447,11 +7443,7 @@
             </a:r>
             <a:r>
               <a:rPr lang="en-US" dirty="0" smtClean="0"/>
-              <a:t> </a:t>
-            </a:r>
-            <a:r>
-              <a:rPr lang="en-US" dirty="0" smtClean="0"/>
-              <a:t>8W.</a:t>
+              <a:t> 8W.</a:t>
             </a:r>
             <a:fld id="{5653AFC6-B420-2E4E-AAAC-D734658728B4}" type="slidenum">
               <a:rPr lang="en-US" smtClean="0"/>
@@ -7524,11 +7516,7 @@
             </a:r>
             <a:r>
               <a:rPr lang="en-US" dirty="0" smtClean="0"/>
-              <a:t> </a:t>
-            </a:r>
-            <a:r>
-              <a:rPr lang="en-US" dirty="0" smtClean="0"/>
-              <a:t>8W.</a:t>
+              <a:t> 8W.</a:t>
             </a:r>
             <a:fld id="{5653AFC6-B420-2E4E-AAAC-D734658728B4}" type="slidenum">
               <a:rPr lang="en-US" smtClean="0"/>
@@ -7761,22 +7749,7 @@
                 <a:uFillTx/>
                 <a:latin typeface="Comic Sans MS" pitchFamily="66" charset="0"/>
               </a:rPr>
-              <a:t>Albert R Meyer</a:t>
-            </a:r>
-            <a:r>
-              <a:rPr kumimoji="0" lang="en-US" sz="1200" b="0" i="0" u="none" strike="noStrike" kern="1200" cap="none" spc="0" normalizeH="0" baseline="0" noProof="0" dirty="0" smtClean="0">
-                <a:ln>
-                  <a:noFill/>
-                </a:ln>
-                <a:solidFill>
-                  <a:schemeClr val="tx1"/>
-                </a:solidFill>
-                <a:effectLst/>
-                <a:uLnTx/>
-                <a:uFillTx/>
-                <a:latin typeface="Comic Sans MS" pitchFamily="66" charset="0"/>
-              </a:rPr>
-              <a:t>,        March 31, 2010</a:t>
+              <a:t>Albert R Meyer,        March 31, 2010</a:t>
             </a:r>
             <a:endParaRPr kumimoji="0" lang="en-US" sz="1200" b="0" i="0" u="none" strike="noStrike" kern="1200" cap="none" spc="0" normalizeH="0" baseline="0" noProof="0" dirty="0">
               <a:ln>
@@ -7854,11 +7827,7 @@
             </a:r>
             <a:r>
               <a:rPr lang="en-US" dirty="0" smtClean="0"/>
-              <a:t> </a:t>
-            </a:r>
-            <a:r>
-              <a:rPr lang="en-US" dirty="0" smtClean="0"/>
-              <a:t>8W.</a:t>
+              <a:t> 8W.</a:t>
             </a:r>
             <a:fld id="{5653AFC6-B420-2E4E-AAAC-D734658728B4}" type="slidenum">
               <a:rPr lang="en-US" smtClean="0"/>
@@ -8964,7 +8933,7 @@
         </p:nvSpPr>
         <p:spPr>
           <a:xfrm>
-            <a:off x="152400" y="914400"/>
+            <a:off x="304800" y="914400"/>
             <a:ext cx="7848600" cy="5486400"/>
           </a:xfrm>
         </p:spPr>
@@ -9260,13 +9229,17 @@
             <a:pPr algn="ctr" eaLnBrk="1" hangingPunct="1"/>
             <a:r>
               <a:rPr lang="en-US" sz="4400" dirty="0" smtClean="0"/>
-              <a:t>proof: (</a:t>
+              <a:t>proof: </a:t>
+            </a:r>
+            <a:r>
+              <a:rPr lang="en-US" sz="4400" dirty="0" smtClean="0"/>
+              <a:t>(</a:t>
             </a:r>
             <a:r>
               <a:rPr lang="en-US" sz="4400" dirty="0" smtClean="0">
                 <a:sym typeface="Euclid Symbol"/>
               </a:rPr>
-              <a:t>←</a:t>
+              <a:t>if</a:t>
             </a:r>
             <a:r>
               <a:rPr lang="en-US" sz="4400" dirty="0" smtClean="0"/>
@@ -9340,8 +9313,8 @@
         </p:nvSpPr>
         <p:spPr>
           <a:xfrm>
-            <a:off x="1524000" y="5715000"/>
-            <a:ext cx="6032421" cy="923330"/>
+            <a:off x="1369543" y="5715000"/>
+            <a:ext cx="6295113" cy="830997"/>
           </a:xfrm>
           <a:prstGeom prst="rect">
             <a:avLst/>
@@ -9355,20 +9328,20 @@
           <a:lstStyle/>
           <a:p>
             <a:r>
-              <a:rPr lang="en-US" sz="5400" dirty="0" smtClean="0"/>
-              <a:t>proof: (</a:t>
-            </a:r>
-            <a:r>
-              <a:rPr lang="en-US" sz="5400" b="1" dirty="0" smtClean="0">
+              <a:rPr lang="en-US" sz="4800" dirty="0" smtClean="0"/>
+              <a:t>(</a:t>
+            </a:r>
+            <a:r>
+              <a:rPr lang="en-US" sz="4800" dirty="0" smtClean="0">
                 <a:sym typeface="Euclid Symbol"/>
               </a:rPr>
-              <a:t>→</a:t>
-            </a:r>
-            <a:r>
-              <a:rPr lang="en-US" sz="5400" dirty="0" smtClean="0"/>
-              <a:t>) similar</a:t>
-            </a:r>
-            <a:endParaRPr lang="en-US" sz="5400" dirty="0"/>
+              <a:t>only if</a:t>
+            </a:r>
+            <a:r>
+              <a:rPr lang="en-US" sz="4800" dirty="0" smtClean="0"/>
+              <a:t>) proof similar</a:t>
+            </a:r>
+            <a:endParaRPr lang="en-US" sz="4800" dirty="0"/>
           </a:p>
         </p:txBody>
       </p:sp>
@@ -36946,18 +36919,7 @@
                 <a:cs typeface="Euclid Symbol" charset="2"/>
                 <a:sym typeface="Euclid Symbol" pitchFamily="18" charset="2"/>
               </a:rPr>
-              <a:t> </a:t>
-            </a:r>
-            <a:r>
-              <a:rPr lang="en-US" sz="5400" b="1" dirty="0" smtClean="0">
-                <a:solidFill>
-                  <a:srgbClr val="0000CC"/>
-                </a:solidFill>
-                <a:latin typeface="Euclid Symbol" charset="2"/>
-                <a:cs typeface="Euclid Symbol" charset="2"/>
-                <a:sym typeface="Euclid Symbol" pitchFamily="18" charset="2"/>
-              </a:rPr>
-              <a:t> </a:t>
+              <a:t>  </a:t>
             </a:r>
             <a:r>
               <a:rPr lang="en-US" sz="5400" dirty="0" smtClean="0">
